--- a/Lectures/Lecture 3/Lecture 3.pptx
+++ b/Lectures/Lecture 3/Lecture 3.pptx
@@ -6,20 +6,33 @@
     <p:sldMasterId id="2147483676" r:id="rId2"/>
   </p:sldMasterIdLst>
   <p:notesMasterIdLst>
-    <p:notesMasterId r:id="rId6"/>
+    <p:notesMasterId r:id="rId19"/>
   </p:notesMasterIdLst>
   <p:handoutMasterIdLst>
-    <p:handoutMasterId r:id="rId7"/>
+    <p:handoutMasterId r:id="rId20"/>
   </p:handoutMasterIdLst>
   <p:sldIdLst>
     <p:sldId id="320" r:id="rId3"/>
     <p:sldId id="324" r:id="rId4"/>
-    <p:sldId id="329" r:id="rId5"/>
+    <p:sldId id="330" r:id="rId5"/>
+    <p:sldId id="331" r:id="rId6"/>
+    <p:sldId id="332" r:id="rId7"/>
+    <p:sldId id="333" r:id="rId8"/>
+    <p:sldId id="334" r:id="rId9"/>
+    <p:sldId id="336" r:id="rId10"/>
+    <p:sldId id="337" r:id="rId11"/>
+    <p:sldId id="338" r:id="rId12"/>
+    <p:sldId id="339" r:id="rId13"/>
+    <p:sldId id="340" r:id="rId14"/>
+    <p:sldId id="341" r:id="rId15"/>
+    <p:sldId id="342" r:id="rId16"/>
+    <p:sldId id="343" r:id="rId17"/>
+    <p:sldId id="329" r:id="rId18"/>
   </p:sldIdLst>
   <p:sldSz cx="9144000" cy="6858000" type="screen4x3"/>
   <p:notesSz cx="6858000" cy="9144000"/>
   <p:custDataLst>
-    <p:tags r:id="rId8"/>
+    <p:tags r:id="rId21"/>
   </p:custDataLst>
   <p:defaultTextStyle>
     <a:defPPr>
@@ -278,7 +291,7 @@
               <a:pPr>
                 <a:defRPr/>
               </a:pPr>
-              <a:t>8/20/2018</a:t>
+              <a:t>8/25/2018</a:t>
             </a:fld>
             <a:endParaRPr lang="en-US" dirty="0"/>
           </a:p>
@@ -490,7 +503,7 @@
               <a:pPr>
                 <a:defRPr/>
               </a:pPr>
-              <a:t>8/20/2018</a:t>
+              <a:t>8/25/2018</a:t>
             </a:fld>
             <a:endParaRPr lang="en-US" dirty="0"/>
           </a:p>
@@ -1009,7 +1022,7 @@
               <a:pPr>
                 <a:defRPr/>
               </a:pPr>
-              <a:t>8/20/2018</a:t>
+              <a:t>8/25/2018</a:t>
             </a:fld>
             <a:endParaRPr lang="en-US" dirty="0"/>
           </a:p>
@@ -1199,7 +1212,7 @@
               <a:pPr>
                 <a:defRPr/>
               </a:pPr>
-              <a:t>8/20/2018</a:t>
+              <a:t>8/25/2018</a:t>
             </a:fld>
             <a:endParaRPr lang="en-US" dirty="0"/>
           </a:p>
@@ -1399,7 +1412,7 @@
               <a:pPr>
                 <a:defRPr/>
               </a:pPr>
-              <a:t>8/20/2018</a:t>
+              <a:t>8/25/2018</a:t>
             </a:fld>
             <a:endParaRPr lang="en-US" dirty="0"/>
           </a:p>
@@ -1667,7 +1680,7 @@
               <a:pPr>
                 <a:defRPr/>
               </a:pPr>
-              <a:t>8/20/2018</a:t>
+              <a:t>8/25/2018</a:t>
             </a:fld>
             <a:endParaRPr lang="en-US" dirty="0">
               <a:solidFill>
@@ -1881,7 +1894,7 @@
               <a:pPr>
                 <a:defRPr/>
               </a:pPr>
-              <a:t>8/20/2018</a:t>
+              <a:t>8/25/2018</a:t>
             </a:fld>
             <a:endParaRPr lang="en-US" dirty="0">
               <a:solidFill>
@@ -2172,7 +2185,7 @@
               <a:pPr>
                 <a:defRPr/>
               </a:pPr>
-              <a:t>8/20/2018</a:t>
+              <a:t>8/25/2018</a:t>
             </a:fld>
             <a:endParaRPr lang="en-US" dirty="0">
               <a:solidFill>
@@ -2503,7 +2516,7 @@
               <a:pPr>
                 <a:defRPr/>
               </a:pPr>
-              <a:t>8/20/2018</a:t>
+              <a:t>8/25/2018</a:t>
             </a:fld>
             <a:endParaRPr lang="en-US" dirty="0">
               <a:solidFill>
@@ -2968,7 +2981,7 @@
               <a:pPr>
                 <a:defRPr/>
               </a:pPr>
-              <a:t>8/20/2018</a:t>
+              <a:t>8/25/2018</a:t>
             </a:fld>
             <a:endParaRPr lang="en-US" dirty="0">
               <a:solidFill>
@@ -3131,7 +3144,7 @@
               <a:pPr>
                 <a:defRPr/>
               </a:pPr>
-              <a:t>8/20/2018</a:t>
+              <a:t>8/25/2018</a:t>
             </a:fld>
             <a:endParaRPr lang="en-US" dirty="0">
               <a:solidFill>
@@ -3272,7 +3285,7 @@
               <a:pPr>
                 <a:defRPr/>
               </a:pPr>
-              <a:t>8/20/2018</a:t>
+              <a:t>8/25/2018</a:t>
             </a:fld>
             <a:endParaRPr lang="en-US" dirty="0">
               <a:solidFill>
@@ -3593,7 +3606,7 @@
               <a:pPr>
                 <a:defRPr/>
               </a:pPr>
-              <a:t>8/20/2018</a:t>
+              <a:t>8/25/2018</a:t>
             </a:fld>
             <a:endParaRPr lang="en-US" dirty="0">
               <a:solidFill>
@@ -3801,7 +3814,7 @@
               <a:pPr>
                 <a:defRPr/>
               </a:pPr>
-              <a:t>8/20/2018</a:t>
+              <a:t>8/25/2018</a:t>
             </a:fld>
             <a:endParaRPr lang="en-US" dirty="0"/>
           </a:p>
@@ -4084,7 +4097,7 @@
               <a:pPr>
                 <a:defRPr/>
               </a:pPr>
-              <a:t>8/20/2018</a:t>
+              <a:t>8/25/2018</a:t>
             </a:fld>
             <a:endParaRPr lang="en-US" dirty="0">
               <a:solidFill>
@@ -4298,7 +4311,7 @@
               <a:pPr>
                 <a:defRPr/>
               </a:pPr>
-              <a:t>8/20/2018</a:t>
+              <a:t>8/25/2018</a:t>
             </a:fld>
             <a:endParaRPr lang="en-US" dirty="0">
               <a:solidFill>
@@ -4522,7 +4535,7 @@
               <a:pPr>
                 <a:defRPr/>
               </a:pPr>
-              <a:t>8/20/2018</a:t>
+              <a:t>8/25/2018</a:t>
             </a:fld>
             <a:endParaRPr lang="en-US" dirty="0">
               <a:solidFill>
@@ -4732,7 +4745,7 @@
               <a:pPr>
                 <a:defRPr/>
               </a:pPr>
-              <a:t>8/20/2018</a:t>
+              <a:t>8/25/2018</a:t>
             </a:fld>
             <a:endParaRPr lang="en-US" dirty="0">
               <a:solidFill>
@@ -5009,7 +5022,7 @@
               <a:pPr>
                 <a:defRPr/>
               </a:pPr>
-              <a:t>8/20/2018</a:t>
+              <a:t>8/25/2018</a:t>
             </a:fld>
             <a:endParaRPr lang="en-US" dirty="0"/>
           </a:p>
@@ -5316,7 +5329,7 @@
               <a:pPr>
                 <a:defRPr/>
               </a:pPr>
-              <a:t>8/20/2018</a:t>
+              <a:t>8/25/2018</a:t>
             </a:fld>
             <a:endParaRPr lang="en-US" dirty="0"/>
           </a:p>
@@ -5757,7 +5770,7 @@
               <a:pPr>
                 <a:defRPr/>
               </a:pPr>
-              <a:t>8/20/2018</a:t>
+              <a:t>8/25/2018</a:t>
             </a:fld>
             <a:endParaRPr lang="en-US" dirty="0"/>
           </a:p>
@@ -5896,7 +5909,7 @@
               <a:pPr>
                 <a:defRPr/>
               </a:pPr>
-              <a:t>8/20/2018</a:t>
+              <a:t>8/25/2018</a:t>
             </a:fld>
             <a:endParaRPr lang="en-US" dirty="0"/>
           </a:p>
@@ -6013,7 +6026,7 @@
               <a:pPr>
                 <a:defRPr/>
               </a:pPr>
-              <a:t>8/20/2018</a:t>
+              <a:t>8/25/2018</a:t>
             </a:fld>
             <a:endParaRPr lang="en-US" dirty="0"/>
           </a:p>
@@ -6310,7 +6323,7 @@
               <a:pPr>
                 <a:defRPr/>
               </a:pPr>
-              <a:t>8/20/2018</a:t>
+              <a:t>8/25/2018</a:t>
             </a:fld>
             <a:endParaRPr lang="en-US" dirty="0"/>
           </a:p>
@@ -6587,7 +6600,7 @@
               <a:pPr>
                 <a:defRPr/>
               </a:pPr>
-              <a:t>8/20/2018</a:t>
+              <a:t>8/25/2018</a:t>
             </a:fld>
             <a:endParaRPr lang="en-US" dirty="0"/>
           </a:p>
@@ -6844,7 +6857,7 @@
               <a:pPr>
                 <a:defRPr/>
               </a:pPr>
-              <a:t>8/20/2018</a:t>
+              <a:t>8/25/2018</a:t>
             </a:fld>
             <a:endParaRPr lang="en-US" dirty="0"/>
           </a:p>
@@ -7554,7 +7567,7 @@
               <a:pPr>
                 <a:defRPr/>
               </a:pPr>
-              <a:t>8/20/2018</a:t>
+              <a:t>8/25/2018</a:t>
             </a:fld>
             <a:endParaRPr lang="en-US" dirty="0">
               <a:solidFill>
@@ -8155,8 +8168,19 @@
                 <a:ea typeface="+mj-ea"/>
                 <a:cs typeface="+mj-cs"/>
               </a:rPr>
-              <a:t>Data Visualization</a:t>
-            </a:r>
+              <a:t>Workflow in </a:t>
+            </a:r>
+            <a:r>
+              <a:rPr lang="en-US" sz="6000" i="1" dirty="0" err="1">
+                <a:ea typeface="+mj-ea"/>
+                <a:cs typeface="+mj-cs"/>
+              </a:rPr>
+              <a:t>RMarkdown</a:t>
+            </a:r>
+            <a:endParaRPr lang="en-US" sz="6000" i="1" dirty="0">
+              <a:ea typeface="+mj-ea"/>
+              <a:cs typeface="+mj-cs"/>
+            </a:endParaRPr>
           </a:p>
         </p:txBody>
       </p:sp>
@@ -8438,7 +8462,7 @@
 </p:sld>
 </file>
 
-<file path=ppt/slides/slide2.xml><?xml version="1.0" encoding="utf-8"?>
+<file path=ppt/slides/slide10.xml><?xml version="1.0" encoding="utf-8"?>
 <p:sld xmlns:a="http://schemas.openxmlformats.org/drawingml/2006/main" xmlns:r="http://schemas.openxmlformats.org/officeDocument/2006/relationships" xmlns:p="http://schemas.openxmlformats.org/presentationml/2006/main">
   <p:cSld>
     <p:bg>
@@ -8465,6 +8489,163 @@
           <a:chExt cx="0" cy="0"/>
         </a:xfrm>
       </p:grpSpPr>
+      <p:sp>
+        <p:nvSpPr>
+          <p:cNvPr id="6" name="TextBox 5">
+            <a:extLst>
+              <a:ext uri="{FF2B5EF4-FFF2-40B4-BE49-F238E27FC236}">
+                <a16:creationId xmlns:a16="http://schemas.microsoft.com/office/drawing/2014/main" id="{03000CCC-A457-4CAC-8210-40755530C48B}"/>
+              </a:ext>
+            </a:extLst>
+          </p:cNvPr>
+          <p:cNvSpPr txBox="1"/>
+          <p:nvPr/>
+        </p:nvSpPr>
+        <p:spPr>
+          <a:xfrm>
+            <a:off x="3733800" y="643467"/>
+            <a:ext cx="5181600" cy="4524315"/>
+          </a:xfrm>
+          <a:prstGeom prst="rect">
+            <a:avLst/>
+          </a:prstGeom>
+          <a:noFill/>
+        </p:spPr>
+        <p:txBody>
+          <a:bodyPr wrap="square" rtlCol="0">
+            <a:spAutoFit/>
+          </a:bodyPr>
+          <a:lstStyle/>
+          <a:p>
+            <a:pPr marL="342900" indent="-342900">
+              <a:buFont typeface="Arial" panose="020B0604020202020204" pitchFamily="34" charset="0"/>
+              <a:buChar char="•"/>
+            </a:pPr>
+            <a:r>
+              <a:rPr lang="en-US" dirty="0">
+                <a:solidFill>
+                  <a:srgbClr val="404040"/>
+                </a:solidFill>
+              </a:rPr>
+              <a:t>Order Matters (Cont.)</a:t>
+            </a:r>
+          </a:p>
+          <a:p>
+            <a:pPr marL="800100" lvl="1" indent="-342900">
+              <a:buFont typeface="Arial" panose="020B0604020202020204" pitchFamily="34" charset="0"/>
+              <a:buChar char="•"/>
+            </a:pPr>
+            <a:r>
+              <a:rPr lang="en-US" dirty="0">
+                <a:solidFill>
+                  <a:srgbClr val="404040"/>
+                </a:solidFill>
+              </a:rPr>
+              <a:t>Super Chunky (Cont.)</a:t>
+            </a:r>
+          </a:p>
+          <a:p>
+            <a:pPr marL="800100" lvl="1" indent="-342900">
+              <a:buFont typeface="Arial" panose="020B0604020202020204" pitchFamily="34" charset="0"/>
+              <a:buChar char="•"/>
+            </a:pPr>
+            <a:endParaRPr lang="en-US" dirty="0">
+              <a:solidFill>
+                <a:srgbClr val="404040"/>
+              </a:solidFill>
+            </a:endParaRPr>
+          </a:p>
+          <a:p>
+            <a:pPr marL="800100" lvl="1" indent="-342900">
+              <a:buFont typeface="Arial" panose="020B0604020202020204" pitchFamily="34" charset="0"/>
+              <a:buChar char="•"/>
+            </a:pPr>
+            <a:endParaRPr lang="en-US" dirty="0">
+              <a:solidFill>
+                <a:srgbClr val="404040"/>
+              </a:solidFill>
+            </a:endParaRPr>
+          </a:p>
+          <a:p>
+            <a:pPr marL="800100" lvl="1" indent="-342900">
+              <a:buFont typeface="Arial" panose="020B0604020202020204" pitchFamily="34" charset="0"/>
+              <a:buChar char="•"/>
+            </a:pPr>
+            <a:endParaRPr lang="en-US" dirty="0">
+              <a:solidFill>
+                <a:srgbClr val="404040"/>
+              </a:solidFill>
+            </a:endParaRPr>
+          </a:p>
+          <a:p>
+            <a:pPr marL="800100" lvl="1" indent="-342900">
+              <a:buFont typeface="Arial" panose="020B0604020202020204" pitchFamily="34" charset="0"/>
+              <a:buChar char="•"/>
+            </a:pPr>
+            <a:endParaRPr lang="en-US" dirty="0">
+              <a:solidFill>
+                <a:srgbClr val="404040"/>
+              </a:solidFill>
+            </a:endParaRPr>
+          </a:p>
+          <a:p>
+            <a:pPr marL="800100" lvl="1" indent="-342900">
+              <a:buFont typeface="Arial" panose="020B0604020202020204" pitchFamily="34" charset="0"/>
+              <a:buChar char="•"/>
+            </a:pPr>
+            <a:endParaRPr lang="en-US" dirty="0">
+              <a:solidFill>
+                <a:srgbClr val="404040"/>
+              </a:solidFill>
+            </a:endParaRPr>
+          </a:p>
+          <a:p>
+            <a:pPr marL="800100" lvl="1" indent="-342900">
+              <a:buFont typeface="Arial" panose="020B0604020202020204" pitchFamily="34" charset="0"/>
+              <a:buChar char="•"/>
+            </a:pPr>
+            <a:endParaRPr lang="en-US" dirty="0">
+              <a:solidFill>
+                <a:srgbClr val="404040"/>
+              </a:solidFill>
+            </a:endParaRPr>
+          </a:p>
+          <a:p>
+            <a:pPr lvl="1"/>
+            <a:endParaRPr lang="en-US" dirty="0">
+              <a:solidFill>
+                <a:srgbClr val="404040"/>
+              </a:solidFill>
+            </a:endParaRPr>
+          </a:p>
+          <a:p>
+            <a:pPr lvl="1"/>
+            <a:endParaRPr lang="en-US" dirty="0">
+              <a:solidFill>
+                <a:srgbClr val="404040"/>
+              </a:solidFill>
+            </a:endParaRPr>
+          </a:p>
+          <a:p>
+            <a:endParaRPr lang="en-US" dirty="0">
+              <a:solidFill>
+                <a:srgbClr val="404040"/>
+              </a:solidFill>
+            </a:endParaRPr>
+          </a:p>
+          <a:p>
+            <a:pPr marL="342900" indent="-342900">
+              <a:buFont typeface="Arial" panose="020B0604020202020204" pitchFamily="34" charset="0"/>
+              <a:buChar char="•"/>
+            </a:pPr>
+            <a:endParaRPr lang="en-US" dirty="0">
+              <a:solidFill>
+                <a:srgbClr val="404040"/>
+              </a:solidFill>
+            </a:endParaRPr>
+          </a:p>
+        </p:txBody>
+      </p:sp>
       <p:sp>
         <p:nvSpPr>
           <p:cNvPr id="15" name="Rectangle 12">
@@ -8563,6 +8744,538 @@
               </a:lnSpc>
             </a:pPr>
             <a:r>
+              <a:rPr lang="en-US" sz="2400" kern="1200">
+                <a:solidFill>
+                  <a:schemeClr val="bg1"/>
+                </a:solidFill>
+                <a:latin typeface="+mj-lt"/>
+                <a:ea typeface="+mj-ea"/>
+                <a:cs typeface="+mj-cs"/>
+              </a:rPr>
+              <a:t>Running Code in RMarkdown</a:t>
+            </a:r>
+            <a:endParaRPr lang="en-US" sz="2400" kern="1200" dirty="0">
+              <a:solidFill>
+                <a:schemeClr val="bg1"/>
+              </a:solidFill>
+              <a:latin typeface="+mj-lt"/>
+              <a:ea typeface="+mj-ea"/>
+              <a:cs typeface="+mj-cs"/>
+            </a:endParaRPr>
+          </a:p>
+        </p:txBody>
+      </p:sp>
+      <p:pic>
+        <p:nvPicPr>
+          <p:cNvPr id="8" name="Picture 7">
+            <a:extLst>
+              <a:ext uri="{FF2B5EF4-FFF2-40B4-BE49-F238E27FC236}">
+                <a16:creationId xmlns:a16="http://schemas.microsoft.com/office/drawing/2014/main" id="{521D4292-9ECC-4DA5-8CC0-C561A0DA118E}"/>
+              </a:ext>
+            </a:extLst>
+          </p:cNvPr>
+          <p:cNvPicPr>
+            <a:picLocks noChangeAspect="1"/>
+          </p:cNvPicPr>
+          <p:nvPr/>
+        </p:nvPicPr>
+        <p:blipFill rotWithShape="1">
+          <a:blip r:embed="rId3"/>
+          <a:srcRect l="8000" r="9400"/>
+          <a:stretch/>
+        </p:blipFill>
+        <p:spPr>
+          <a:xfrm>
+            <a:off x="660103" y="3048000"/>
+            <a:ext cx="2167974" cy="2624666"/>
+          </a:xfrm>
+          <a:prstGeom prst="rect">
+            <a:avLst/>
+          </a:prstGeom>
+          <a:noFill/>
+        </p:spPr>
+      </p:pic>
+      <p:pic>
+        <p:nvPicPr>
+          <p:cNvPr id="3" name="Picture 2">
+            <a:extLst>
+              <a:ext uri="{FF2B5EF4-FFF2-40B4-BE49-F238E27FC236}">
+                <a16:creationId xmlns:a16="http://schemas.microsoft.com/office/drawing/2014/main" id="{9D941D5F-5C69-4489-8470-2FBE21009687}"/>
+              </a:ext>
+            </a:extLst>
+          </p:cNvPr>
+          <p:cNvPicPr>
+            <a:picLocks noChangeAspect="1"/>
+          </p:cNvPicPr>
+          <p:nvPr/>
+        </p:nvPicPr>
+        <p:blipFill>
+          <a:blip r:embed="rId4"/>
+          <a:stretch>
+            <a:fillRect/>
+          </a:stretch>
+        </p:blipFill>
+        <p:spPr>
+          <a:xfrm>
+            <a:off x="4281253" y="1442124"/>
+            <a:ext cx="4380147" cy="5105400"/>
+          </a:xfrm>
+          <a:prstGeom prst="rect">
+            <a:avLst/>
+          </a:prstGeom>
+        </p:spPr>
+      </p:pic>
+      <p:sp>
+        <p:nvSpPr>
+          <p:cNvPr id="13" name="Rectangle 12">
+            <a:extLst>
+              <a:ext uri="{FF2B5EF4-FFF2-40B4-BE49-F238E27FC236}">
+                <a16:creationId xmlns:a16="http://schemas.microsoft.com/office/drawing/2014/main" id="{9EB468D7-6BD4-4068-A6B9-DEA0D83F6D65}"/>
+              </a:ext>
+            </a:extLst>
+          </p:cNvPr>
+          <p:cNvSpPr/>
+          <p:nvPr/>
+        </p:nvSpPr>
+        <p:spPr>
+          <a:xfrm>
+            <a:off x="8392922" y="5268707"/>
+            <a:ext cx="147169" cy="147169"/>
+          </a:xfrm>
+          <a:prstGeom prst="rect">
+            <a:avLst/>
+          </a:prstGeom>
+          <a:noFill/>
+          <a:ln w="19050">
+            <a:solidFill>
+              <a:srgbClr val="404040"/>
+            </a:solidFill>
+          </a:ln>
+        </p:spPr>
+        <p:style>
+          <a:lnRef idx="1">
+            <a:schemeClr val="accent1"/>
+          </a:lnRef>
+          <a:fillRef idx="3">
+            <a:schemeClr val="accent1"/>
+          </a:fillRef>
+          <a:effectRef idx="2">
+            <a:schemeClr val="accent1"/>
+          </a:effectRef>
+          <a:fontRef idx="minor">
+            <a:schemeClr val="lt1"/>
+          </a:fontRef>
+        </p:style>
+        <p:txBody>
+          <a:bodyPr rtlCol="0" anchor="ctr"/>
+          <a:lstStyle/>
+          <a:p>
+            <a:pPr algn="ctr"/>
+            <a:endParaRPr lang="en-US"/>
+          </a:p>
+        </p:txBody>
+      </p:sp>
+      <p:cxnSp>
+        <p:nvCxnSpPr>
+          <p:cNvPr id="16" name="Straight Arrow Connector 15">
+            <a:extLst>
+              <a:ext uri="{FF2B5EF4-FFF2-40B4-BE49-F238E27FC236}">
+                <a16:creationId xmlns:a16="http://schemas.microsoft.com/office/drawing/2014/main" id="{A86808B8-8441-4986-9DE4-2D76572E8EAB}"/>
+              </a:ext>
+            </a:extLst>
+          </p:cNvPr>
+          <p:cNvCxnSpPr>
+            <a:cxnSpLocks/>
+          </p:cNvCxnSpPr>
+          <p:nvPr/>
+        </p:nvCxnSpPr>
+        <p:spPr>
+          <a:xfrm flipH="1">
+            <a:off x="5276124" y="5436498"/>
+            <a:ext cx="3062200" cy="888102"/>
+          </a:xfrm>
+          <a:prstGeom prst="straightConnector1">
+            <a:avLst/>
+          </a:prstGeom>
+          <a:ln>
+            <a:solidFill>
+              <a:srgbClr val="404040"/>
+            </a:solidFill>
+            <a:tailEnd type="triangle"/>
+          </a:ln>
+        </p:spPr>
+        <p:style>
+          <a:lnRef idx="2">
+            <a:schemeClr val="dk1"/>
+          </a:lnRef>
+          <a:fillRef idx="0">
+            <a:schemeClr val="dk1"/>
+          </a:fillRef>
+          <a:effectRef idx="1">
+            <a:schemeClr val="dk1"/>
+          </a:effectRef>
+          <a:fontRef idx="minor">
+            <a:schemeClr val="tx1"/>
+          </a:fontRef>
+        </p:style>
+      </p:cxnSp>
+      <p:sp>
+        <p:nvSpPr>
+          <p:cNvPr id="14" name="TextBox 13">
+            <a:extLst>
+              <a:ext uri="{FF2B5EF4-FFF2-40B4-BE49-F238E27FC236}">
+                <a16:creationId xmlns:a16="http://schemas.microsoft.com/office/drawing/2014/main" id="{6C2CB4DC-B67C-4A83-86BD-69EDE8A2CDA9}"/>
+              </a:ext>
+            </a:extLst>
+          </p:cNvPr>
+          <p:cNvSpPr txBox="1"/>
+          <p:nvPr/>
+        </p:nvSpPr>
+        <p:spPr>
+          <a:xfrm>
+            <a:off x="5793373" y="5869339"/>
+            <a:ext cx="2730619" cy="338554"/>
+          </a:xfrm>
+          <a:prstGeom prst="rect">
+            <a:avLst/>
+          </a:prstGeom>
+          <a:solidFill>
+            <a:srgbClr val="D5D5D5"/>
+          </a:solidFill>
+        </p:spPr>
+        <p:style>
+          <a:lnRef idx="2">
+            <a:schemeClr val="dk1"/>
+          </a:lnRef>
+          <a:fillRef idx="1">
+            <a:schemeClr val="lt1"/>
+          </a:fillRef>
+          <a:effectRef idx="0">
+            <a:schemeClr val="dk1"/>
+          </a:effectRef>
+          <a:fontRef idx="minor">
+            <a:schemeClr val="dk1"/>
+          </a:fontRef>
+        </p:style>
+        <p:txBody>
+          <a:bodyPr wrap="square" rtlCol="0">
+            <a:spAutoFit/>
+          </a:bodyPr>
+          <a:lstStyle/>
+          <a:p>
+            <a:pPr algn="ctr"/>
+            <a:r>
+              <a:rPr lang="en-US" sz="1600" dirty="0"/>
+              <a:t>Then, Run Current Chunk</a:t>
+            </a:r>
+          </a:p>
+        </p:txBody>
+      </p:sp>
+    </p:spTree>
+    <p:custDataLst>
+      <p:tags r:id="rId1"/>
+    </p:custDataLst>
+    <p:extLst>
+      <p:ext uri="{BB962C8B-B14F-4D97-AF65-F5344CB8AC3E}">
+        <p14:creationId xmlns:p14="http://schemas.microsoft.com/office/powerpoint/2010/main" val="1379638129"/>
+      </p:ext>
+    </p:extLst>
+  </p:cSld>
+  <p:clrMapOvr>
+    <a:masterClrMapping/>
+  </p:clrMapOvr>
+</p:sld>
+</file>
+
+<file path=ppt/slides/slide11.xml><?xml version="1.0" encoding="utf-8"?>
+<p:sld xmlns:a="http://schemas.openxmlformats.org/drawingml/2006/main" xmlns:r="http://schemas.openxmlformats.org/officeDocument/2006/relationships" xmlns:p="http://schemas.openxmlformats.org/presentationml/2006/main">
+  <p:cSld>
+    <p:bg>
+      <p:bgPr>
+        <a:solidFill>
+          <a:schemeClr val="bg1">
+            <a:lumMod val="85000"/>
+          </a:schemeClr>
+        </a:solidFill>
+        <a:effectLst/>
+      </p:bgPr>
+    </p:bg>
+    <p:spTree>
+      <p:nvGrpSpPr>
+        <p:cNvPr id="1" name=""/>
+        <p:cNvGrpSpPr/>
+        <p:nvPr/>
+      </p:nvGrpSpPr>
+      <p:grpSpPr>
+        <a:xfrm>
+          <a:off x="0" y="0"/>
+          <a:ext cx="0" cy="0"/>
+          <a:chOff x="0" y="0"/>
+          <a:chExt cx="0" cy="0"/>
+        </a:xfrm>
+      </p:grpSpPr>
+      <p:sp>
+        <p:nvSpPr>
+          <p:cNvPr id="6" name="TextBox 5">
+            <a:extLst>
+              <a:ext uri="{FF2B5EF4-FFF2-40B4-BE49-F238E27FC236}">
+                <a16:creationId xmlns:a16="http://schemas.microsoft.com/office/drawing/2014/main" id="{03000CCC-A457-4CAC-8210-40755530C48B}"/>
+              </a:ext>
+            </a:extLst>
+          </p:cNvPr>
+          <p:cNvSpPr txBox="1"/>
+          <p:nvPr/>
+        </p:nvSpPr>
+        <p:spPr>
+          <a:xfrm>
+            <a:off x="3733800" y="643467"/>
+            <a:ext cx="5181600" cy="4893647"/>
+          </a:xfrm>
+          <a:prstGeom prst="rect">
+            <a:avLst/>
+          </a:prstGeom>
+          <a:noFill/>
+        </p:spPr>
+        <p:txBody>
+          <a:bodyPr wrap="square" rtlCol="0">
+            <a:spAutoFit/>
+          </a:bodyPr>
+          <a:lstStyle/>
+          <a:p>
+            <a:pPr marL="342900" indent="-342900">
+              <a:buFont typeface="Arial" panose="020B0604020202020204" pitchFamily="34" charset="0"/>
+              <a:buChar char="•"/>
+            </a:pPr>
+            <a:r>
+              <a:rPr lang="en-US" dirty="0">
+                <a:solidFill>
+                  <a:srgbClr val="404040"/>
+                </a:solidFill>
+              </a:rPr>
+              <a:t>Many Types of Objects</a:t>
+            </a:r>
+          </a:p>
+          <a:p>
+            <a:pPr marL="800100" lvl="1" indent="-342900">
+              <a:buFont typeface="Arial" panose="020B0604020202020204" pitchFamily="34" charset="0"/>
+              <a:buChar char="•"/>
+            </a:pPr>
+            <a:r>
+              <a:rPr lang="en-US" dirty="0">
+                <a:solidFill>
+                  <a:srgbClr val="404040"/>
+                </a:solidFill>
+              </a:rPr>
+              <a:t>Vector and Matrix</a:t>
+            </a:r>
+          </a:p>
+          <a:p>
+            <a:endParaRPr lang="en-US" dirty="0">
+              <a:solidFill>
+                <a:srgbClr val="404040"/>
+              </a:solidFill>
+            </a:endParaRPr>
+          </a:p>
+          <a:p>
+            <a:pPr marL="800100" lvl="1" indent="-342900">
+              <a:buFont typeface="Arial" panose="020B0604020202020204" pitchFamily="34" charset="0"/>
+              <a:buChar char="•"/>
+            </a:pPr>
+            <a:endParaRPr lang="en-US" dirty="0">
+              <a:solidFill>
+                <a:srgbClr val="404040"/>
+              </a:solidFill>
+            </a:endParaRPr>
+          </a:p>
+          <a:p>
+            <a:pPr marL="800100" lvl="1" indent="-342900">
+              <a:buFont typeface="Arial" panose="020B0604020202020204" pitchFamily="34" charset="0"/>
+              <a:buChar char="•"/>
+            </a:pPr>
+            <a:endParaRPr lang="en-US" dirty="0">
+              <a:solidFill>
+                <a:srgbClr val="404040"/>
+              </a:solidFill>
+            </a:endParaRPr>
+          </a:p>
+          <a:p>
+            <a:pPr marL="800100" lvl="1" indent="-342900">
+              <a:buFont typeface="Arial" panose="020B0604020202020204" pitchFamily="34" charset="0"/>
+              <a:buChar char="•"/>
+            </a:pPr>
+            <a:endParaRPr lang="en-US" dirty="0">
+              <a:solidFill>
+                <a:srgbClr val="404040"/>
+              </a:solidFill>
+            </a:endParaRPr>
+          </a:p>
+          <a:p>
+            <a:pPr marL="800100" lvl="1" indent="-342900">
+              <a:buFont typeface="Arial" panose="020B0604020202020204" pitchFamily="34" charset="0"/>
+              <a:buChar char="•"/>
+            </a:pPr>
+            <a:endParaRPr lang="en-US" dirty="0">
+              <a:solidFill>
+                <a:srgbClr val="404040"/>
+              </a:solidFill>
+            </a:endParaRPr>
+          </a:p>
+          <a:p>
+            <a:pPr marL="800100" lvl="1" indent="-342900">
+              <a:buFont typeface="Arial" panose="020B0604020202020204" pitchFamily="34" charset="0"/>
+              <a:buChar char="•"/>
+            </a:pPr>
+            <a:endParaRPr lang="en-US" dirty="0">
+              <a:solidFill>
+                <a:srgbClr val="404040"/>
+              </a:solidFill>
+            </a:endParaRPr>
+          </a:p>
+          <a:p>
+            <a:pPr marL="800100" lvl="1" indent="-342900">
+              <a:buFont typeface="Arial" panose="020B0604020202020204" pitchFamily="34" charset="0"/>
+              <a:buChar char="•"/>
+            </a:pPr>
+            <a:endParaRPr lang="en-US" dirty="0">
+              <a:solidFill>
+                <a:srgbClr val="404040"/>
+              </a:solidFill>
+            </a:endParaRPr>
+          </a:p>
+          <a:p>
+            <a:pPr lvl="1"/>
+            <a:endParaRPr lang="en-US" dirty="0">
+              <a:solidFill>
+                <a:srgbClr val="404040"/>
+              </a:solidFill>
+            </a:endParaRPr>
+          </a:p>
+          <a:p>
+            <a:pPr lvl="1"/>
+            <a:endParaRPr lang="en-US" dirty="0">
+              <a:solidFill>
+                <a:srgbClr val="404040"/>
+              </a:solidFill>
+            </a:endParaRPr>
+          </a:p>
+          <a:p>
+            <a:endParaRPr lang="en-US" dirty="0">
+              <a:solidFill>
+                <a:srgbClr val="404040"/>
+              </a:solidFill>
+            </a:endParaRPr>
+          </a:p>
+          <a:p>
+            <a:pPr marL="342900" indent="-342900">
+              <a:buFont typeface="Arial" panose="020B0604020202020204" pitchFamily="34" charset="0"/>
+              <a:buChar char="•"/>
+            </a:pPr>
+            <a:endParaRPr lang="en-US" dirty="0">
+              <a:solidFill>
+                <a:srgbClr val="404040"/>
+              </a:solidFill>
+            </a:endParaRPr>
+          </a:p>
+        </p:txBody>
+      </p:sp>
+      <p:sp>
+        <p:nvSpPr>
+          <p:cNvPr id="15" name="Rectangle 12">
+            <a:extLst>
+              <a:ext uri="{FF2B5EF4-FFF2-40B4-BE49-F238E27FC236}">
+                <a16:creationId xmlns:a16="http://schemas.microsoft.com/office/drawing/2014/main" id="{867D4867-5BA7-4462-B2F6-A23F4A622AA7}"/>
+              </a:ext>
+              <a:ext uri="{C183D7F6-B498-43B3-948B-1728B52AA6E4}">
+                <adec:decorative xmlns:adec="http://schemas.microsoft.com/office/drawing/2017/decorative" val="1"/>
+              </a:ext>
+            </a:extLst>
+          </p:cNvPr>
+          <p:cNvSpPr>
+            <a:spLocks noGrp="1" noRot="1" noChangeAspect="1" noMove="1" noResize="1" noEditPoints="1" noAdjustHandles="1" noChangeArrowheads="1" noChangeShapeType="1" noTextEdit="1"/>
+          </p:cNvSpPr>
+          <p:nvPr>
+            <p:extLst>
+              <p:ext uri="{386F3935-93C4-4BCD-93E2-E3B085C9AB24}">
+                <p16:designElem xmlns:p16="http://schemas.microsoft.com/office/powerpoint/2015/main" val="1"/>
+              </p:ext>
+            </p:extLst>
+          </p:nvPr>
+        </p:nvSpPr>
+        <p:spPr>
+          <a:xfrm>
+            <a:off x="0" y="0"/>
+            <a:ext cx="3490722" cy="6858000"/>
+          </a:xfrm>
+          <a:prstGeom prst="rect">
+            <a:avLst/>
+          </a:prstGeom>
+          <a:solidFill>
+            <a:schemeClr val="tx1">
+              <a:lumMod val="75000"/>
+              <a:lumOff val="25000"/>
+            </a:schemeClr>
+          </a:solidFill>
+          <a:ln>
+            <a:noFill/>
+          </a:ln>
+        </p:spPr>
+        <p:style>
+          <a:lnRef idx="0">
+            <a:scrgbClr r="0" g="0" b="0"/>
+          </a:lnRef>
+          <a:fillRef idx="0">
+            <a:scrgbClr r="0" g="0" b="0"/>
+          </a:fillRef>
+          <a:effectRef idx="0">
+            <a:scrgbClr r="0" g="0" b="0"/>
+          </a:effectRef>
+          <a:fontRef idx="minor">
+            <a:schemeClr val="lt1"/>
+          </a:fontRef>
+        </p:style>
+        <p:txBody>
+          <a:bodyPr rtlCol="0" anchor="ctr"/>
+          <a:lstStyle/>
+          <a:p>
+            <a:pPr algn="ctr"/>
+            <a:endParaRPr lang="en-US"/>
+          </a:p>
+        </p:txBody>
+      </p:sp>
+      <p:sp>
+        <p:nvSpPr>
+          <p:cNvPr id="2" name="Title 1"/>
+          <p:cNvSpPr>
+            <a:spLocks noGrp="1"/>
+          </p:cNvSpPr>
+          <p:nvPr>
+            <p:ph type="title"/>
+          </p:nvPr>
+        </p:nvSpPr>
+        <p:spPr>
+          <a:xfrm>
+            <a:off x="482600" y="643467"/>
+            <a:ext cx="2522980" cy="1597315"/>
+          </a:xfrm>
+          <a:noFill/>
+          <a:ln w="19050">
+            <a:solidFill>
+              <a:schemeClr val="bg1"/>
+            </a:solidFill>
+          </a:ln>
+        </p:spPr>
+        <p:txBody>
+          <a:bodyPr vert="horz" wrap="square" lIns="91440" tIns="45720" rIns="91440" bIns="45720" rtlCol="0" anchor="ctr">
+            <a:normAutofit/>
+          </a:bodyPr>
+          <a:lstStyle/>
+          <a:p>
+            <a:pPr defTabSz="914400" eaLnBrk="1" hangingPunct="1">
+              <a:lnSpc>
+                <a:spcPct val="90000"/>
+              </a:lnSpc>
+            </a:pPr>
+            <a:r>
               <a:rPr lang="en-US" sz="2400" kern="1200" dirty="0">
                 <a:solidFill>
                   <a:schemeClr val="bg1"/>
@@ -8571,14 +9284,1968 @@
                 <a:ea typeface="+mj-ea"/>
                 <a:cs typeface="+mj-cs"/>
               </a:rPr>
-              <a:t>Who are you?</a:t>
-            </a:r>
-          </a:p>
-        </p:txBody>
-      </p:sp>
-      <p:sp>
-        <p:nvSpPr>
-          <p:cNvPr id="5" name="Content Placeholder 2"/>
+              <a:t>Objects in R</a:t>
+            </a:r>
+          </a:p>
+        </p:txBody>
+      </p:sp>
+      <p:pic>
+        <p:nvPicPr>
+          <p:cNvPr id="8" name="Picture 7">
+            <a:extLst>
+              <a:ext uri="{FF2B5EF4-FFF2-40B4-BE49-F238E27FC236}">
+                <a16:creationId xmlns:a16="http://schemas.microsoft.com/office/drawing/2014/main" id="{521D4292-9ECC-4DA5-8CC0-C561A0DA118E}"/>
+              </a:ext>
+            </a:extLst>
+          </p:cNvPr>
+          <p:cNvPicPr>
+            <a:picLocks noChangeAspect="1"/>
+          </p:cNvPicPr>
+          <p:nvPr/>
+        </p:nvPicPr>
+        <p:blipFill rotWithShape="1">
+          <a:blip r:embed="rId3"/>
+          <a:srcRect l="8000" r="9400"/>
+          <a:stretch/>
+        </p:blipFill>
+        <p:spPr>
+          <a:xfrm>
+            <a:off x="660103" y="3048000"/>
+            <a:ext cx="2167974" cy="2624666"/>
+          </a:xfrm>
+          <a:prstGeom prst="rect">
+            <a:avLst/>
+          </a:prstGeom>
+          <a:noFill/>
+        </p:spPr>
+      </p:pic>
+      <p:pic>
+        <p:nvPicPr>
+          <p:cNvPr id="5" name="Picture 4">
+            <a:extLst>
+              <a:ext uri="{FF2B5EF4-FFF2-40B4-BE49-F238E27FC236}">
+                <a16:creationId xmlns:a16="http://schemas.microsoft.com/office/drawing/2014/main" id="{7E02C4DE-21C6-4A1E-8549-22B6A0C01332}"/>
+              </a:ext>
+            </a:extLst>
+          </p:cNvPr>
+          <p:cNvPicPr>
+            <a:picLocks noChangeAspect="1"/>
+          </p:cNvPicPr>
+          <p:nvPr/>
+        </p:nvPicPr>
+        <p:blipFill>
+          <a:blip r:embed="rId4"/>
+          <a:stretch>
+            <a:fillRect/>
+          </a:stretch>
+        </p:blipFill>
+        <p:spPr>
+          <a:xfrm>
+            <a:off x="4700789" y="1476468"/>
+            <a:ext cx="2826669" cy="5029200"/>
+          </a:xfrm>
+          <a:prstGeom prst="rect">
+            <a:avLst/>
+          </a:prstGeom>
+        </p:spPr>
+        <p:style>
+          <a:lnRef idx="2">
+            <a:schemeClr val="dk1"/>
+          </a:lnRef>
+          <a:fillRef idx="1">
+            <a:schemeClr val="lt1"/>
+          </a:fillRef>
+          <a:effectRef idx="0">
+            <a:schemeClr val="dk1"/>
+          </a:effectRef>
+          <a:fontRef idx="minor">
+            <a:schemeClr val="dk1"/>
+          </a:fontRef>
+        </p:style>
+      </p:pic>
+    </p:spTree>
+    <p:custDataLst>
+      <p:tags r:id="rId1"/>
+    </p:custDataLst>
+    <p:extLst>
+      <p:ext uri="{BB962C8B-B14F-4D97-AF65-F5344CB8AC3E}">
+        <p14:creationId xmlns:p14="http://schemas.microsoft.com/office/powerpoint/2010/main" val="1922571657"/>
+      </p:ext>
+    </p:extLst>
+  </p:cSld>
+  <p:clrMapOvr>
+    <a:masterClrMapping/>
+  </p:clrMapOvr>
+</p:sld>
+</file>
+
+<file path=ppt/slides/slide12.xml><?xml version="1.0" encoding="utf-8"?>
+<p:sld xmlns:a="http://schemas.openxmlformats.org/drawingml/2006/main" xmlns:r="http://schemas.openxmlformats.org/officeDocument/2006/relationships" xmlns:p="http://schemas.openxmlformats.org/presentationml/2006/main">
+  <p:cSld>
+    <p:bg>
+      <p:bgPr>
+        <a:solidFill>
+          <a:schemeClr val="bg1">
+            <a:lumMod val="85000"/>
+          </a:schemeClr>
+        </a:solidFill>
+        <a:effectLst/>
+      </p:bgPr>
+    </p:bg>
+    <p:spTree>
+      <p:nvGrpSpPr>
+        <p:cNvPr id="1" name=""/>
+        <p:cNvGrpSpPr/>
+        <p:nvPr/>
+      </p:nvGrpSpPr>
+      <p:grpSpPr>
+        <a:xfrm>
+          <a:off x="0" y="0"/>
+          <a:ext cx="0" cy="0"/>
+          <a:chOff x="0" y="0"/>
+          <a:chExt cx="0" cy="0"/>
+        </a:xfrm>
+      </p:grpSpPr>
+      <p:sp>
+        <p:nvSpPr>
+          <p:cNvPr id="6" name="TextBox 5">
+            <a:extLst>
+              <a:ext uri="{FF2B5EF4-FFF2-40B4-BE49-F238E27FC236}">
+                <a16:creationId xmlns:a16="http://schemas.microsoft.com/office/drawing/2014/main" id="{03000CCC-A457-4CAC-8210-40755530C48B}"/>
+              </a:ext>
+            </a:extLst>
+          </p:cNvPr>
+          <p:cNvSpPr txBox="1"/>
+          <p:nvPr/>
+        </p:nvSpPr>
+        <p:spPr>
+          <a:xfrm>
+            <a:off x="3733800" y="643467"/>
+            <a:ext cx="5181600" cy="4893647"/>
+          </a:xfrm>
+          <a:prstGeom prst="rect">
+            <a:avLst/>
+          </a:prstGeom>
+          <a:noFill/>
+        </p:spPr>
+        <p:txBody>
+          <a:bodyPr wrap="square" rtlCol="0">
+            <a:spAutoFit/>
+          </a:bodyPr>
+          <a:lstStyle/>
+          <a:p>
+            <a:pPr marL="342900" indent="-342900">
+              <a:buFont typeface="Arial" panose="020B0604020202020204" pitchFamily="34" charset="0"/>
+              <a:buChar char="•"/>
+            </a:pPr>
+            <a:r>
+              <a:rPr lang="en-US" dirty="0">
+                <a:solidFill>
+                  <a:srgbClr val="404040"/>
+                </a:solidFill>
+              </a:rPr>
+              <a:t>Many Types of Objects (Cont.)</a:t>
+            </a:r>
+          </a:p>
+          <a:p>
+            <a:pPr marL="800100" lvl="1" indent="-342900">
+              <a:buFont typeface="Arial" panose="020B0604020202020204" pitchFamily="34" charset="0"/>
+              <a:buChar char="•"/>
+            </a:pPr>
+            <a:r>
+              <a:rPr lang="en-US" dirty="0">
+                <a:solidFill>
+                  <a:srgbClr val="404040"/>
+                </a:solidFill>
+              </a:rPr>
+              <a:t>Tibble/</a:t>
+            </a:r>
+            <a:r>
+              <a:rPr lang="en-US" dirty="0" err="1">
+                <a:solidFill>
+                  <a:srgbClr val="404040"/>
+                </a:solidFill>
+              </a:rPr>
+              <a:t>Dataframe</a:t>
+            </a:r>
+            <a:endParaRPr lang="en-US" dirty="0">
+              <a:solidFill>
+                <a:srgbClr val="404040"/>
+              </a:solidFill>
+            </a:endParaRPr>
+          </a:p>
+          <a:p>
+            <a:endParaRPr lang="en-US" dirty="0">
+              <a:solidFill>
+                <a:srgbClr val="404040"/>
+              </a:solidFill>
+            </a:endParaRPr>
+          </a:p>
+          <a:p>
+            <a:pPr marL="800100" lvl="1" indent="-342900">
+              <a:buFont typeface="Arial" panose="020B0604020202020204" pitchFamily="34" charset="0"/>
+              <a:buChar char="•"/>
+            </a:pPr>
+            <a:endParaRPr lang="en-US" dirty="0">
+              <a:solidFill>
+                <a:srgbClr val="404040"/>
+              </a:solidFill>
+            </a:endParaRPr>
+          </a:p>
+          <a:p>
+            <a:pPr marL="800100" lvl="1" indent="-342900">
+              <a:buFont typeface="Arial" panose="020B0604020202020204" pitchFamily="34" charset="0"/>
+              <a:buChar char="•"/>
+            </a:pPr>
+            <a:endParaRPr lang="en-US" dirty="0">
+              <a:solidFill>
+                <a:srgbClr val="404040"/>
+              </a:solidFill>
+            </a:endParaRPr>
+          </a:p>
+          <a:p>
+            <a:pPr marL="800100" lvl="1" indent="-342900">
+              <a:buFont typeface="Arial" panose="020B0604020202020204" pitchFamily="34" charset="0"/>
+              <a:buChar char="•"/>
+            </a:pPr>
+            <a:endParaRPr lang="en-US" dirty="0">
+              <a:solidFill>
+                <a:srgbClr val="404040"/>
+              </a:solidFill>
+            </a:endParaRPr>
+          </a:p>
+          <a:p>
+            <a:pPr marL="800100" lvl="1" indent="-342900">
+              <a:buFont typeface="Arial" panose="020B0604020202020204" pitchFamily="34" charset="0"/>
+              <a:buChar char="•"/>
+            </a:pPr>
+            <a:endParaRPr lang="en-US" dirty="0">
+              <a:solidFill>
+                <a:srgbClr val="404040"/>
+              </a:solidFill>
+            </a:endParaRPr>
+          </a:p>
+          <a:p>
+            <a:pPr marL="800100" lvl="1" indent="-342900">
+              <a:buFont typeface="Arial" panose="020B0604020202020204" pitchFamily="34" charset="0"/>
+              <a:buChar char="•"/>
+            </a:pPr>
+            <a:endParaRPr lang="en-US" dirty="0">
+              <a:solidFill>
+                <a:srgbClr val="404040"/>
+              </a:solidFill>
+            </a:endParaRPr>
+          </a:p>
+          <a:p>
+            <a:pPr marL="800100" lvl="1" indent="-342900">
+              <a:buFont typeface="Arial" panose="020B0604020202020204" pitchFamily="34" charset="0"/>
+              <a:buChar char="•"/>
+            </a:pPr>
+            <a:endParaRPr lang="en-US" dirty="0">
+              <a:solidFill>
+                <a:srgbClr val="404040"/>
+              </a:solidFill>
+            </a:endParaRPr>
+          </a:p>
+          <a:p>
+            <a:pPr lvl="1"/>
+            <a:endParaRPr lang="en-US" dirty="0">
+              <a:solidFill>
+                <a:srgbClr val="404040"/>
+              </a:solidFill>
+            </a:endParaRPr>
+          </a:p>
+          <a:p>
+            <a:pPr lvl="1"/>
+            <a:endParaRPr lang="en-US" dirty="0">
+              <a:solidFill>
+                <a:srgbClr val="404040"/>
+              </a:solidFill>
+            </a:endParaRPr>
+          </a:p>
+          <a:p>
+            <a:endParaRPr lang="en-US" dirty="0">
+              <a:solidFill>
+                <a:srgbClr val="404040"/>
+              </a:solidFill>
+            </a:endParaRPr>
+          </a:p>
+          <a:p>
+            <a:pPr marL="342900" indent="-342900">
+              <a:buFont typeface="Arial" panose="020B0604020202020204" pitchFamily="34" charset="0"/>
+              <a:buChar char="•"/>
+            </a:pPr>
+            <a:endParaRPr lang="en-US" dirty="0">
+              <a:solidFill>
+                <a:srgbClr val="404040"/>
+              </a:solidFill>
+            </a:endParaRPr>
+          </a:p>
+        </p:txBody>
+      </p:sp>
+      <p:sp>
+        <p:nvSpPr>
+          <p:cNvPr id="15" name="Rectangle 12">
+            <a:extLst>
+              <a:ext uri="{FF2B5EF4-FFF2-40B4-BE49-F238E27FC236}">
+                <a16:creationId xmlns:a16="http://schemas.microsoft.com/office/drawing/2014/main" id="{867D4867-5BA7-4462-B2F6-A23F4A622AA7}"/>
+              </a:ext>
+              <a:ext uri="{C183D7F6-B498-43B3-948B-1728B52AA6E4}">
+                <adec:decorative xmlns:adec="http://schemas.microsoft.com/office/drawing/2017/decorative" val="1"/>
+              </a:ext>
+            </a:extLst>
+          </p:cNvPr>
+          <p:cNvSpPr>
+            <a:spLocks noGrp="1" noRot="1" noChangeAspect="1" noMove="1" noResize="1" noEditPoints="1" noAdjustHandles="1" noChangeArrowheads="1" noChangeShapeType="1" noTextEdit="1"/>
+          </p:cNvSpPr>
+          <p:nvPr>
+            <p:extLst>
+              <p:ext uri="{386F3935-93C4-4BCD-93E2-E3B085C9AB24}">
+                <p16:designElem xmlns:p16="http://schemas.microsoft.com/office/powerpoint/2015/main" val="1"/>
+              </p:ext>
+            </p:extLst>
+          </p:nvPr>
+        </p:nvSpPr>
+        <p:spPr>
+          <a:xfrm>
+            <a:off x="0" y="0"/>
+            <a:ext cx="3490722" cy="6858000"/>
+          </a:xfrm>
+          <a:prstGeom prst="rect">
+            <a:avLst/>
+          </a:prstGeom>
+          <a:solidFill>
+            <a:schemeClr val="tx1">
+              <a:lumMod val="75000"/>
+              <a:lumOff val="25000"/>
+            </a:schemeClr>
+          </a:solidFill>
+          <a:ln>
+            <a:noFill/>
+          </a:ln>
+        </p:spPr>
+        <p:style>
+          <a:lnRef idx="0">
+            <a:scrgbClr r="0" g="0" b="0"/>
+          </a:lnRef>
+          <a:fillRef idx="0">
+            <a:scrgbClr r="0" g="0" b="0"/>
+          </a:fillRef>
+          <a:effectRef idx="0">
+            <a:scrgbClr r="0" g="0" b="0"/>
+          </a:effectRef>
+          <a:fontRef idx="minor">
+            <a:schemeClr val="lt1"/>
+          </a:fontRef>
+        </p:style>
+        <p:txBody>
+          <a:bodyPr rtlCol="0" anchor="ctr"/>
+          <a:lstStyle/>
+          <a:p>
+            <a:pPr algn="ctr"/>
+            <a:endParaRPr lang="en-US"/>
+          </a:p>
+        </p:txBody>
+      </p:sp>
+      <p:sp>
+        <p:nvSpPr>
+          <p:cNvPr id="2" name="Title 1"/>
+          <p:cNvSpPr>
+            <a:spLocks noGrp="1"/>
+          </p:cNvSpPr>
+          <p:nvPr>
+            <p:ph type="title"/>
+          </p:nvPr>
+        </p:nvSpPr>
+        <p:spPr>
+          <a:xfrm>
+            <a:off x="482600" y="643467"/>
+            <a:ext cx="2522980" cy="1597315"/>
+          </a:xfrm>
+          <a:noFill/>
+          <a:ln w="19050">
+            <a:solidFill>
+              <a:schemeClr val="bg1"/>
+            </a:solidFill>
+          </a:ln>
+        </p:spPr>
+        <p:txBody>
+          <a:bodyPr vert="horz" wrap="square" lIns="91440" tIns="45720" rIns="91440" bIns="45720" rtlCol="0" anchor="ctr">
+            <a:normAutofit/>
+          </a:bodyPr>
+          <a:lstStyle/>
+          <a:p>
+            <a:pPr defTabSz="914400" eaLnBrk="1" hangingPunct="1">
+              <a:lnSpc>
+                <a:spcPct val="90000"/>
+              </a:lnSpc>
+            </a:pPr>
+            <a:r>
+              <a:rPr lang="en-US" sz="2400" kern="1200" dirty="0">
+                <a:solidFill>
+                  <a:schemeClr val="bg1"/>
+                </a:solidFill>
+                <a:latin typeface="+mj-lt"/>
+                <a:ea typeface="+mj-ea"/>
+                <a:cs typeface="+mj-cs"/>
+              </a:rPr>
+              <a:t>Objects in R</a:t>
+            </a:r>
+          </a:p>
+        </p:txBody>
+      </p:sp>
+      <p:pic>
+        <p:nvPicPr>
+          <p:cNvPr id="8" name="Picture 7">
+            <a:extLst>
+              <a:ext uri="{FF2B5EF4-FFF2-40B4-BE49-F238E27FC236}">
+                <a16:creationId xmlns:a16="http://schemas.microsoft.com/office/drawing/2014/main" id="{521D4292-9ECC-4DA5-8CC0-C561A0DA118E}"/>
+              </a:ext>
+            </a:extLst>
+          </p:cNvPr>
+          <p:cNvPicPr>
+            <a:picLocks noChangeAspect="1"/>
+          </p:cNvPicPr>
+          <p:nvPr/>
+        </p:nvPicPr>
+        <p:blipFill rotWithShape="1">
+          <a:blip r:embed="rId3"/>
+          <a:srcRect l="8000" r="9400"/>
+          <a:stretch/>
+        </p:blipFill>
+        <p:spPr>
+          <a:xfrm>
+            <a:off x="660103" y="3048000"/>
+            <a:ext cx="2167974" cy="2624666"/>
+          </a:xfrm>
+          <a:prstGeom prst="rect">
+            <a:avLst/>
+          </a:prstGeom>
+          <a:noFill/>
+        </p:spPr>
+      </p:pic>
+      <p:pic>
+        <p:nvPicPr>
+          <p:cNvPr id="3" name="Picture 2">
+            <a:extLst>
+              <a:ext uri="{FF2B5EF4-FFF2-40B4-BE49-F238E27FC236}">
+                <a16:creationId xmlns:a16="http://schemas.microsoft.com/office/drawing/2014/main" id="{4333BF47-E5F2-424E-880D-48D51D6A34E1}"/>
+              </a:ext>
+            </a:extLst>
+          </p:cNvPr>
+          <p:cNvPicPr>
+            <a:picLocks noChangeAspect="1"/>
+          </p:cNvPicPr>
+          <p:nvPr/>
+        </p:nvPicPr>
+        <p:blipFill>
+          <a:blip r:embed="rId4"/>
+          <a:stretch>
+            <a:fillRect/>
+          </a:stretch>
+        </p:blipFill>
+        <p:spPr>
+          <a:xfrm>
+            <a:off x="4646736" y="1524000"/>
+            <a:ext cx="3355728" cy="5029200"/>
+          </a:xfrm>
+          <a:prstGeom prst="rect">
+            <a:avLst/>
+          </a:prstGeom>
+        </p:spPr>
+        <p:style>
+          <a:lnRef idx="2">
+            <a:schemeClr val="dk1"/>
+          </a:lnRef>
+          <a:fillRef idx="1">
+            <a:schemeClr val="lt1"/>
+          </a:fillRef>
+          <a:effectRef idx="0">
+            <a:schemeClr val="dk1"/>
+          </a:effectRef>
+          <a:fontRef idx="minor">
+            <a:schemeClr val="dk1"/>
+          </a:fontRef>
+        </p:style>
+      </p:pic>
+    </p:spTree>
+    <p:custDataLst>
+      <p:tags r:id="rId1"/>
+    </p:custDataLst>
+    <p:extLst>
+      <p:ext uri="{BB962C8B-B14F-4D97-AF65-F5344CB8AC3E}">
+        <p14:creationId xmlns:p14="http://schemas.microsoft.com/office/powerpoint/2010/main" val="3842910405"/>
+      </p:ext>
+    </p:extLst>
+  </p:cSld>
+  <p:clrMapOvr>
+    <a:masterClrMapping/>
+  </p:clrMapOvr>
+</p:sld>
+</file>
+
+<file path=ppt/slides/slide13.xml><?xml version="1.0" encoding="utf-8"?>
+<p:sld xmlns:a="http://schemas.openxmlformats.org/drawingml/2006/main" xmlns:r="http://schemas.openxmlformats.org/officeDocument/2006/relationships" xmlns:p="http://schemas.openxmlformats.org/presentationml/2006/main">
+  <p:cSld>
+    <p:bg>
+      <p:bgPr>
+        <a:solidFill>
+          <a:schemeClr val="bg1">
+            <a:lumMod val="85000"/>
+          </a:schemeClr>
+        </a:solidFill>
+        <a:effectLst/>
+      </p:bgPr>
+    </p:bg>
+    <p:spTree>
+      <p:nvGrpSpPr>
+        <p:cNvPr id="1" name=""/>
+        <p:cNvGrpSpPr/>
+        <p:nvPr/>
+      </p:nvGrpSpPr>
+      <p:grpSpPr>
+        <a:xfrm>
+          <a:off x="0" y="0"/>
+          <a:ext cx="0" cy="0"/>
+          <a:chOff x="0" y="0"/>
+          <a:chExt cx="0" cy="0"/>
+        </a:xfrm>
+      </p:grpSpPr>
+      <p:sp>
+        <p:nvSpPr>
+          <p:cNvPr id="6" name="TextBox 5">
+            <a:extLst>
+              <a:ext uri="{FF2B5EF4-FFF2-40B4-BE49-F238E27FC236}">
+                <a16:creationId xmlns:a16="http://schemas.microsoft.com/office/drawing/2014/main" id="{03000CCC-A457-4CAC-8210-40755530C48B}"/>
+              </a:ext>
+            </a:extLst>
+          </p:cNvPr>
+          <p:cNvSpPr txBox="1"/>
+          <p:nvPr/>
+        </p:nvSpPr>
+        <p:spPr>
+          <a:xfrm>
+            <a:off x="3490722" y="643467"/>
+            <a:ext cx="5653278" cy="830997"/>
+          </a:xfrm>
+          <a:prstGeom prst="rect">
+            <a:avLst/>
+          </a:prstGeom>
+          <a:noFill/>
+        </p:spPr>
+        <p:txBody>
+          <a:bodyPr wrap="square" rtlCol="0">
+            <a:spAutoFit/>
+          </a:bodyPr>
+          <a:lstStyle/>
+          <a:p>
+            <a:pPr marL="342900" indent="-342900">
+              <a:buFont typeface="Arial" panose="020B0604020202020204" pitchFamily="34" charset="0"/>
+              <a:buChar char="•"/>
+            </a:pPr>
+            <a:r>
+              <a:rPr lang="en-US" dirty="0">
+                <a:solidFill>
+                  <a:srgbClr val="404040"/>
+                </a:solidFill>
+              </a:rPr>
+              <a:t>Many Types of Objects (Cont.)</a:t>
+            </a:r>
+          </a:p>
+          <a:p>
+            <a:pPr marL="800100" lvl="1" indent="-342900">
+              <a:buFont typeface="Arial" panose="020B0604020202020204" pitchFamily="34" charset="0"/>
+              <a:buChar char="•"/>
+            </a:pPr>
+            <a:r>
+              <a:rPr lang="en-US" dirty="0">
+                <a:solidFill>
+                  <a:srgbClr val="404040"/>
+                </a:solidFill>
+              </a:rPr>
+              <a:t>Lists (Combines Different Objects)</a:t>
+            </a:r>
+          </a:p>
+        </p:txBody>
+      </p:sp>
+      <p:sp>
+        <p:nvSpPr>
+          <p:cNvPr id="15" name="Rectangle 12">
+            <a:extLst>
+              <a:ext uri="{FF2B5EF4-FFF2-40B4-BE49-F238E27FC236}">
+                <a16:creationId xmlns:a16="http://schemas.microsoft.com/office/drawing/2014/main" id="{867D4867-5BA7-4462-B2F6-A23F4A622AA7}"/>
+              </a:ext>
+              <a:ext uri="{C183D7F6-B498-43B3-948B-1728B52AA6E4}">
+                <adec:decorative xmlns:adec="http://schemas.microsoft.com/office/drawing/2017/decorative" val="1"/>
+              </a:ext>
+            </a:extLst>
+          </p:cNvPr>
+          <p:cNvSpPr>
+            <a:spLocks noGrp="1" noRot="1" noChangeAspect="1" noMove="1" noResize="1" noEditPoints="1" noAdjustHandles="1" noChangeArrowheads="1" noChangeShapeType="1" noTextEdit="1"/>
+          </p:cNvSpPr>
+          <p:nvPr>
+            <p:extLst>
+              <p:ext uri="{386F3935-93C4-4BCD-93E2-E3B085C9AB24}">
+                <p16:designElem xmlns:p16="http://schemas.microsoft.com/office/powerpoint/2015/main" val="1"/>
+              </p:ext>
+            </p:extLst>
+          </p:nvPr>
+        </p:nvSpPr>
+        <p:spPr>
+          <a:xfrm>
+            <a:off x="0" y="0"/>
+            <a:ext cx="3490722" cy="6858000"/>
+          </a:xfrm>
+          <a:prstGeom prst="rect">
+            <a:avLst/>
+          </a:prstGeom>
+          <a:solidFill>
+            <a:schemeClr val="tx1">
+              <a:lumMod val="75000"/>
+              <a:lumOff val="25000"/>
+            </a:schemeClr>
+          </a:solidFill>
+          <a:ln>
+            <a:noFill/>
+          </a:ln>
+        </p:spPr>
+        <p:style>
+          <a:lnRef idx="0">
+            <a:scrgbClr r="0" g="0" b="0"/>
+          </a:lnRef>
+          <a:fillRef idx="0">
+            <a:scrgbClr r="0" g="0" b="0"/>
+          </a:fillRef>
+          <a:effectRef idx="0">
+            <a:scrgbClr r="0" g="0" b="0"/>
+          </a:effectRef>
+          <a:fontRef idx="minor">
+            <a:schemeClr val="lt1"/>
+          </a:fontRef>
+        </p:style>
+        <p:txBody>
+          <a:bodyPr rtlCol="0" anchor="ctr"/>
+          <a:lstStyle/>
+          <a:p>
+            <a:pPr algn="ctr"/>
+            <a:endParaRPr lang="en-US"/>
+          </a:p>
+        </p:txBody>
+      </p:sp>
+      <p:sp>
+        <p:nvSpPr>
+          <p:cNvPr id="2" name="Title 1"/>
+          <p:cNvSpPr>
+            <a:spLocks noGrp="1"/>
+          </p:cNvSpPr>
+          <p:nvPr>
+            <p:ph type="title"/>
+          </p:nvPr>
+        </p:nvSpPr>
+        <p:spPr>
+          <a:xfrm>
+            <a:off x="482600" y="643467"/>
+            <a:ext cx="2522980" cy="1597315"/>
+          </a:xfrm>
+          <a:noFill/>
+          <a:ln w="19050">
+            <a:solidFill>
+              <a:schemeClr val="bg1"/>
+            </a:solidFill>
+          </a:ln>
+        </p:spPr>
+        <p:txBody>
+          <a:bodyPr vert="horz" wrap="square" lIns="91440" tIns="45720" rIns="91440" bIns="45720" rtlCol="0" anchor="ctr">
+            <a:normAutofit/>
+          </a:bodyPr>
+          <a:lstStyle/>
+          <a:p>
+            <a:pPr defTabSz="914400" eaLnBrk="1" hangingPunct="1">
+              <a:lnSpc>
+                <a:spcPct val="90000"/>
+              </a:lnSpc>
+            </a:pPr>
+            <a:r>
+              <a:rPr lang="en-US" sz="2400" kern="1200" dirty="0">
+                <a:solidFill>
+                  <a:schemeClr val="bg1"/>
+                </a:solidFill>
+                <a:latin typeface="+mj-lt"/>
+                <a:ea typeface="+mj-ea"/>
+                <a:cs typeface="+mj-cs"/>
+              </a:rPr>
+              <a:t>Objects in R</a:t>
+            </a:r>
+          </a:p>
+        </p:txBody>
+      </p:sp>
+      <p:pic>
+        <p:nvPicPr>
+          <p:cNvPr id="8" name="Picture 7">
+            <a:extLst>
+              <a:ext uri="{FF2B5EF4-FFF2-40B4-BE49-F238E27FC236}">
+                <a16:creationId xmlns:a16="http://schemas.microsoft.com/office/drawing/2014/main" id="{521D4292-9ECC-4DA5-8CC0-C561A0DA118E}"/>
+              </a:ext>
+            </a:extLst>
+          </p:cNvPr>
+          <p:cNvPicPr>
+            <a:picLocks noChangeAspect="1"/>
+          </p:cNvPicPr>
+          <p:nvPr/>
+        </p:nvPicPr>
+        <p:blipFill rotWithShape="1">
+          <a:blip r:embed="rId3"/>
+          <a:srcRect l="8000" r="9400"/>
+          <a:stretch/>
+        </p:blipFill>
+        <p:spPr>
+          <a:xfrm>
+            <a:off x="660103" y="3048000"/>
+            <a:ext cx="2167974" cy="2624666"/>
+          </a:xfrm>
+          <a:prstGeom prst="rect">
+            <a:avLst/>
+          </a:prstGeom>
+          <a:noFill/>
+        </p:spPr>
+      </p:pic>
+      <p:pic>
+        <p:nvPicPr>
+          <p:cNvPr id="4" name="Picture 3">
+            <a:extLst>
+              <a:ext uri="{FF2B5EF4-FFF2-40B4-BE49-F238E27FC236}">
+                <a16:creationId xmlns:a16="http://schemas.microsoft.com/office/drawing/2014/main" id="{AF446C48-BBDB-449C-9E2A-FDB3BFB823BC}"/>
+              </a:ext>
+            </a:extLst>
+          </p:cNvPr>
+          <p:cNvPicPr>
+            <a:picLocks noChangeAspect="1"/>
+          </p:cNvPicPr>
+          <p:nvPr/>
+        </p:nvPicPr>
+        <p:blipFill>
+          <a:blip r:embed="rId4"/>
+          <a:stretch>
+            <a:fillRect/>
+          </a:stretch>
+        </p:blipFill>
+        <p:spPr>
+          <a:xfrm>
+            <a:off x="5223965" y="1481607"/>
+            <a:ext cx="2544673" cy="2362200"/>
+          </a:xfrm>
+          <a:prstGeom prst="rect">
+            <a:avLst/>
+          </a:prstGeom>
+          <a:ln>
+            <a:solidFill>
+              <a:srgbClr val="404040"/>
+            </a:solidFill>
+          </a:ln>
+        </p:spPr>
+        <p:style>
+          <a:lnRef idx="2">
+            <a:schemeClr val="dk1"/>
+          </a:lnRef>
+          <a:fillRef idx="1">
+            <a:schemeClr val="lt1"/>
+          </a:fillRef>
+          <a:effectRef idx="0">
+            <a:schemeClr val="dk1"/>
+          </a:effectRef>
+          <a:fontRef idx="minor">
+            <a:schemeClr val="dk1"/>
+          </a:fontRef>
+        </p:style>
+      </p:pic>
+      <p:pic>
+        <p:nvPicPr>
+          <p:cNvPr id="5" name="Picture 4">
+            <a:extLst>
+              <a:ext uri="{FF2B5EF4-FFF2-40B4-BE49-F238E27FC236}">
+                <a16:creationId xmlns:a16="http://schemas.microsoft.com/office/drawing/2014/main" id="{C7743AA3-B440-40E6-ADDA-38237B041906}"/>
+              </a:ext>
+            </a:extLst>
+          </p:cNvPr>
+          <p:cNvPicPr>
+            <a:picLocks noChangeAspect="1"/>
+          </p:cNvPicPr>
+          <p:nvPr/>
+        </p:nvPicPr>
+        <p:blipFill>
+          <a:blip r:embed="rId5"/>
+          <a:stretch>
+            <a:fillRect/>
+          </a:stretch>
+        </p:blipFill>
+        <p:spPr>
+          <a:xfrm>
+            <a:off x="5029200" y="3985041"/>
+            <a:ext cx="2901286" cy="2707679"/>
+          </a:xfrm>
+          <a:prstGeom prst="rect">
+            <a:avLst/>
+          </a:prstGeom>
+        </p:spPr>
+        <p:style>
+          <a:lnRef idx="2">
+            <a:schemeClr val="dk1"/>
+          </a:lnRef>
+          <a:fillRef idx="1">
+            <a:schemeClr val="lt1"/>
+          </a:fillRef>
+          <a:effectRef idx="0">
+            <a:schemeClr val="dk1"/>
+          </a:effectRef>
+          <a:fontRef idx="minor">
+            <a:schemeClr val="dk1"/>
+          </a:fontRef>
+        </p:style>
+      </p:pic>
+      <p:sp>
+        <p:nvSpPr>
+          <p:cNvPr id="9" name="Rectangle 8">
+            <a:extLst>
+              <a:ext uri="{FF2B5EF4-FFF2-40B4-BE49-F238E27FC236}">
+                <a16:creationId xmlns:a16="http://schemas.microsoft.com/office/drawing/2014/main" id="{940E8308-8B2B-40D6-A7DC-26B136DC0647}"/>
+              </a:ext>
+            </a:extLst>
+          </p:cNvPr>
+          <p:cNvSpPr/>
+          <p:nvPr/>
+        </p:nvSpPr>
+        <p:spPr>
+          <a:xfrm>
+            <a:off x="5105400" y="1642038"/>
+            <a:ext cx="1861439" cy="276908"/>
+          </a:xfrm>
+          <a:prstGeom prst="rect">
+            <a:avLst/>
+          </a:prstGeom>
+          <a:noFill/>
+          <a:ln w="19050">
+            <a:solidFill>
+              <a:srgbClr val="404040"/>
+            </a:solidFill>
+          </a:ln>
+        </p:spPr>
+        <p:style>
+          <a:lnRef idx="1">
+            <a:schemeClr val="accent1"/>
+          </a:lnRef>
+          <a:fillRef idx="3">
+            <a:schemeClr val="accent1"/>
+          </a:fillRef>
+          <a:effectRef idx="2">
+            <a:schemeClr val="accent1"/>
+          </a:effectRef>
+          <a:fontRef idx="minor">
+            <a:schemeClr val="lt1"/>
+          </a:fontRef>
+        </p:style>
+        <p:txBody>
+          <a:bodyPr rtlCol="0" anchor="ctr"/>
+          <a:lstStyle/>
+          <a:p>
+            <a:pPr algn="ctr"/>
+            <a:endParaRPr lang="en-US"/>
+          </a:p>
+        </p:txBody>
+      </p:sp>
+      <p:cxnSp>
+        <p:nvCxnSpPr>
+          <p:cNvPr id="10" name="Straight Arrow Connector 9">
+            <a:extLst>
+              <a:ext uri="{FF2B5EF4-FFF2-40B4-BE49-F238E27FC236}">
+                <a16:creationId xmlns:a16="http://schemas.microsoft.com/office/drawing/2014/main" id="{B8A1B06D-2A70-4C9B-B302-C9697A5BC0A0}"/>
+              </a:ext>
+            </a:extLst>
+          </p:cNvPr>
+          <p:cNvCxnSpPr>
+            <a:cxnSpLocks/>
+          </p:cNvCxnSpPr>
+          <p:nvPr/>
+        </p:nvCxnSpPr>
+        <p:spPr>
+          <a:xfrm flipH="1">
+            <a:off x="5334000" y="1981200"/>
+            <a:ext cx="685800" cy="2514600"/>
+          </a:xfrm>
+          <a:prstGeom prst="straightConnector1">
+            <a:avLst/>
+          </a:prstGeom>
+          <a:ln>
+            <a:solidFill>
+              <a:srgbClr val="404040"/>
+            </a:solidFill>
+            <a:tailEnd type="triangle"/>
+          </a:ln>
+        </p:spPr>
+        <p:style>
+          <a:lnRef idx="2">
+            <a:schemeClr val="accent1"/>
+          </a:lnRef>
+          <a:fillRef idx="0">
+            <a:schemeClr val="accent1"/>
+          </a:fillRef>
+          <a:effectRef idx="1">
+            <a:schemeClr val="accent1"/>
+          </a:effectRef>
+          <a:fontRef idx="minor">
+            <a:schemeClr val="tx1"/>
+          </a:fontRef>
+        </p:style>
+      </p:cxnSp>
+      <p:sp>
+        <p:nvSpPr>
+          <p:cNvPr id="12" name="TextBox 11">
+            <a:extLst>
+              <a:ext uri="{FF2B5EF4-FFF2-40B4-BE49-F238E27FC236}">
+                <a16:creationId xmlns:a16="http://schemas.microsoft.com/office/drawing/2014/main" id="{25C77A66-30D9-49B8-9A69-8E5E510D04EF}"/>
+              </a:ext>
+            </a:extLst>
+          </p:cNvPr>
+          <p:cNvSpPr txBox="1"/>
+          <p:nvPr/>
+        </p:nvSpPr>
+        <p:spPr>
+          <a:xfrm>
+            <a:off x="4255274" y="3815764"/>
+            <a:ext cx="2730619" cy="338554"/>
+          </a:xfrm>
+          <a:prstGeom prst="rect">
+            <a:avLst/>
+          </a:prstGeom>
+          <a:solidFill>
+            <a:srgbClr val="D5D5D5"/>
+          </a:solidFill>
+        </p:spPr>
+        <p:style>
+          <a:lnRef idx="2">
+            <a:schemeClr val="dk1"/>
+          </a:lnRef>
+          <a:fillRef idx="1">
+            <a:schemeClr val="lt1"/>
+          </a:fillRef>
+          <a:effectRef idx="0">
+            <a:schemeClr val="dk1"/>
+          </a:effectRef>
+          <a:fontRef idx="minor">
+            <a:schemeClr val="dk1"/>
+          </a:fontRef>
+        </p:style>
+        <p:txBody>
+          <a:bodyPr wrap="square" rtlCol="0">
+            <a:spAutoFit/>
+          </a:bodyPr>
+          <a:lstStyle/>
+          <a:p>
+            <a:pPr algn="ctr"/>
+            <a:r>
+              <a:rPr lang="en-US" sz="1600" dirty="0"/>
+              <a:t>Creates Long List</a:t>
+            </a:r>
+          </a:p>
+        </p:txBody>
+      </p:sp>
+    </p:spTree>
+    <p:custDataLst>
+      <p:tags r:id="rId1"/>
+    </p:custDataLst>
+    <p:extLst>
+      <p:ext uri="{BB962C8B-B14F-4D97-AF65-F5344CB8AC3E}">
+        <p14:creationId xmlns:p14="http://schemas.microsoft.com/office/powerpoint/2010/main" val="2433273623"/>
+      </p:ext>
+    </p:extLst>
+  </p:cSld>
+  <p:clrMapOvr>
+    <a:masterClrMapping/>
+  </p:clrMapOvr>
+</p:sld>
+</file>
+
+<file path=ppt/slides/slide14.xml><?xml version="1.0" encoding="utf-8"?>
+<p:sld xmlns:a="http://schemas.openxmlformats.org/drawingml/2006/main" xmlns:r="http://schemas.openxmlformats.org/officeDocument/2006/relationships" xmlns:p="http://schemas.openxmlformats.org/presentationml/2006/main">
+  <p:cSld>
+    <p:bg>
+      <p:bgPr>
+        <a:solidFill>
+          <a:schemeClr val="bg1">
+            <a:lumMod val="85000"/>
+          </a:schemeClr>
+        </a:solidFill>
+        <a:effectLst/>
+      </p:bgPr>
+    </p:bg>
+    <p:spTree>
+      <p:nvGrpSpPr>
+        <p:cNvPr id="1" name=""/>
+        <p:cNvGrpSpPr/>
+        <p:nvPr/>
+      </p:nvGrpSpPr>
+      <p:grpSpPr>
+        <a:xfrm>
+          <a:off x="0" y="0"/>
+          <a:ext cx="0" cy="0"/>
+          <a:chOff x="0" y="0"/>
+          <a:chExt cx="0" cy="0"/>
+        </a:xfrm>
+      </p:grpSpPr>
+      <p:sp>
+        <p:nvSpPr>
+          <p:cNvPr id="6" name="TextBox 5">
+            <a:extLst>
+              <a:ext uri="{FF2B5EF4-FFF2-40B4-BE49-F238E27FC236}">
+                <a16:creationId xmlns:a16="http://schemas.microsoft.com/office/drawing/2014/main" id="{03000CCC-A457-4CAC-8210-40755530C48B}"/>
+              </a:ext>
+            </a:extLst>
+          </p:cNvPr>
+          <p:cNvSpPr txBox="1"/>
+          <p:nvPr/>
+        </p:nvSpPr>
+        <p:spPr>
+          <a:xfrm>
+            <a:off x="3665683" y="643467"/>
+            <a:ext cx="5410200" cy="4524315"/>
+          </a:xfrm>
+          <a:prstGeom prst="rect">
+            <a:avLst/>
+          </a:prstGeom>
+          <a:noFill/>
+        </p:spPr>
+        <p:txBody>
+          <a:bodyPr wrap="square" rtlCol="0">
+            <a:spAutoFit/>
+          </a:bodyPr>
+          <a:lstStyle/>
+          <a:p>
+            <a:pPr marL="342900" indent="-342900">
+              <a:buFont typeface="Arial" panose="020B0604020202020204" pitchFamily="34" charset="0"/>
+              <a:buChar char="•"/>
+            </a:pPr>
+            <a:r>
+              <a:rPr lang="en-US" dirty="0">
+                <a:solidFill>
+                  <a:srgbClr val="404040"/>
+                </a:solidFill>
+              </a:rPr>
+              <a:t>Many Types of Functions</a:t>
+            </a:r>
+          </a:p>
+          <a:p>
+            <a:pPr marL="800100" lvl="1" indent="-342900">
+              <a:buFont typeface="Arial" panose="020B0604020202020204" pitchFamily="34" charset="0"/>
+              <a:buChar char="•"/>
+            </a:pPr>
+            <a:endParaRPr lang="en-US" dirty="0">
+              <a:solidFill>
+                <a:srgbClr val="404040"/>
+              </a:solidFill>
+            </a:endParaRPr>
+          </a:p>
+          <a:p>
+            <a:pPr marL="800100" lvl="1" indent="-342900">
+              <a:buFont typeface="Arial" panose="020B0604020202020204" pitchFamily="34" charset="0"/>
+              <a:buChar char="•"/>
+            </a:pPr>
+            <a:r>
+              <a:rPr lang="en-US" dirty="0">
+                <a:solidFill>
+                  <a:srgbClr val="404040"/>
+                </a:solidFill>
+              </a:rPr>
+              <a:t>You: Input Objects and Specify Arguments (Defaults Exist)</a:t>
+            </a:r>
+          </a:p>
+          <a:p>
+            <a:pPr marL="800100" lvl="1" indent="-342900">
+              <a:buFont typeface="Arial" panose="020B0604020202020204" pitchFamily="34" charset="0"/>
+              <a:buChar char="•"/>
+            </a:pPr>
+            <a:endParaRPr lang="en-US" dirty="0">
+              <a:solidFill>
+                <a:srgbClr val="404040"/>
+              </a:solidFill>
+            </a:endParaRPr>
+          </a:p>
+          <a:p>
+            <a:pPr marL="800100" lvl="1" indent="-342900">
+              <a:buFont typeface="Arial" panose="020B0604020202020204" pitchFamily="34" charset="0"/>
+              <a:buChar char="•"/>
+            </a:pPr>
+            <a:r>
+              <a:rPr lang="en-US" dirty="0">
+                <a:solidFill>
+                  <a:srgbClr val="404040"/>
+                </a:solidFill>
+              </a:rPr>
+              <a:t>Function: Outputs Objects</a:t>
+            </a:r>
+          </a:p>
+          <a:p>
+            <a:pPr marL="800100" lvl="1" indent="-342900">
+              <a:buFont typeface="Arial" panose="020B0604020202020204" pitchFamily="34" charset="0"/>
+              <a:buChar char="•"/>
+            </a:pPr>
+            <a:endParaRPr lang="en-US" dirty="0">
+              <a:solidFill>
+                <a:srgbClr val="404040"/>
+              </a:solidFill>
+            </a:endParaRPr>
+          </a:p>
+          <a:p>
+            <a:pPr marL="800100" lvl="1" indent="-342900">
+              <a:buFont typeface="Arial" panose="020B0604020202020204" pitchFamily="34" charset="0"/>
+              <a:buChar char="•"/>
+            </a:pPr>
+            <a:r>
+              <a:rPr lang="en-US" dirty="0">
+                <a:solidFill>
+                  <a:srgbClr val="404040"/>
+                </a:solidFill>
+              </a:rPr>
+              <a:t>Example</a:t>
+            </a:r>
+          </a:p>
+          <a:p>
+            <a:pPr marL="1257300" lvl="2" indent="-342900">
+              <a:buFont typeface="Arial" panose="020B0604020202020204" pitchFamily="34" charset="0"/>
+              <a:buChar char="•"/>
+            </a:pPr>
+            <a:r>
+              <a:rPr lang="en-US" dirty="0">
+                <a:solidFill>
+                  <a:srgbClr val="404040"/>
+                </a:solidFill>
+              </a:rPr>
+              <a:t>Input: Vector and Specified Percentiles</a:t>
+            </a:r>
+          </a:p>
+          <a:p>
+            <a:pPr marL="1257300" lvl="2" indent="-342900">
+              <a:buFont typeface="Arial" panose="020B0604020202020204" pitchFamily="34" charset="0"/>
+              <a:buChar char="•"/>
+            </a:pPr>
+            <a:r>
+              <a:rPr lang="en-US" dirty="0">
+                <a:solidFill>
+                  <a:srgbClr val="404040"/>
+                </a:solidFill>
+              </a:rPr>
+              <a:t>Output: Desired Percentiles</a:t>
+            </a:r>
+          </a:p>
+          <a:p>
+            <a:pPr marL="1257300" lvl="2" indent="-342900">
+              <a:buFont typeface="Arial" panose="020B0604020202020204" pitchFamily="34" charset="0"/>
+              <a:buChar char="•"/>
+            </a:pPr>
+            <a:r>
+              <a:rPr lang="en-US" dirty="0">
+                <a:solidFill>
+                  <a:srgbClr val="404040"/>
+                </a:solidFill>
+              </a:rPr>
+              <a:t>For online help, </a:t>
+            </a:r>
+          </a:p>
+        </p:txBody>
+      </p:sp>
+      <p:sp>
+        <p:nvSpPr>
+          <p:cNvPr id="15" name="Rectangle 12">
+            <a:extLst>
+              <a:ext uri="{FF2B5EF4-FFF2-40B4-BE49-F238E27FC236}">
+                <a16:creationId xmlns:a16="http://schemas.microsoft.com/office/drawing/2014/main" id="{867D4867-5BA7-4462-B2F6-A23F4A622AA7}"/>
+              </a:ext>
+              <a:ext uri="{C183D7F6-B498-43B3-948B-1728B52AA6E4}">
+                <adec:decorative xmlns:adec="http://schemas.microsoft.com/office/drawing/2017/decorative" val="1"/>
+              </a:ext>
+            </a:extLst>
+          </p:cNvPr>
+          <p:cNvSpPr>
+            <a:spLocks noGrp="1" noRot="1" noChangeAspect="1" noMove="1" noResize="1" noEditPoints="1" noAdjustHandles="1" noChangeArrowheads="1" noChangeShapeType="1" noTextEdit="1"/>
+          </p:cNvSpPr>
+          <p:nvPr>
+            <p:extLst>
+              <p:ext uri="{386F3935-93C4-4BCD-93E2-E3B085C9AB24}">
+                <p16:designElem xmlns:p16="http://schemas.microsoft.com/office/powerpoint/2015/main" val="1"/>
+              </p:ext>
+            </p:extLst>
+          </p:nvPr>
+        </p:nvSpPr>
+        <p:spPr>
+          <a:xfrm>
+            <a:off x="0" y="0"/>
+            <a:ext cx="3490722" cy="6858000"/>
+          </a:xfrm>
+          <a:prstGeom prst="rect">
+            <a:avLst/>
+          </a:prstGeom>
+          <a:solidFill>
+            <a:schemeClr val="tx1">
+              <a:lumMod val="75000"/>
+              <a:lumOff val="25000"/>
+            </a:schemeClr>
+          </a:solidFill>
+          <a:ln>
+            <a:noFill/>
+          </a:ln>
+        </p:spPr>
+        <p:style>
+          <a:lnRef idx="0">
+            <a:scrgbClr r="0" g="0" b="0"/>
+          </a:lnRef>
+          <a:fillRef idx="0">
+            <a:scrgbClr r="0" g="0" b="0"/>
+          </a:fillRef>
+          <a:effectRef idx="0">
+            <a:scrgbClr r="0" g="0" b="0"/>
+          </a:effectRef>
+          <a:fontRef idx="minor">
+            <a:schemeClr val="lt1"/>
+          </a:fontRef>
+        </p:style>
+        <p:txBody>
+          <a:bodyPr rtlCol="0" anchor="ctr"/>
+          <a:lstStyle/>
+          <a:p>
+            <a:pPr algn="ctr"/>
+            <a:endParaRPr lang="en-US"/>
+          </a:p>
+        </p:txBody>
+      </p:sp>
+      <p:sp>
+        <p:nvSpPr>
+          <p:cNvPr id="2" name="Title 1"/>
+          <p:cNvSpPr>
+            <a:spLocks noGrp="1"/>
+          </p:cNvSpPr>
+          <p:nvPr>
+            <p:ph type="title"/>
+          </p:nvPr>
+        </p:nvSpPr>
+        <p:spPr>
+          <a:xfrm>
+            <a:off x="482600" y="643467"/>
+            <a:ext cx="2522980" cy="1597315"/>
+          </a:xfrm>
+          <a:noFill/>
+          <a:ln w="19050">
+            <a:solidFill>
+              <a:schemeClr val="bg1"/>
+            </a:solidFill>
+          </a:ln>
+        </p:spPr>
+        <p:txBody>
+          <a:bodyPr vert="horz" wrap="square" lIns="91440" tIns="45720" rIns="91440" bIns="45720" rtlCol="0" anchor="ctr">
+            <a:normAutofit/>
+          </a:bodyPr>
+          <a:lstStyle/>
+          <a:p>
+            <a:pPr defTabSz="914400" eaLnBrk="1" hangingPunct="1">
+              <a:lnSpc>
+                <a:spcPct val="90000"/>
+              </a:lnSpc>
+            </a:pPr>
+            <a:r>
+              <a:rPr lang="en-US" sz="2400" kern="1200" dirty="0">
+                <a:solidFill>
+                  <a:schemeClr val="bg1"/>
+                </a:solidFill>
+                <a:latin typeface="+mj-lt"/>
+                <a:ea typeface="+mj-ea"/>
+                <a:cs typeface="+mj-cs"/>
+              </a:rPr>
+              <a:t>Functions in R</a:t>
+            </a:r>
+          </a:p>
+        </p:txBody>
+      </p:sp>
+      <p:pic>
+        <p:nvPicPr>
+          <p:cNvPr id="8" name="Picture 7">
+            <a:extLst>
+              <a:ext uri="{FF2B5EF4-FFF2-40B4-BE49-F238E27FC236}">
+                <a16:creationId xmlns:a16="http://schemas.microsoft.com/office/drawing/2014/main" id="{521D4292-9ECC-4DA5-8CC0-C561A0DA118E}"/>
+              </a:ext>
+            </a:extLst>
+          </p:cNvPr>
+          <p:cNvPicPr>
+            <a:picLocks noChangeAspect="1"/>
+          </p:cNvPicPr>
+          <p:nvPr/>
+        </p:nvPicPr>
+        <p:blipFill rotWithShape="1">
+          <a:blip r:embed="rId3"/>
+          <a:srcRect l="8000" r="9400"/>
+          <a:stretch/>
+        </p:blipFill>
+        <p:spPr>
+          <a:xfrm>
+            <a:off x="660103" y="3048000"/>
+            <a:ext cx="2167974" cy="2624666"/>
+          </a:xfrm>
+          <a:prstGeom prst="rect">
+            <a:avLst/>
+          </a:prstGeom>
+          <a:noFill/>
+        </p:spPr>
+      </p:pic>
+      <p:sp>
+        <p:nvSpPr>
+          <p:cNvPr id="11" name="TextBox 10">
+            <a:extLst>
+              <a:ext uri="{FF2B5EF4-FFF2-40B4-BE49-F238E27FC236}">
+                <a16:creationId xmlns:a16="http://schemas.microsoft.com/office/drawing/2014/main" id="{F4AB430D-29ED-452E-8E4F-B6AEB77F75E5}"/>
+              </a:ext>
+            </a:extLst>
+          </p:cNvPr>
+          <p:cNvSpPr txBox="1"/>
+          <p:nvPr/>
+        </p:nvSpPr>
+        <p:spPr>
+          <a:xfrm>
+            <a:off x="5791200" y="3244334"/>
+            <a:ext cx="1295400" cy="369332"/>
+          </a:xfrm>
+          <a:prstGeom prst="rect">
+            <a:avLst/>
+          </a:prstGeom>
+          <a:solidFill>
+            <a:srgbClr val="404040"/>
+          </a:solidFill>
+        </p:spPr>
+        <p:style>
+          <a:lnRef idx="2">
+            <a:schemeClr val="dk1">
+              <a:shade val="50000"/>
+            </a:schemeClr>
+          </a:lnRef>
+          <a:fillRef idx="1">
+            <a:schemeClr val="dk1"/>
+          </a:fillRef>
+          <a:effectRef idx="0">
+            <a:schemeClr val="dk1"/>
+          </a:effectRef>
+          <a:fontRef idx="minor">
+            <a:schemeClr val="lt1"/>
+          </a:fontRef>
+        </p:style>
+        <p:txBody>
+          <a:bodyPr wrap="square" rtlCol="0">
+            <a:spAutoFit/>
+          </a:bodyPr>
+          <a:lstStyle/>
+          <a:p>
+            <a:r>
+              <a:rPr lang="en-US" sz="1800" dirty="0">
+                <a:solidFill>
+                  <a:schemeClr val="bg1"/>
+                </a:solidFill>
+              </a:rPr>
+              <a:t>&gt; quantile()</a:t>
+            </a:r>
+          </a:p>
+        </p:txBody>
+      </p:sp>
+      <p:sp>
+        <p:nvSpPr>
+          <p:cNvPr id="13" name="TextBox 12">
+            <a:extLst>
+              <a:ext uri="{FF2B5EF4-FFF2-40B4-BE49-F238E27FC236}">
+                <a16:creationId xmlns:a16="http://schemas.microsoft.com/office/drawing/2014/main" id="{53BD719D-3EA9-4352-9C94-6C14CE8A6969}"/>
+              </a:ext>
+            </a:extLst>
+          </p:cNvPr>
+          <p:cNvSpPr txBox="1"/>
+          <p:nvPr/>
+        </p:nvSpPr>
+        <p:spPr>
+          <a:xfrm>
+            <a:off x="7162800" y="4724400"/>
+            <a:ext cx="1272862" cy="369332"/>
+          </a:xfrm>
+          <a:prstGeom prst="rect">
+            <a:avLst/>
+          </a:prstGeom>
+          <a:solidFill>
+            <a:srgbClr val="404040"/>
+          </a:solidFill>
+        </p:spPr>
+        <p:style>
+          <a:lnRef idx="2">
+            <a:schemeClr val="dk1">
+              <a:shade val="50000"/>
+            </a:schemeClr>
+          </a:lnRef>
+          <a:fillRef idx="1">
+            <a:schemeClr val="dk1"/>
+          </a:fillRef>
+          <a:effectRef idx="0">
+            <a:schemeClr val="dk1"/>
+          </a:effectRef>
+          <a:fontRef idx="minor">
+            <a:schemeClr val="lt1"/>
+          </a:fontRef>
+        </p:style>
+        <p:txBody>
+          <a:bodyPr wrap="square" rtlCol="0">
+            <a:spAutoFit/>
+          </a:bodyPr>
+          <a:lstStyle/>
+          <a:p>
+            <a:r>
+              <a:rPr lang="en-US" sz="1800" dirty="0">
+                <a:solidFill>
+                  <a:schemeClr val="bg1"/>
+                </a:solidFill>
+              </a:rPr>
+              <a:t>&gt; ?quantile</a:t>
+            </a:r>
+          </a:p>
+        </p:txBody>
+      </p:sp>
+    </p:spTree>
+    <p:custDataLst>
+      <p:tags r:id="rId1"/>
+    </p:custDataLst>
+    <p:extLst>
+      <p:ext uri="{BB962C8B-B14F-4D97-AF65-F5344CB8AC3E}">
+        <p14:creationId xmlns:p14="http://schemas.microsoft.com/office/powerpoint/2010/main" val="3236542389"/>
+      </p:ext>
+    </p:extLst>
+  </p:cSld>
+  <p:clrMapOvr>
+    <a:masterClrMapping/>
+  </p:clrMapOvr>
+</p:sld>
+</file>
+
+<file path=ppt/slides/slide15.xml><?xml version="1.0" encoding="utf-8"?>
+<p:sld xmlns:a="http://schemas.openxmlformats.org/drawingml/2006/main" xmlns:r="http://schemas.openxmlformats.org/officeDocument/2006/relationships" xmlns:p="http://schemas.openxmlformats.org/presentationml/2006/main">
+  <p:cSld>
+    <p:bg>
+      <p:bgPr>
+        <a:solidFill>
+          <a:schemeClr val="bg1">
+            <a:lumMod val="85000"/>
+          </a:schemeClr>
+        </a:solidFill>
+        <a:effectLst/>
+      </p:bgPr>
+    </p:bg>
+    <p:spTree>
+      <p:nvGrpSpPr>
+        <p:cNvPr id="1" name=""/>
+        <p:cNvGrpSpPr/>
+        <p:nvPr/>
+      </p:nvGrpSpPr>
+      <p:grpSpPr>
+        <a:xfrm>
+          <a:off x="0" y="0"/>
+          <a:ext cx="0" cy="0"/>
+          <a:chOff x="0" y="0"/>
+          <a:chExt cx="0" cy="0"/>
+        </a:xfrm>
+      </p:grpSpPr>
+      <p:sp>
+        <p:nvSpPr>
+          <p:cNvPr id="6" name="TextBox 5">
+            <a:extLst>
+              <a:ext uri="{FF2B5EF4-FFF2-40B4-BE49-F238E27FC236}">
+                <a16:creationId xmlns:a16="http://schemas.microsoft.com/office/drawing/2014/main" id="{03000CCC-A457-4CAC-8210-40755530C48B}"/>
+              </a:ext>
+            </a:extLst>
+          </p:cNvPr>
+          <p:cNvSpPr txBox="1"/>
+          <p:nvPr/>
+        </p:nvSpPr>
+        <p:spPr>
+          <a:xfrm>
+            <a:off x="3665683" y="643467"/>
+            <a:ext cx="5410200" cy="830997"/>
+          </a:xfrm>
+          <a:prstGeom prst="rect">
+            <a:avLst/>
+          </a:prstGeom>
+          <a:noFill/>
+        </p:spPr>
+        <p:txBody>
+          <a:bodyPr wrap="square" rtlCol="0">
+            <a:spAutoFit/>
+          </a:bodyPr>
+          <a:lstStyle/>
+          <a:p>
+            <a:pPr marL="342900" indent="-342900">
+              <a:buFont typeface="Arial" panose="020B0604020202020204" pitchFamily="34" charset="0"/>
+              <a:buChar char="•"/>
+            </a:pPr>
+            <a:r>
+              <a:rPr lang="en-US" dirty="0">
+                <a:solidFill>
+                  <a:srgbClr val="404040"/>
+                </a:solidFill>
+              </a:rPr>
+              <a:t>Many Types of Functions (Cont.)</a:t>
+            </a:r>
+          </a:p>
+          <a:p>
+            <a:pPr marL="800100" lvl="1" indent="-342900">
+              <a:buFont typeface="Arial" panose="020B0604020202020204" pitchFamily="34" charset="0"/>
+              <a:buChar char="•"/>
+            </a:pPr>
+            <a:r>
+              <a:rPr lang="en-US" dirty="0">
+                <a:solidFill>
+                  <a:srgbClr val="404040"/>
+                </a:solidFill>
+              </a:rPr>
+              <a:t>Example (Cont.)</a:t>
+            </a:r>
+          </a:p>
+        </p:txBody>
+      </p:sp>
+      <p:sp>
+        <p:nvSpPr>
+          <p:cNvPr id="15" name="Rectangle 12">
+            <a:extLst>
+              <a:ext uri="{FF2B5EF4-FFF2-40B4-BE49-F238E27FC236}">
+                <a16:creationId xmlns:a16="http://schemas.microsoft.com/office/drawing/2014/main" id="{867D4867-5BA7-4462-B2F6-A23F4A622AA7}"/>
+              </a:ext>
+              <a:ext uri="{C183D7F6-B498-43B3-948B-1728B52AA6E4}">
+                <adec:decorative xmlns:adec="http://schemas.microsoft.com/office/drawing/2017/decorative" val="1"/>
+              </a:ext>
+            </a:extLst>
+          </p:cNvPr>
+          <p:cNvSpPr>
+            <a:spLocks noGrp="1" noRot="1" noChangeAspect="1" noMove="1" noResize="1" noEditPoints="1" noAdjustHandles="1" noChangeArrowheads="1" noChangeShapeType="1" noTextEdit="1"/>
+          </p:cNvSpPr>
+          <p:nvPr>
+            <p:extLst>
+              <p:ext uri="{386F3935-93C4-4BCD-93E2-E3B085C9AB24}">
+                <p16:designElem xmlns:p16="http://schemas.microsoft.com/office/powerpoint/2015/main" val="1"/>
+              </p:ext>
+            </p:extLst>
+          </p:nvPr>
+        </p:nvSpPr>
+        <p:spPr>
+          <a:xfrm>
+            <a:off x="0" y="0"/>
+            <a:ext cx="3490722" cy="6858000"/>
+          </a:xfrm>
+          <a:prstGeom prst="rect">
+            <a:avLst/>
+          </a:prstGeom>
+          <a:solidFill>
+            <a:schemeClr val="tx1">
+              <a:lumMod val="75000"/>
+              <a:lumOff val="25000"/>
+            </a:schemeClr>
+          </a:solidFill>
+          <a:ln>
+            <a:noFill/>
+          </a:ln>
+        </p:spPr>
+        <p:style>
+          <a:lnRef idx="0">
+            <a:scrgbClr r="0" g="0" b="0"/>
+          </a:lnRef>
+          <a:fillRef idx="0">
+            <a:scrgbClr r="0" g="0" b="0"/>
+          </a:fillRef>
+          <a:effectRef idx="0">
+            <a:scrgbClr r="0" g="0" b="0"/>
+          </a:effectRef>
+          <a:fontRef idx="minor">
+            <a:schemeClr val="lt1"/>
+          </a:fontRef>
+        </p:style>
+        <p:txBody>
+          <a:bodyPr rtlCol="0" anchor="ctr"/>
+          <a:lstStyle/>
+          <a:p>
+            <a:pPr algn="ctr"/>
+            <a:endParaRPr lang="en-US"/>
+          </a:p>
+        </p:txBody>
+      </p:sp>
+      <p:sp>
+        <p:nvSpPr>
+          <p:cNvPr id="2" name="Title 1"/>
+          <p:cNvSpPr>
+            <a:spLocks noGrp="1"/>
+          </p:cNvSpPr>
+          <p:nvPr>
+            <p:ph type="title"/>
+          </p:nvPr>
+        </p:nvSpPr>
+        <p:spPr>
+          <a:xfrm>
+            <a:off x="482600" y="643467"/>
+            <a:ext cx="2522980" cy="1597315"/>
+          </a:xfrm>
+          <a:noFill/>
+          <a:ln w="19050">
+            <a:solidFill>
+              <a:schemeClr val="bg1"/>
+            </a:solidFill>
+          </a:ln>
+        </p:spPr>
+        <p:txBody>
+          <a:bodyPr vert="horz" wrap="square" lIns="91440" tIns="45720" rIns="91440" bIns="45720" rtlCol="0" anchor="ctr">
+            <a:normAutofit/>
+          </a:bodyPr>
+          <a:lstStyle/>
+          <a:p>
+            <a:pPr defTabSz="914400" eaLnBrk="1" hangingPunct="1">
+              <a:lnSpc>
+                <a:spcPct val="90000"/>
+              </a:lnSpc>
+            </a:pPr>
+            <a:r>
+              <a:rPr lang="en-US" sz="2400" kern="1200" dirty="0">
+                <a:solidFill>
+                  <a:schemeClr val="bg1"/>
+                </a:solidFill>
+                <a:latin typeface="+mj-lt"/>
+                <a:ea typeface="+mj-ea"/>
+                <a:cs typeface="+mj-cs"/>
+              </a:rPr>
+              <a:t>Functions in R</a:t>
+            </a:r>
+          </a:p>
+        </p:txBody>
+      </p:sp>
+      <p:pic>
+        <p:nvPicPr>
+          <p:cNvPr id="8" name="Picture 7">
+            <a:extLst>
+              <a:ext uri="{FF2B5EF4-FFF2-40B4-BE49-F238E27FC236}">
+                <a16:creationId xmlns:a16="http://schemas.microsoft.com/office/drawing/2014/main" id="{521D4292-9ECC-4DA5-8CC0-C561A0DA118E}"/>
+              </a:ext>
+            </a:extLst>
+          </p:cNvPr>
+          <p:cNvPicPr>
+            <a:picLocks noChangeAspect="1"/>
+          </p:cNvPicPr>
+          <p:nvPr/>
+        </p:nvPicPr>
+        <p:blipFill rotWithShape="1">
+          <a:blip r:embed="rId3"/>
+          <a:srcRect l="8000" r="9400"/>
+          <a:stretch/>
+        </p:blipFill>
+        <p:spPr>
+          <a:xfrm>
+            <a:off x="660103" y="3048000"/>
+            <a:ext cx="2167974" cy="2624666"/>
+          </a:xfrm>
+          <a:prstGeom prst="rect">
+            <a:avLst/>
+          </a:prstGeom>
+          <a:noFill/>
+        </p:spPr>
+      </p:pic>
+      <p:pic>
+        <p:nvPicPr>
+          <p:cNvPr id="4" name="Picture 3">
+            <a:extLst>
+              <a:ext uri="{FF2B5EF4-FFF2-40B4-BE49-F238E27FC236}">
+                <a16:creationId xmlns:a16="http://schemas.microsoft.com/office/drawing/2014/main" id="{B72447F3-65F6-463F-930B-05A98AE20935}"/>
+              </a:ext>
+            </a:extLst>
+          </p:cNvPr>
+          <p:cNvPicPr>
+            <a:picLocks noChangeAspect="1"/>
+          </p:cNvPicPr>
+          <p:nvPr/>
+        </p:nvPicPr>
+        <p:blipFill>
+          <a:blip r:embed="rId4"/>
+          <a:stretch>
+            <a:fillRect/>
+          </a:stretch>
+        </p:blipFill>
+        <p:spPr>
+          <a:xfrm>
+            <a:off x="4267200" y="1472175"/>
+            <a:ext cx="4098279" cy="2261625"/>
+          </a:xfrm>
+          <a:prstGeom prst="rect">
+            <a:avLst/>
+          </a:prstGeom>
+        </p:spPr>
+        <p:style>
+          <a:lnRef idx="2">
+            <a:schemeClr val="dk1"/>
+          </a:lnRef>
+          <a:fillRef idx="1">
+            <a:schemeClr val="lt1"/>
+          </a:fillRef>
+          <a:effectRef idx="0">
+            <a:schemeClr val="dk1"/>
+          </a:effectRef>
+          <a:fontRef idx="minor">
+            <a:schemeClr val="dk1"/>
+          </a:fontRef>
+        </p:style>
+      </p:pic>
+      <p:pic>
+        <p:nvPicPr>
+          <p:cNvPr id="5" name="Picture 4">
+            <a:extLst>
+              <a:ext uri="{FF2B5EF4-FFF2-40B4-BE49-F238E27FC236}">
+                <a16:creationId xmlns:a16="http://schemas.microsoft.com/office/drawing/2014/main" id="{8BF0A4D4-5B90-425A-A16C-4BA35C135946}"/>
+              </a:ext>
+            </a:extLst>
+          </p:cNvPr>
+          <p:cNvPicPr>
+            <a:picLocks noChangeAspect="1"/>
+          </p:cNvPicPr>
+          <p:nvPr/>
+        </p:nvPicPr>
+        <p:blipFill>
+          <a:blip r:embed="rId5"/>
+          <a:stretch>
+            <a:fillRect/>
+          </a:stretch>
+        </p:blipFill>
+        <p:spPr>
+          <a:xfrm>
+            <a:off x="4267200" y="3855285"/>
+            <a:ext cx="3200400" cy="2771699"/>
+          </a:xfrm>
+          <a:prstGeom prst="rect">
+            <a:avLst/>
+          </a:prstGeom>
+        </p:spPr>
+        <p:style>
+          <a:lnRef idx="2">
+            <a:schemeClr val="dk1"/>
+          </a:lnRef>
+          <a:fillRef idx="1">
+            <a:schemeClr val="lt1"/>
+          </a:fillRef>
+          <a:effectRef idx="0">
+            <a:schemeClr val="dk1"/>
+          </a:effectRef>
+          <a:fontRef idx="minor">
+            <a:schemeClr val="dk1"/>
+          </a:fontRef>
+        </p:style>
+      </p:pic>
+    </p:spTree>
+    <p:custDataLst>
+      <p:tags r:id="rId1"/>
+    </p:custDataLst>
+    <p:extLst>
+      <p:ext uri="{BB962C8B-B14F-4D97-AF65-F5344CB8AC3E}">
+        <p14:creationId xmlns:p14="http://schemas.microsoft.com/office/powerpoint/2010/main" val="4215679625"/>
+      </p:ext>
+    </p:extLst>
+  </p:cSld>
+  <p:clrMapOvr>
+    <a:masterClrMapping/>
+  </p:clrMapOvr>
+</p:sld>
+</file>
+
+<file path=ppt/slides/slide16.xml><?xml version="1.0" encoding="utf-8"?>
+<p:sld xmlns:a="http://schemas.openxmlformats.org/drawingml/2006/main" xmlns:r="http://schemas.openxmlformats.org/officeDocument/2006/relationships" xmlns:p="http://schemas.openxmlformats.org/presentationml/2006/main">
+  <p:cSld>
+    <p:bg>
+      <p:bgPr>
+        <a:solidFill>
+          <a:schemeClr val="bg1">
+            <a:lumMod val="85000"/>
+          </a:schemeClr>
+        </a:solidFill>
+        <a:effectLst/>
+      </p:bgPr>
+    </p:bg>
+    <p:spTree>
+      <p:nvGrpSpPr>
+        <p:cNvPr id="1" name=""/>
+        <p:cNvGrpSpPr/>
+        <p:nvPr/>
+      </p:nvGrpSpPr>
+      <p:grpSpPr>
+        <a:xfrm>
+          <a:off x="0" y="0"/>
+          <a:ext cx="0" cy="0"/>
+          <a:chOff x="0" y="0"/>
+          <a:chExt cx="0" cy="0"/>
+        </a:xfrm>
+      </p:grpSpPr>
+      <p:sp>
+        <p:nvSpPr>
+          <p:cNvPr id="15" name="Rectangle 12">
+            <a:extLst>
+              <a:ext uri="{FF2B5EF4-FFF2-40B4-BE49-F238E27FC236}">
+                <a16:creationId xmlns:a16="http://schemas.microsoft.com/office/drawing/2014/main" id="{867D4867-5BA7-4462-B2F6-A23F4A622AA7}"/>
+              </a:ext>
+              <a:ext uri="{C183D7F6-B498-43B3-948B-1728B52AA6E4}">
+                <adec:decorative xmlns:adec="http://schemas.microsoft.com/office/drawing/2017/decorative" val="1"/>
+              </a:ext>
+            </a:extLst>
+          </p:cNvPr>
+          <p:cNvSpPr>
+            <a:spLocks noGrp="1" noRot="1" noChangeAspect="1" noMove="1" noResize="1" noEditPoints="1" noAdjustHandles="1" noChangeArrowheads="1" noChangeShapeType="1" noTextEdit="1"/>
+          </p:cNvSpPr>
+          <p:nvPr>
+            <p:extLst>
+              <p:ext uri="{386F3935-93C4-4BCD-93E2-E3B085C9AB24}">
+                <p16:designElem xmlns:p16="http://schemas.microsoft.com/office/powerpoint/2015/main" val="1"/>
+              </p:ext>
+            </p:extLst>
+          </p:nvPr>
+        </p:nvSpPr>
+        <p:spPr>
+          <a:xfrm>
+            <a:off x="0" y="0"/>
+            <a:ext cx="3490722" cy="6858000"/>
+          </a:xfrm>
+          <a:prstGeom prst="rect">
+            <a:avLst/>
+          </a:prstGeom>
+          <a:solidFill>
+            <a:schemeClr val="tx1">
+              <a:lumMod val="75000"/>
+              <a:lumOff val="25000"/>
+            </a:schemeClr>
+          </a:solidFill>
+          <a:ln>
+            <a:noFill/>
+          </a:ln>
+        </p:spPr>
+        <p:style>
+          <a:lnRef idx="0">
+            <a:scrgbClr r="0" g="0" b="0"/>
+          </a:lnRef>
+          <a:fillRef idx="0">
+            <a:scrgbClr r="0" g="0" b="0"/>
+          </a:fillRef>
+          <a:effectRef idx="0">
+            <a:scrgbClr r="0" g="0" b="0"/>
+          </a:effectRef>
+          <a:fontRef idx="minor">
+            <a:schemeClr val="lt1"/>
+          </a:fontRef>
+        </p:style>
+        <p:txBody>
+          <a:bodyPr rtlCol="0" anchor="ctr"/>
+          <a:lstStyle/>
+          <a:p>
+            <a:pPr algn="ctr"/>
+            <a:endParaRPr lang="en-US"/>
+          </a:p>
+        </p:txBody>
+      </p:sp>
+      <p:sp>
+        <p:nvSpPr>
+          <p:cNvPr id="2" name="Title 1"/>
+          <p:cNvSpPr>
+            <a:spLocks noGrp="1"/>
+          </p:cNvSpPr>
+          <p:nvPr>
+            <p:ph type="title"/>
+          </p:nvPr>
+        </p:nvSpPr>
+        <p:spPr>
+          <a:xfrm>
+            <a:off x="482600" y="643467"/>
+            <a:ext cx="2522980" cy="1597315"/>
+          </a:xfrm>
+          <a:noFill/>
+          <a:ln w="19050">
+            <a:solidFill>
+              <a:schemeClr val="bg1"/>
+            </a:solidFill>
+          </a:ln>
+        </p:spPr>
+        <p:txBody>
+          <a:bodyPr vert="horz" wrap="square" lIns="91440" tIns="45720" rIns="91440" bIns="45720" rtlCol="0" anchor="ctr">
+            <a:normAutofit/>
+          </a:bodyPr>
+          <a:lstStyle/>
+          <a:p>
+            <a:pPr defTabSz="914400" eaLnBrk="1" hangingPunct="1">
+              <a:lnSpc>
+                <a:spcPct val="90000"/>
+              </a:lnSpc>
+            </a:pPr>
+            <a:r>
+              <a:rPr lang="en-US" sz="2400" kern="1200" dirty="0">
+                <a:solidFill>
+                  <a:schemeClr val="bg1"/>
+                </a:solidFill>
+                <a:latin typeface="+mj-lt"/>
+                <a:ea typeface="+mj-ea"/>
+                <a:cs typeface="+mj-cs"/>
+              </a:rPr>
+              <a:t>Closing</a:t>
+            </a:r>
+            <a:r>
+              <a:rPr lang="en-US" sz="2400" dirty="0">
+                <a:solidFill>
+                  <a:schemeClr val="bg1"/>
+                </a:solidFill>
+                <a:ea typeface="+mj-ea"/>
+                <a:cs typeface="+mj-cs"/>
+              </a:rPr>
+              <a:t>?</a:t>
+            </a:r>
+            <a:endParaRPr lang="en-US" sz="2400" kern="1200" dirty="0">
+              <a:solidFill>
+                <a:schemeClr val="bg1"/>
+              </a:solidFill>
+              <a:latin typeface="+mj-lt"/>
+              <a:ea typeface="+mj-ea"/>
+              <a:cs typeface="+mj-cs"/>
+            </a:endParaRPr>
+          </a:p>
+        </p:txBody>
+      </p:sp>
+      <p:pic>
+        <p:nvPicPr>
+          <p:cNvPr id="8" name="Picture 7">
+            <a:extLst>
+              <a:ext uri="{FF2B5EF4-FFF2-40B4-BE49-F238E27FC236}">
+                <a16:creationId xmlns:a16="http://schemas.microsoft.com/office/drawing/2014/main" id="{521D4292-9ECC-4DA5-8CC0-C561A0DA118E}"/>
+              </a:ext>
+            </a:extLst>
+          </p:cNvPr>
+          <p:cNvPicPr>
+            <a:picLocks noChangeAspect="1"/>
+          </p:cNvPicPr>
+          <p:nvPr/>
+        </p:nvPicPr>
+        <p:blipFill rotWithShape="1">
+          <a:blip r:embed="rId3"/>
+          <a:srcRect l="8000" r="9400"/>
+          <a:stretch/>
+        </p:blipFill>
+        <p:spPr>
+          <a:xfrm>
+            <a:off x="660103" y="3048000"/>
+            <a:ext cx="2167974" cy="2624666"/>
+          </a:xfrm>
+          <a:prstGeom prst="rect">
+            <a:avLst/>
+          </a:prstGeom>
+          <a:noFill/>
+        </p:spPr>
+      </p:pic>
+      <p:sp>
+        <p:nvSpPr>
+          <p:cNvPr id="7" name="Content Placeholder 2">
+            <a:extLst>
+              <a:ext uri="{FF2B5EF4-FFF2-40B4-BE49-F238E27FC236}">
+                <a16:creationId xmlns:a16="http://schemas.microsoft.com/office/drawing/2014/main" id="{8FE51533-15BE-453E-90FE-08298901BC34}"/>
+              </a:ext>
+            </a:extLst>
+          </p:cNvPr>
           <p:cNvSpPr txBox="1">
             <a:spLocks/>
           </p:cNvSpPr>
@@ -8586,8 +11253,8 @@
         </p:nvSpPr>
         <p:spPr bwMode="auto">
           <a:xfrm>
-            <a:off x="3886200" y="2971800"/>
-            <a:ext cx="4851400" cy="2099733"/>
+            <a:off x="3810000" y="643466"/>
+            <a:ext cx="4851400" cy="5833533"/>
           </a:xfrm>
           <a:prstGeom prst="rect">
             <a:avLst/>
@@ -8753,24 +11420,6 @@
             </a:lvl9pPr>
           </a:lstStyle>
           <a:p>
-            <a:pPr marL="114300" indent="0" algn="ctr" defTabSz="914400" eaLnBrk="1" hangingPunct="1">
-              <a:lnSpc>
-                <a:spcPct val="90000"/>
-              </a:lnSpc>
-              <a:buNone/>
-            </a:pPr>
-            <a:r>
-              <a:rPr lang="en-US" sz="4000" b="1" dirty="0">
-                <a:solidFill>
-                  <a:srgbClr val="404040"/>
-                </a:solidFill>
-                <a:ea typeface="+mn-ea"/>
-                <a:cs typeface="+mn-cs"/>
-              </a:rPr>
-              <a:t>Fill-out: Form</a:t>
-            </a:r>
-          </a:p>
-          <a:p>
             <a:pPr indent="-228600" defTabSz="914400" eaLnBrk="1" hangingPunct="1">
               <a:lnSpc>
                 <a:spcPct val="90000"/>
@@ -8778,7 +11427,7 @@
               <a:buFont typeface="Arial" panose="020B0604020202020204" pitchFamily="34" charset="0"/>
               <a:buChar char="•"/>
             </a:pPr>
-            <a:endParaRPr lang="en-US" sz="4000" dirty="0">
+            <a:endParaRPr lang="en-US" sz="2000" dirty="0">
               <a:solidFill>
                 <a:srgbClr val="404040"/>
               </a:solidFill>
@@ -8787,13 +11436,14 @@
             </a:endParaRPr>
           </a:p>
           <a:p>
-            <a:pPr marL="114300" indent="0" defTabSz="914400" eaLnBrk="1" hangingPunct="1">
+            <a:pPr indent="-228600" defTabSz="914400" eaLnBrk="1" hangingPunct="1">
               <a:lnSpc>
                 <a:spcPct val="90000"/>
               </a:lnSpc>
-              <a:buNone/>
-            </a:pPr>
-            <a:endParaRPr lang="en-US" sz="4000" dirty="0">
+              <a:buFont typeface="Arial" panose="020B0604020202020204" pitchFamily="34" charset="0"/>
+              <a:buChar char="•"/>
+            </a:pPr>
+            <a:endParaRPr lang="en-US" sz="2000" dirty="0">
               <a:solidFill>
                 <a:srgbClr val="404040"/>
               </a:solidFill>
@@ -8803,244 +11453,12 @@
           </a:p>
         </p:txBody>
       </p:sp>
-      <p:pic>
-        <p:nvPicPr>
-          <p:cNvPr id="8" name="Picture 7">
+      <p:sp>
+        <p:nvSpPr>
+          <p:cNvPr id="10" name="Content Placeholder 2">
             <a:extLst>
               <a:ext uri="{FF2B5EF4-FFF2-40B4-BE49-F238E27FC236}">
-                <a16:creationId xmlns:a16="http://schemas.microsoft.com/office/drawing/2014/main" id="{521D4292-9ECC-4DA5-8CC0-C561A0DA118E}"/>
-              </a:ext>
-            </a:extLst>
-          </p:cNvPr>
-          <p:cNvPicPr>
-            <a:picLocks noChangeAspect="1"/>
-          </p:cNvPicPr>
-          <p:nvPr/>
-        </p:nvPicPr>
-        <p:blipFill rotWithShape="1">
-          <a:blip r:embed="rId3"/>
-          <a:srcRect l="8000" r="9400"/>
-          <a:stretch/>
-        </p:blipFill>
-        <p:spPr>
-          <a:xfrm>
-            <a:off x="660103" y="3048000"/>
-            <a:ext cx="2167974" cy="2624666"/>
-          </a:xfrm>
-          <a:prstGeom prst="rect">
-            <a:avLst/>
-          </a:prstGeom>
-          <a:noFill/>
-        </p:spPr>
-      </p:pic>
-    </p:spTree>
-    <p:custDataLst>
-      <p:tags r:id="rId1"/>
-    </p:custDataLst>
-    <p:extLst>
-      <p:ext uri="{BB962C8B-B14F-4D97-AF65-F5344CB8AC3E}">
-        <p14:creationId xmlns:p14="http://schemas.microsoft.com/office/powerpoint/2010/main" val="641320167"/>
-      </p:ext>
-    </p:extLst>
-  </p:cSld>
-  <p:clrMapOvr>
-    <a:masterClrMapping/>
-  </p:clrMapOvr>
-</p:sld>
-</file>
-
-<file path=ppt/slides/slide3.xml><?xml version="1.0" encoding="utf-8"?>
-<p:sld xmlns:a="http://schemas.openxmlformats.org/drawingml/2006/main" xmlns:r="http://schemas.openxmlformats.org/officeDocument/2006/relationships" xmlns:p="http://schemas.openxmlformats.org/presentationml/2006/main">
-  <p:cSld>
-    <p:bg>
-      <p:bgPr>
-        <a:solidFill>
-          <a:schemeClr val="bg1">
-            <a:lumMod val="85000"/>
-          </a:schemeClr>
-        </a:solidFill>
-        <a:effectLst/>
-      </p:bgPr>
-    </p:bg>
-    <p:spTree>
-      <p:nvGrpSpPr>
-        <p:cNvPr id="1" name=""/>
-        <p:cNvGrpSpPr/>
-        <p:nvPr/>
-      </p:nvGrpSpPr>
-      <p:grpSpPr>
-        <a:xfrm>
-          <a:off x="0" y="0"/>
-          <a:ext cx="0" cy="0"/>
-          <a:chOff x="0" y="0"/>
-          <a:chExt cx="0" cy="0"/>
-        </a:xfrm>
-      </p:grpSpPr>
-      <p:sp>
-        <p:nvSpPr>
-          <p:cNvPr id="15" name="Rectangle 12">
-            <a:extLst>
-              <a:ext uri="{FF2B5EF4-FFF2-40B4-BE49-F238E27FC236}">
-                <a16:creationId xmlns:a16="http://schemas.microsoft.com/office/drawing/2014/main" id="{867D4867-5BA7-4462-B2F6-A23F4A622AA7}"/>
-              </a:ext>
-              <a:ext uri="{C183D7F6-B498-43B3-948B-1728B52AA6E4}">
-                <adec:decorative xmlns:adec="http://schemas.microsoft.com/office/drawing/2017/decorative" val="1"/>
-              </a:ext>
-            </a:extLst>
-          </p:cNvPr>
-          <p:cNvSpPr>
-            <a:spLocks noGrp="1" noRot="1" noChangeAspect="1" noMove="1" noResize="1" noEditPoints="1" noAdjustHandles="1" noChangeArrowheads="1" noChangeShapeType="1" noTextEdit="1"/>
-          </p:cNvSpPr>
-          <p:nvPr>
-            <p:extLst>
-              <p:ext uri="{386F3935-93C4-4BCD-93E2-E3B085C9AB24}">
-                <p16:designElem xmlns:p16="http://schemas.microsoft.com/office/powerpoint/2015/main" val="1"/>
-              </p:ext>
-            </p:extLst>
-          </p:nvPr>
-        </p:nvSpPr>
-        <p:spPr>
-          <a:xfrm>
-            <a:off x="0" y="0"/>
-            <a:ext cx="3490722" cy="6858000"/>
-          </a:xfrm>
-          <a:prstGeom prst="rect">
-            <a:avLst/>
-          </a:prstGeom>
-          <a:solidFill>
-            <a:schemeClr val="tx1">
-              <a:lumMod val="75000"/>
-              <a:lumOff val="25000"/>
-            </a:schemeClr>
-          </a:solidFill>
-          <a:ln>
-            <a:noFill/>
-          </a:ln>
-        </p:spPr>
-        <p:style>
-          <a:lnRef idx="0">
-            <a:scrgbClr r="0" g="0" b="0"/>
-          </a:lnRef>
-          <a:fillRef idx="0">
-            <a:scrgbClr r="0" g="0" b="0"/>
-          </a:fillRef>
-          <a:effectRef idx="0">
-            <a:scrgbClr r="0" g="0" b="0"/>
-          </a:effectRef>
-          <a:fontRef idx="minor">
-            <a:schemeClr val="lt1"/>
-          </a:fontRef>
-        </p:style>
-        <p:txBody>
-          <a:bodyPr rtlCol="0" anchor="ctr"/>
-          <a:lstStyle/>
-          <a:p>
-            <a:pPr algn="ctr"/>
-            <a:endParaRPr lang="en-US"/>
-          </a:p>
-        </p:txBody>
-      </p:sp>
-      <p:sp>
-        <p:nvSpPr>
-          <p:cNvPr id="2" name="Title 1"/>
-          <p:cNvSpPr>
-            <a:spLocks noGrp="1"/>
-          </p:cNvSpPr>
-          <p:nvPr>
-            <p:ph type="title"/>
-          </p:nvPr>
-        </p:nvSpPr>
-        <p:spPr>
-          <a:xfrm>
-            <a:off x="482600" y="643467"/>
-            <a:ext cx="2522980" cy="1597315"/>
-          </a:xfrm>
-          <a:noFill/>
-          <a:ln w="19050">
-            <a:solidFill>
-              <a:schemeClr val="bg1"/>
-            </a:solidFill>
-          </a:ln>
-        </p:spPr>
-        <p:txBody>
-          <a:bodyPr vert="horz" wrap="square" lIns="91440" tIns="45720" rIns="91440" bIns="45720" rtlCol="0" anchor="ctr">
-            <a:normAutofit/>
-          </a:bodyPr>
-          <a:lstStyle/>
-          <a:p>
-            <a:pPr defTabSz="914400" eaLnBrk="1" hangingPunct="1">
-              <a:lnSpc>
-                <a:spcPct val="90000"/>
-              </a:lnSpc>
-            </a:pPr>
-            <a:r>
-              <a:rPr lang="en-US" sz="2400" kern="1200" dirty="0">
-                <a:solidFill>
-                  <a:schemeClr val="bg1"/>
-                </a:solidFill>
-                <a:latin typeface="+mj-lt"/>
-                <a:ea typeface="+mj-ea"/>
-                <a:cs typeface="+mj-cs"/>
-              </a:rPr>
-              <a:t>Closing</a:t>
-            </a:r>
-            <a:r>
-              <a:rPr lang="en-US" sz="2400" dirty="0">
-                <a:solidFill>
-                  <a:schemeClr val="bg1"/>
-                </a:solidFill>
-                <a:ea typeface="+mj-ea"/>
-                <a:cs typeface="+mj-cs"/>
-              </a:rPr>
-              <a:t>?</a:t>
-            </a:r>
-            <a:endParaRPr lang="en-US" sz="2400" kern="1200" dirty="0">
-              <a:solidFill>
-                <a:schemeClr val="bg1"/>
-              </a:solidFill>
-              <a:latin typeface="+mj-lt"/>
-              <a:ea typeface="+mj-ea"/>
-              <a:cs typeface="+mj-cs"/>
-            </a:endParaRPr>
-          </a:p>
-        </p:txBody>
-      </p:sp>
-      <p:pic>
-        <p:nvPicPr>
-          <p:cNvPr id="8" name="Picture 7">
-            <a:extLst>
-              <a:ext uri="{FF2B5EF4-FFF2-40B4-BE49-F238E27FC236}">
-                <a16:creationId xmlns:a16="http://schemas.microsoft.com/office/drawing/2014/main" id="{521D4292-9ECC-4DA5-8CC0-C561A0DA118E}"/>
-              </a:ext>
-            </a:extLst>
-          </p:cNvPr>
-          <p:cNvPicPr>
-            <a:picLocks noChangeAspect="1"/>
-          </p:cNvPicPr>
-          <p:nvPr/>
-        </p:nvPicPr>
-        <p:blipFill rotWithShape="1">
-          <a:blip r:embed="rId3"/>
-          <a:srcRect l="8000" r="9400"/>
-          <a:stretch/>
-        </p:blipFill>
-        <p:spPr>
-          <a:xfrm>
-            <a:off x="660103" y="3048000"/>
-            <a:ext cx="2167974" cy="2624666"/>
-          </a:xfrm>
-          <a:prstGeom prst="rect">
-            <a:avLst/>
-          </a:prstGeom>
-          <a:noFill/>
-        </p:spPr>
-      </p:pic>
-      <p:sp>
-        <p:nvSpPr>
-          <p:cNvPr id="7" name="Content Placeholder 2">
-            <a:extLst>
-              <a:ext uri="{FF2B5EF4-FFF2-40B4-BE49-F238E27FC236}">
-                <a16:creationId xmlns:a16="http://schemas.microsoft.com/office/drawing/2014/main" id="{8FE51533-15BE-453E-90FE-08298901BC34}"/>
+                <a16:creationId xmlns:a16="http://schemas.microsoft.com/office/drawing/2014/main" id="{10754C74-871F-42E2-A79F-10B9CCA16CD5}"/>
               </a:ext>
             </a:extLst>
           </p:cNvPr>
@@ -9051,8 +11469,8 @@
         </p:nvSpPr>
         <p:spPr bwMode="auto">
           <a:xfrm>
-            <a:off x="3810000" y="643466"/>
-            <a:ext cx="4851400" cy="5833533"/>
+            <a:off x="3973322" y="643466"/>
+            <a:ext cx="4851400" cy="5953916"/>
           </a:xfrm>
           <a:prstGeom prst="rect">
             <a:avLst/>
@@ -9218,222 +11636,6 @@
             </a:lvl9pPr>
           </a:lstStyle>
           <a:p>
-            <a:pPr indent="-228600" defTabSz="914400" eaLnBrk="1" hangingPunct="1">
-              <a:lnSpc>
-                <a:spcPct val="90000"/>
-              </a:lnSpc>
-              <a:buFont typeface="Arial" panose="020B0604020202020204" pitchFamily="34" charset="0"/>
-              <a:buChar char="•"/>
-            </a:pPr>
-            <a:endParaRPr lang="en-US" sz="2000" dirty="0">
-              <a:solidFill>
-                <a:srgbClr val="404040"/>
-              </a:solidFill>
-              <a:ea typeface="+mn-ea"/>
-              <a:cs typeface="+mn-cs"/>
-            </a:endParaRPr>
-          </a:p>
-          <a:p>
-            <a:pPr indent="-228600" defTabSz="914400" eaLnBrk="1" hangingPunct="1">
-              <a:lnSpc>
-                <a:spcPct val="90000"/>
-              </a:lnSpc>
-              <a:buFont typeface="Arial" panose="020B0604020202020204" pitchFamily="34" charset="0"/>
-              <a:buChar char="•"/>
-            </a:pPr>
-            <a:endParaRPr lang="en-US" sz="2000" dirty="0">
-              <a:solidFill>
-                <a:srgbClr val="404040"/>
-              </a:solidFill>
-              <a:ea typeface="+mn-ea"/>
-              <a:cs typeface="+mn-cs"/>
-            </a:endParaRPr>
-          </a:p>
-        </p:txBody>
-      </p:sp>
-      <p:sp>
-        <p:nvSpPr>
-          <p:cNvPr id="10" name="Content Placeholder 2">
-            <a:extLst>
-              <a:ext uri="{FF2B5EF4-FFF2-40B4-BE49-F238E27FC236}">
-                <a16:creationId xmlns:a16="http://schemas.microsoft.com/office/drawing/2014/main" id="{10754C74-871F-42E2-A79F-10B9CCA16CD5}"/>
-              </a:ext>
-            </a:extLst>
-          </p:cNvPr>
-          <p:cNvSpPr txBox="1">
-            <a:spLocks/>
-          </p:cNvSpPr>
-          <p:nvPr/>
-        </p:nvSpPr>
-        <p:spPr bwMode="auto">
-          <a:xfrm>
-            <a:off x="3973322" y="643466"/>
-            <a:ext cx="4851400" cy="5953916"/>
-          </a:xfrm>
-          <a:prstGeom prst="rect">
-            <a:avLst/>
-          </a:prstGeom>
-        </p:spPr>
-        <p:txBody>
-          <a:bodyPr vert="horz" lIns="91440" tIns="45720" rIns="91440" bIns="45720" numCol="1" rtlCol="0" anchorCtr="0" compatLnSpc="1">
-            <a:prstTxWarp prst="textNoShape">
-              <a:avLst/>
-            </a:prstTxWarp>
-            <a:noAutofit/>
-          </a:bodyPr>
-          <a:lstStyle>
-            <a:lvl1pPr marL="342900" indent="-342900" algn="l" defTabSz="457200" rtl="0" eaLnBrk="0" fontAlgn="base" hangingPunct="0">
-              <a:spcBef>
-                <a:spcPct val="20000"/>
-              </a:spcBef>
-              <a:spcAft>
-                <a:spcPct val="0"/>
-              </a:spcAft>
-              <a:buFont typeface="Arial" charset="0"/>
-              <a:buChar char="•"/>
-              <a:defRPr sz="3200" kern="1200">
-                <a:solidFill>
-                  <a:schemeClr val="tx1"/>
-                </a:solidFill>
-                <a:latin typeface="+mn-lt"/>
-                <a:ea typeface="ＭＳ Ｐゴシック" pitchFamily="-109" charset="-128"/>
-                <a:cs typeface="ＭＳ Ｐゴシック" pitchFamily="-109" charset="-128"/>
-              </a:defRPr>
-            </a:lvl1pPr>
-            <a:lvl2pPr marL="742950" indent="-285750" algn="l" defTabSz="457200" rtl="0" eaLnBrk="0" fontAlgn="base" hangingPunct="0">
-              <a:spcBef>
-                <a:spcPct val="20000"/>
-              </a:spcBef>
-              <a:spcAft>
-                <a:spcPct val="0"/>
-              </a:spcAft>
-              <a:buFont typeface="Arial" charset="0"/>
-              <a:buChar char="–"/>
-              <a:defRPr sz="2800" kern="1200">
-                <a:solidFill>
-                  <a:schemeClr val="tx1"/>
-                </a:solidFill>
-                <a:latin typeface="+mn-lt"/>
-                <a:ea typeface="ＭＳ Ｐゴシック" pitchFamily="-109" charset="-128"/>
-                <a:cs typeface="+mn-cs"/>
-              </a:defRPr>
-            </a:lvl2pPr>
-            <a:lvl3pPr marL="1143000" indent="-228600" algn="l" defTabSz="457200" rtl="0" eaLnBrk="0" fontAlgn="base" hangingPunct="0">
-              <a:spcBef>
-                <a:spcPct val="20000"/>
-              </a:spcBef>
-              <a:spcAft>
-                <a:spcPct val="0"/>
-              </a:spcAft>
-              <a:buFont typeface="Arial" charset="0"/>
-              <a:buChar char="•"/>
-              <a:defRPr sz="2400" kern="1200">
-                <a:solidFill>
-                  <a:schemeClr val="tx1"/>
-                </a:solidFill>
-                <a:latin typeface="+mn-lt"/>
-                <a:ea typeface="ＭＳ Ｐゴシック" pitchFamily="-109" charset="-128"/>
-                <a:cs typeface="+mn-cs"/>
-              </a:defRPr>
-            </a:lvl3pPr>
-            <a:lvl4pPr marL="1600200" indent="-228600" algn="l" defTabSz="457200" rtl="0" eaLnBrk="0" fontAlgn="base" hangingPunct="0">
-              <a:spcBef>
-                <a:spcPct val="20000"/>
-              </a:spcBef>
-              <a:spcAft>
-                <a:spcPct val="0"/>
-              </a:spcAft>
-              <a:buFont typeface="Arial" charset="0"/>
-              <a:buChar char="–"/>
-              <a:defRPr sz="2000" kern="1200">
-                <a:solidFill>
-                  <a:schemeClr val="tx1"/>
-                </a:solidFill>
-                <a:latin typeface="+mn-lt"/>
-                <a:ea typeface="ＭＳ Ｐゴシック" pitchFamily="-109" charset="-128"/>
-                <a:cs typeface="+mn-cs"/>
-              </a:defRPr>
-            </a:lvl4pPr>
-            <a:lvl5pPr marL="2057400" indent="-228600" algn="l" defTabSz="457200" rtl="0" eaLnBrk="0" fontAlgn="base" hangingPunct="0">
-              <a:spcBef>
-                <a:spcPct val="20000"/>
-              </a:spcBef>
-              <a:spcAft>
-                <a:spcPct val="0"/>
-              </a:spcAft>
-              <a:buFont typeface="Arial" charset="0"/>
-              <a:buChar char="»"/>
-              <a:defRPr sz="2000" kern="1200">
-                <a:solidFill>
-                  <a:schemeClr val="tx1"/>
-                </a:solidFill>
-                <a:latin typeface="+mn-lt"/>
-                <a:ea typeface="ＭＳ Ｐゴシック" pitchFamily="-109" charset="-128"/>
-                <a:cs typeface="+mn-cs"/>
-              </a:defRPr>
-            </a:lvl5pPr>
-            <a:lvl6pPr marL="2514600" indent="-228600" algn="l" defTabSz="457200" rtl="0" eaLnBrk="1" latinLnBrk="0" hangingPunct="1">
-              <a:spcBef>
-                <a:spcPct val="20000"/>
-              </a:spcBef>
-              <a:buFont typeface="Arial"/>
-              <a:buChar char="•"/>
-              <a:defRPr sz="2000" kern="1200">
-                <a:solidFill>
-                  <a:schemeClr val="tx1"/>
-                </a:solidFill>
-                <a:latin typeface="+mn-lt"/>
-                <a:ea typeface="+mn-ea"/>
-                <a:cs typeface="+mn-cs"/>
-              </a:defRPr>
-            </a:lvl6pPr>
-            <a:lvl7pPr marL="2971800" indent="-228600" algn="l" defTabSz="457200" rtl="0" eaLnBrk="1" latinLnBrk="0" hangingPunct="1">
-              <a:spcBef>
-                <a:spcPct val="20000"/>
-              </a:spcBef>
-              <a:buFont typeface="Arial"/>
-              <a:buChar char="•"/>
-              <a:defRPr sz="2000" kern="1200">
-                <a:solidFill>
-                  <a:schemeClr val="tx1"/>
-                </a:solidFill>
-                <a:latin typeface="+mn-lt"/>
-                <a:ea typeface="+mn-ea"/>
-                <a:cs typeface="+mn-cs"/>
-              </a:defRPr>
-            </a:lvl7pPr>
-            <a:lvl8pPr marL="3429000" indent="-228600" algn="l" defTabSz="457200" rtl="0" eaLnBrk="1" latinLnBrk="0" hangingPunct="1">
-              <a:spcBef>
-                <a:spcPct val="20000"/>
-              </a:spcBef>
-              <a:buFont typeface="Arial"/>
-              <a:buChar char="•"/>
-              <a:defRPr sz="2000" kern="1200">
-                <a:solidFill>
-                  <a:schemeClr val="tx1"/>
-                </a:solidFill>
-                <a:latin typeface="+mn-lt"/>
-                <a:ea typeface="+mn-ea"/>
-                <a:cs typeface="+mn-cs"/>
-              </a:defRPr>
-            </a:lvl8pPr>
-            <a:lvl9pPr marL="3886200" indent="-228600" algn="l" defTabSz="457200" rtl="0" eaLnBrk="1" latinLnBrk="0" hangingPunct="1">
-              <a:spcBef>
-                <a:spcPct val="20000"/>
-              </a:spcBef>
-              <a:buFont typeface="Arial"/>
-              <a:buChar char="•"/>
-              <a:defRPr sz="2000" kern="1200">
-                <a:solidFill>
-                  <a:schemeClr val="tx1"/>
-                </a:solidFill>
-                <a:latin typeface="+mn-lt"/>
-                <a:ea typeface="+mn-ea"/>
-                <a:cs typeface="+mn-cs"/>
-              </a:defRPr>
-            </a:lvl9pPr>
-          </a:lstStyle>
-          <a:p>
             <a:pPr marL="114300" indent="0" defTabSz="914400" eaLnBrk="1" hangingPunct="1">
               <a:lnSpc>
                 <a:spcPct val="90000"/>
@@ -9524,6 +11726,4892 @@
     <p:extLst>
       <p:ext uri="{BB962C8B-B14F-4D97-AF65-F5344CB8AC3E}">
         <p14:creationId xmlns:p14="http://schemas.microsoft.com/office/powerpoint/2010/main" val="3647066437"/>
+      </p:ext>
+    </p:extLst>
+  </p:cSld>
+  <p:clrMapOvr>
+    <a:masterClrMapping/>
+  </p:clrMapOvr>
+</p:sld>
+</file>
+
+<file path=ppt/slides/slide2.xml><?xml version="1.0" encoding="utf-8"?>
+<p:sld xmlns:a="http://schemas.openxmlformats.org/drawingml/2006/main" xmlns:r="http://schemas.openxmlformats.org/officeDocument/2006/relationships" xmlns:p="http://schemas.openxmlformats.org/presentationml/2006/main">
+  <p:cSld>
+    <p:bg>
+      <p:bgPr>
+        <a:solidFill>
+          <a:schemeClr val="bg1">
+            <a:lumMod val="85000"/>
+          </a:schemeClr>
+        </a:solidFill>
+        <a:effectLst/>
+      </p:bgPr>
+    </p:bg>
+    <p:spTree>
+      <p:nvGrpSpPr>
+        <p:cNvPr id="1" name=""/>
+        <p:cNvGrpSpPr/>
+        <p:nvPr/>
+      </p:nvGrpSpPr>
+      <p:grpSpPr>
+        <a:xfrm>
+          <a:off x="0" y="0"/>
+          <a:ext cx="0" cy="0"/>
+          <a:chOff x="0" y="0"/>
+          <a:chExt cx="0" cy="0"/>
+        </a:xfrm>
+      </p:grpSpPr>
+      <p:sp>
+        <p:nvSpPr>
+          <p:cNvPr id="15" name="Rectangle 12">
+            <a:extLst>
+              <a:ext uri="{FF2B5EF4-FFF2-40B4-BE49-F238E27FC236}">
+                <a16:creationId xmlns:a16="http://schemas.microsoft.com/office/drawing/2014/main" id="{867D4867-5BA7-4462-B2F6-A23F4A622AA7}"/>
+              </a:ext>
+              <a:ext uri="{C183D7F6-B498-43B3-948B-1728B52AA6E4}">
+                <adec:decorative xmlns:adec="http://schemas.microsoft.com/office/drawing/2017/decorative" val="1"/>
+              </a:ext>
+            </a:extLst>
+          </p:cNvPr>
+          <p:cNvSpPr>
+            <a:spLocks noGrp="1" noRot="1" noChangeAspect="1" noMove="1" noResize="1" noEditPoints="1" noAdjustHandles="1" noChangeArrowheads="1" noChangeShapeType="1" noTextEdit="1"/>
+          </p:cNvSpPr>
+          <p:nvPr>
+            <p:extLst>
+              <p:ext uri="{386F3935-93C4-4BCD-93E2-E3B085C9AB24}">
+                <p16:designElem xmlns:p16="http://schemas.microsoft.com/office/powerpoint/2015/main" val="1"/>
+              </p:ext>
+            </p:extLst>
+          </p:nvPr>
+        </p:nvSpPr>
+        <p:spPr>
+          <a:xfrm>
+            <a:off x="0" y="0"/>
+            <a:ext cx="3490722" cy="6858000"/>
+          </a:xfrm>
+          <a:prstGeom prst="rect">
+            <a:avLst/>
+          </a:prstGeom>
+          <a:solidFill>
+            <a:schemeClr val="tx1">
+              <a:lumMod val="75000"/>
+              <a:lumOff val="25000"/>
+            </a:schemeClr>
+          </a:solidFill>
+          <a:ln>
+            <a:noFill/>
+          </a:ln>
+        </p:spPr>
+        <p:style>
+          <a:lnRef idx="0">
+            <a:scrgbClr r="0" g="0" b="0"/>
+          </a:lnRef>
+          <a:fillRef idx="0">
+            <a:scrgbClr r="0" g="0" b="0"/>
+          </a:fillRef>
+          <a:effectRef idx="0">
+            <a:scrgbClr r="0" g="0" b="0"/>
+          </a:effectRef>
+          <a:fontRef idx="minor">
+            <a:schemeClr val="lt1"/>
+          </a:fontRef>
+        </p:style>
+        <p:txBody>
+          <a:bodyPr rtlCol="0" anchor="ctr"/>
+          <a:lstStyle/>
+          <a:p>
+            <a:pPr algn="ctr"/>
+            <a:endParaRPr lang="en-US"/>
+          </a:p>
+        </p:txBody>
+      </p:sp>
+      <p:sp>
+        <p:nvSpPr>
+          <p:cNvPr id="2" name="Title 1"/>
+          <p:cNvSpPr>
+            <a:spLocks noGrp="1"/>
+          </p:cNvSpPr>
+          <p:nvPr>
+            <p:ph type="title"/>
+          </p:nvPr>
+        </p:nvSpPr>
+        <p:spPr>
+          <a:xfrm>
+            <a:off x="482600" y="643467"/>
+            <a:ext cx="2522980" cy="1597315"/>
+          </a:xfrm>
+          <a:noFill/>
+          <a:ln w="19050">
+            <a:solidFill>
+              <a:schemeClr val="bg1"/>
+            </a:solidFill>
+          </a:ln>
+        </p:spPr>
+        <p:txBody>
+          <a:bodyPr vert="horz" wrap="square" lIns="91440" tIns="45720" rIns="91440" bIns="45720" rtlCol="0" anchor="ctr">
+            <a:normAutofit/>
+          </a:bodyPr>
+          <a:lstStyle/>
+          <a:p>
+            <a:pPr defTabSz="914400" eaLnBrk="1" hangingPunct="1">
+              <a:lnSpc>
+                <a:spcPct val="90000"/>
+              </a:lnSpc>
+            </a:pPr>
+            <a:r>
+              <a:rPr lang="en-US" sz="2400" dirty="0">
+                <a:solidFill>
+                  <a:schemeClr val="bg1"/>
+                </a:solidFill>
+                <a:ea typeface="+mj-ea"/>
+                <a:cs typeface="+mj-cs"/>
+              </a:rPr>
+              <a:t>Workflow Info</a:t>
+            </a:r>
+            <a:endParaRPr lang="en-US" sz="2400" kern="1200" dirty="0">
+              <a:solidFill>
+                <a:schemeClr val="bg1"/>
+              </a:solidFill>
+              <a:latin typeface="+mj-lt"/>
+              <a:ea typeface="+mj-ea"/>
+              <a:cs typeface="+mj-cs"/>
+            </a:endParaRPr>
+          </a:p>
+        </p:txBody>
+      </p:sp>
+      <p:pic>
+        <p:nvPicPr>
+          <p:cNvPr id="8" name="Picture 7">
+            <a:extLst>
+              <a:ext uri="{FF2B5EF4-FFF2-40B4-BE49-F238E27FC236}">
+                <a16:creationId xmlns:a16="http://schemas.microsoft.com/office/drawing/2014/main" id="{521D4292-9ECC-4DA5-8CC0-C561A0DA118E}"/>
+              </a:ext>
+            </a:extLst>
+          </p:cNvPr>
+          <p:cNvPicPr>
+            <a:picLocks noChangeAspect="1"/>
+          </p:cNvPicPr>
+          <p:nvPr/>
+        </p:nvPicPr>
+        <p:blipFill rotWithShape="1">
+          <a:blip r:embed="rId3"/>
+          <a:srcRect l="8000" r="9400"/>
+          <a:stretch/>
+        </p:blipFill>
+        <p:spPr>
+          <a:xfrm>
+            <a:off x="660103" y="3048000"/>
+            <a:ext cx="2167974" cy="2624666"/>
+          </a:xfrm>
+          <a:prstGeom prst="rect">
+            <a:avLst/>
+          </a:prstGeom>
+          <a:noFill/>
+        </p:spPr>
+      </p:pic>
+      <p:sp>
+        <p:nvSpPr>
+          <p:cNvPr id="3" name="TextBox 2">
+            <a:extLst>
+              <a:ext uri="{FF2B5EF4-FFF2-40B4-BE49-F238E27FC236}">
+                <a16:creationId xmlns:a16="http://schemas.microsoft.com/office/drawing/2014/main" id="{E79E2C7A-95B9-4E1E-9F99-1339A9C719B6}"/>
+              </a:ext>
+            </a:extLst>
+          </p:cNvPr>
+          <p:cNvSpPr txBox="1"/>
+          <p:nvPr/>
+        </p:nvSpPr>
+        <p:spPr>
+          <a:xfrm>
+            <a:off x="3733800" y="643467"/>
+            <a:ext cx="5334000" cy="7017306"/>
+          </a:xfrm>
+          <a:prstGeom prst="rect">
+            <a:avLst/>
+          </a:prstGeom>
+          <a:noFill/>
+        </p:spPr>
+        <p:txBody>
+          <a:bodyPr wrap="square" rtlCol="0">
+            <a:spAutoFit/>
+          </a:bodyPr>
+          <a:lstStyle/>
+          <a:p>
+            <a:pPr marL="342900" indent="-342900">
+              <a:buFont typeface="Arial" panose="020B0604020202020204" pitchFamily="34" charset="0"/>
+              <a:buChar char="•"/>
+            </a:pPr>
+            <a:r>
+              <a:rPr lang="en-US" dirty="0">
+                <a:solidFill>
+                  <a:srgbClr val="404040"/>
+                </a:solidFill>
+              </a:rPr>
+              <a:t>Chapters Discussing Workflow</a:t>
+            </a:r>
+          </a:p>
+          <a:p>
+            <a:endParaRPr lang="en-US" dirty="0">
+              <a:solidFill>
+                <a:srgbClr val="404040"/>
+              </a:solidFill>
+            </a:endParaRPr>
+          </a:p>
+          <a:p>
+            <a:pPr marL="800100" lvl="1" indent="-342900">
+              <a:buFont typeface="Arial" panose="020B0604020202020204" pitchFamily="34" charset="0"/>
+              <a:buChar char="•"/>
+            </a:pPr>
+            <a:r>
+              <a:rPr lang="en-US" dirty="0">
+                <a:solidFill>
+                  <a:srgbClr val="404040"/>
+                </a:solidFill>
+              </a:rPr>
+              <a:t>Chapter 2: Basics</a:t>
+            </a:r>
+          </a:p>
+          <a:p>
+            <a:pPr marL="800100" lvl="1" indent="-342900">
+              <a:buFont typeface="Arial" panose="020B0604020202020204" pitchFamily="34" charset="0"/>
+              <a:buChar char="•"/>
+            </a:pPr>
+            <a:r>
+              <a:rPr lang="en-US" dirty="0">
+                <a:solidFill>
+                  <a:srgbClr val="404040"/>
+                </a:solidFill>
+              </a:rPr>
+              <a:t>Chapter 4: </a:t>
+            </a:r>
+            <a:r>
+              <a:rPr lang="en-US" dirty="0" err="1">
+                <a:solidFill>
+                  <a:srgbClr val="404040"/>
+                </a:solidFill>
+              </a:rPr>
+              <a:t>Rscripts</a:t>
+            </a:r>
+            <a:endParaRPr lang="en-US" dirty="0">
+              <a:solidFill>
+                <a:srgbClr val="404040"/>
+              </a:solidFill>
+            </a:endParaRPr>
+          </a:p>
+          <a:p>
+            <a:pPr marL="800100" lvl="1" indent="-342900">
+              <a:buFont typeface="Arial" panose="020B0604020202020204" pitchFamily="34" charset="0"/>
+              <a:buChar char="•"/>
+            </a:pPr>
+            <a:r>
+              <a:rPr lang="en-US" dirty="0">
+                <a:solidFill>
+                  <a:srgbClr val="404040"/>
+                </a:solidFill>
+              </a:rPr>
+              <a:t>Chapter 6: Projects</a:t>
+            </a:r>
+          </a:p>
+          <a:p>
+            <a:pPr marL="342900" indent="-342900">
+              <a:buFont typeface="Arial" panose="020B0604020202020204" pitchFamily="34" charset="0"/>
+              <a:buChar char="•"/>
+            </a:pPr>
+            <a:endParaRPr lang="en-US" dirty="0">
+              <a:solidFill>
+                <a:srgbClr val="404040"/>
+              </a:solidFill>
+            </a:endParaRPr>
+          </a:p>
+          <a:p>
+            <a:pPr marL="342900" indent="-342900">
+              <a:buFont typeface="Arial" panose="020B0604020202020204" pitchFamily="34" charset="0"/>
+              <a:buChar char="•"/>
+            </a:pPr>
+            <a:r>
+              <a:rPr lang="en-US" dirty="0">
+                <a:solidFill>
+                  <a:srgbClr val="404040"/>
+                </a:solidFill>
+              </a:rPr>
+              <a:t>Our Focus is on Workflow Within </a:t>
+            </a:r>
+            <a:r>
+              <a:rPr lang="en-US" sz="6600" dirty="0" err="1">
+                <a:solidFill>
+                  <a:srgbClr val="404040"/>
+                </a:solidFill>
+              </a:rPr>
+              <a:t>Rmarkdown</a:t>
+            </a:r>
+            <a:endParaRPr lang="en-US" sz="6600" dirty="0">
+              <a:solidFill>
+                <a:srgbClr val="404040"/>
+              </a:solidFill>
+            </a:endParaRPr>
+          </a:p>
+          <a:p>
+            <a:pPr marL="342900" indent="-342900">
+              <a:buFont typeface="Arial" panose="020B0604020202020204" pitchFamily="34" charset="0"/>
+              <a:buChar char="•"/>
+            </a:pPr>
+            <a:endParaRPr lang="en-US" dirty="0">
+              <a:solidFill>
+                <a:srgbClr val="404040"/>
+              </a:solidFill>
+            </a:endParaRPr>
+          </a:p>
+          <a:p>
+            <a:pPr marL="342900" indent="-342900">
+              <a:buFont typeface="Arial" panose="020B0604020202020204" pitchFamily="34" charset="0"/>
+              <a:buChar char="•"/>
+            </a:pPr>
+            <a:r>
+              <a:rPr lang="en-US" dirty="0">
+                <a:solidFill>
+                  <a:srgbClr val="404040"/>
+                </a:solidFill>
+              </a:rPr>
+              <a:t>Today’s Lecture on </a:t>
+            </a:r>
+            <a:r>
+              <a:rPr lang="en-US" dirty="0" err="1">
+                <a:solidFill>
+                  <a:srgbClr val="404040"/>
+                </a:solidFill>
+              </a:rPr>
+              <a:t>RMarkdown</a:t>
+            </a:r>
+            <a:endParaRPr lang="en-US" dirty="0">
+              <a:solidFill>
+                <a:srgbClr val="404040"/>
+              </a:solidFill>
+            </a:endParaRPr>
+          </a:p>
+          <a:p>
+            <a:endParaRPr lang="en-US" dirty="0">
+              <a:solidFill>
+                <a:srgbClr val="404040"/>
+              </a:solidFill>
+            </a:endParaRPr>
+          </a:p>
+          <a:p>
+            <a:pPr marL="800100" lvl="1" indent="-342900">
+              <a:buFont typeface="Arial" panose="020B0604020202020204" pitchFamily="34" charset="0"/>
+              <a:buChar char="•"/>
+            </a:pPr>
+            <a:r>
+              <a:rPr lang="en-US" dirty="0">
+                <a:solidFill>
+                  <a:srgbClr val="404040"/>
+                </a:solidFill>
+              </a:rPr>
+              <a:t>Running R Code</a:t>
+            </a:r>
+          </a:p>
+          <a:p>
+            <a:pPr marL="800100" lvl="1" indent="-342900">
+              <a:buFont typeface="Arial" panose="020B0604020202020204" pitchFamily="34" charset="0"/>
+              <a:buChar char="•"/>
+            </a:pPr>
+            <a:r>
+              <a:rPr lang="en-US" dirty="0">
+                <a:solidFill>
+                  <a:srgbClr val="404040"/>
+                </a:solidFill>
+              </a:rPr>
+              <a:t>Objects </a:t>
+            </a:r>
+          </a:p>
+          <a:p>
+            <a:pPr marL="800100" lvl="1" indent="-342900">
+              <a:buFont typeface="Arial" panose="020B0604020202020204" pitchFamily="34" charset="0"/>
+              <a:buChar char="•"/>
+            </a:pPr>
+            <a:r>
+              <a:rPr lang="en-US" dirty="0">
+                <a:solidFill>
+                  <a:srgbClr val="404040"/>
+                </a:solidFill>
+              </a:rPr>
+              <a:t>Functions</a:t>
+            </a:r>
+          </a:p>
+          <a:p>
+            <a:pPr marL="342900" indent="-342900">
+              <a:buFont typeface="Arial" panose="020B0604020202020204" pitchFamily="34" charset="0"/>
+              <a:buChar char="•"/>
+            </a:pPr>
+            <a:endParaRPr lang="en-US" dirty="0">
+              <a:solidFill>
+                <a:srgbClr val="404040"/>
+              </a:solidFill>
+            </a:endParaRPr>
+          </a:p>
+          <a:p>
+            <a:pPr marL="342900" indent="-342900">
+              <a:buFont typeface="Arial" panose="020B0604020202020204" pitchFamily="34" charset="0"/>
+              <a:buChar char="•"/>
+            </a:pPr>
+            <a:endParaRPr lang="en-US" dirty="0">
+              <a:solidFill>
+                <a:srgbClr val="404040"/>
+              </a:solidFill>
+            </a:endParaRPr>
+          </a:p>
+          <a:p>
+            <a:pPr marL="342900" indent="-342900">
+              <a:buFont typeface="Arial" panose="020B0604020202020204" pitchFamily="34" charset="0"/>
+              <a:buChar char="•"/>
+            </a:pPr>
+            <a:endParaRPr lang="en-US" dirty="0">
+              <a:solidFill>
+                <a:srgbClr val="404040"/>
+              </a:solidFill>
+            </a:endParaRPr>
+          </a:p>
+        </p:txBody>
+      </p:sp>
+    </p:spTree>
+    <p:custDataLst>
+      <p:tags r:id="rId1"/>
+    </p:custDataLst>
+    <p:extLst>
+      <p:ext uri="{BB962C8B-B14F-4D97-AF65-F5344CB8AC3E}">
+        <p14:creationId xmlns:p14="http://schemas.microsoft.com/office/powerpoint/2010/main" val="641320167"/>
+      </p:ext>
+    </p:extLst>
+  </p:cSld>
+  <p:clrMapOvr>
+    <a:masterClrMapping/>
+  </p:clrMapOvr>
+</p:sld>
+</file>
+
+<file path=ppt/slides/slide3.xml><?xml version="1.0" encoding="utf-8"?>
+<p:sld xmlns:a="http://schemas.openxmlformats.org/drawingml/2006/main" xmlns:r="http://schemas.openxmlformats.org/officeDocument/2006/relationships" xmlns:p="http://schemas.openxmlformats.org/presentationml/2006/main">
+  <p:cSld>
+    <p:bg>
+      <p:bgPr>
+        <a:solidFill>
+          <a:schemeClr val="bg1">
+            <a:lumMod val="85000"/>
+          </a:schemeClr>
+        </a:solidFill>
+        <a:effectLst/>
+      </p:bgPr>
+    </p:bg>
+    <p:spTree>
+      <p:nvGrpSpPr>
+        <p:cNvPr id="1" name=""/>
+        <p:cNvGrpSpPr/>
+        <p:nvPr/>
+      </p:nvGrpSpPr>
+      <p:grpSpPr>
+        <a:xfrm>
+          <a:off x="0" y="0"/>
+          <a:ext cx="0" cy="0"/>
+          <a:chOff x="0" y="0"/>
+          <a:chExt cx="0" cy="0"/>
+        </a:xfrm>
+      </p:grpSpPr>
+      <p:sp>
+        <p:nvSpPr>
+          <p:cNvPr id="15" name="Rectangle 12">
+            <a:extLst>
+              <a:ext uri="{FF2B5EF4-FFF2-40B4-BE49-F238E27FC236}">
+                <a16:creationId xmlns:a16="http://schemas.microsoft.com/office/drawing/2014/main" id="{867D4867-5BA7-4462-B2F6-A23F4A622AA7}"/>
+              </a:ext>
+              <a:ext uri="{C183D7F6-B498-43B3-948B-1728B52AA6E4}">
+                <adec:decorative xmlns:adec="http://schemas.microsoft.com/office/drawing/2017/decorative" val="1"/>
+              </a:ext>
+            </a:extLst>
+          </p:cNvPr>
+          <p:cNvSpPr>
+            <a:spLocks noGrp="1" noRot="1" noChangeAspect="1" noMove="1" noResize="1" noEditPoints="1" noAdjustHandles="1" noChangeArrowheads="1" noChangeShapeType="1" noTextEdit="1"/>
+          </p:cNvSpPr>
+          <p:nvPr>
+            <p:extLst>
+              <p:ext uri="{386F3935-93C4-4BCD-93E2-E3B085C9AB24}">
+                <p16:designElem xmlns:p16="http://schemas.microsoft.com/office/powerpoint/2015/main" val="1"/>
+              </p:ext>
+            </p:extLst>
+          </p:nvPr>
+        </p:nvSpPr>
+        <p:spPr>
+          <a:xfrm>
+            <a:off x="0" y="0"/>
+            <a:ext cx="3490722" cy="6858000"/>
+          </a:xfrm>
+          <a:prstGeom prst="rect">
+            <a:avLst/>
+          </a:prstGeom>
+          <a:solidFill>
+            <a:schemeClr val="tx1">
+              <a:lumMod val="75000"/>
+              <a:lumOff val="25000"/>
+            </a:schemeClr>
+          </a:solidFill>
+          <a:ln>
+            <a:noFill/>
+          </a:ln>
+        </p:spPr>
+        <p:style>
+          <a:lnRef idx="0">
+            <a:scrgbClr r="0" g="0" b="0"/>
+          </a:lnRef>
+          <a:fillRef idx="0">
+            <a:scrgbClr r="0" g="0" b="0"/>
+          </a:fillRef>
+          <a:effectRef idx="0">
+            <a:scrgbClr r="0" g="0" b="0"/>
+          </a:effectRef>
+          <a:fontRef idx="minor">
+            <a:schemeClr val="lt1"/>
+          </a:fontRef>
+        </p:style>
+        <p:txBody>
+          <a:bodyPr rtlCol="0" anchor="ctr"/>
+          <a:lstStyle/>
+          <a:p>
+            <a:pPr algn="ctr"/>
+            <a:endParaRPr lang="en-US"/>
+          </a:p>
+        </p:txBody>
+      </p:sp>
+      <p:sp>
+        <p:nvSpPr>
+          <p:cNvPr id="2" name="Title 1"/>
+          <p:cNvSpPr>
+            <a:spLocks noGrp="1"/>
+          </p:cNvSpPr>
+          <p:nvPr>
+            <p:ph type="title"/>
+          </p:nvPr>
+        </p:nvSpPr>
+        <p:spPr>
+          <a:xfrm>
+            <a:off x="482600" y="643467"/>
+            <a:ext cx="2522980" cy="1597315"/>
+          </a:xfrm>
+          <a:noFill/>
+          <a:ln w="19050">
+            <a:solidFill>
+              <a:schemeClr val="bg1"/>
+            </a:solidFill>
+          </a:ln>
+        </p:spPr>
+        <p:txBody>
+          <a:bodyPr vert="horz" wrap="square" lIns="91440" tIns="45720" rIns="91440" bIns="45720" rtlCol="0" anchor="ctr">
+            <a:normAutofit/>
+          </a:bodyPr>
+          <a:lstStyle/>
+          <a:p>
+            <a:pPr defTabSz="914400" eaLnBrk="1" hangingPunct="1">
+              <a:lnSpc>
+                <a:spcPct val="90000"/>
+              </a:lnSpc>
+            </a:pPr>
+            <a:r>
+              <a:rPr lang="en-US" sz="2400" dirty="0">
+                <a:solidFill>
+                  <a:schemeClr val="bg1"/>
+                </a:solidFill>
+                <a:ea typeface="+mj-ea"/>
+                <a:cs typeface="+mj-cs"/>
+              </a:rPr>
+              <a:t>Essential Reads</a:t>
+            </a:r>
+            <a:endParaRPr lang="en-US" sz="2400" kern="1200" dirty="0">
+              <a:solidFill>
+                <a:schemeClr val="bg1"/>
+              </a:solidFill>
+              <a:latin typeface="+mj-lt"/>
+              <a:ea typeface="+mj-ea"/>
+              <a:cs typeface="+mj-cs"/>
+            </a:endParaRPr>
+          </a:p>
+        </p:txBody>
+      </p:sp>
+      <p:pic>
+        <p:nvPicPr>
+          <p:cNvPr id="8" name="Picture 7">
+            <a:extLst>
+              <a:ext uri="{FF2B5EF4-FFF2-40B4-BE49-F238E27FC236}">
+                <a16:creationId xmlns:a16="http://schemas.microsoft.com/office/drawing/2014/main" id="{521D4292-9ECC-4DA5-8CC0-C561A0DA118E}"/>
+              </a:ext>
+            </a:extLst>
+          </p:cNvPr>
+          <p:cNvPicPr>
+            <a:picLocks noChangeAspect="1"/>
+          </p:cNvPicPr>
+          <p:nvPr/>
+        </p:nvPicPr>
+        <p:blipFill rotWithShape="1">
+          <a:blip r:embed="rId3"/>
+          <a:srcRect l="8000" r="9400"/>
+          <a:stretch/>
+        </p:blipFill>
+        <p:spPr>
+          <a:xfrm>
+            <a:off x="660103" y="3048000"/>
+            <a:ext cx="2167974" cy="2624666"/>
+          </a:xfrm>
+          <a:prstGeom prst="rect">
+            <a:avLst/>
+          </a:prstGeom>
+          <a:noFill/>
+        </p:spPr>
+      </p:pic>
+      <p:sp>
+        <p:nvSpPr>
+          <p:cNvPr id="3" name="TextBox 2">
+            <a:extLst>
+              <a:ext uri="{FF2B5EF4-FFF2-40B4-BE49-F238E27FC236}">
+                <a16:creationId xmlns:a16="http://schemas.microsoft.com/office/drawing/2014/main" id="{E79E2C7A-95B9-4E1E-9F99-1339A9C719B6}"/>
+              </a:ext>
+            </a:extLst>
+          </p:cNvPr>
+          <p:cNvSpPr txBox="1"/>
+          <p:nvPr/>
+        </p:nvSpPr>
+        <p:spPr>
+          <a:xfrm>
+            <a:off x="3733800" y="643467"/>
+            <a:ext cx="5181600" cy="6001643"/>
+          </a:xfrm>
+          <a:prstGeom prst="rect">
+            <a:avLst/>
+          </a:prstGeom>
+          <a:noFill/>
+        </p:spPr>
+        <p:txBody>
+          <a:bodyPr wrap="square" rtlCol="0">
+            <a:spAutoFit/>
+          </a:bodyPr>
+          <a:lstStyle/>
+          <a:p>
+            <a:pPr marL="342900" indent="-342900">
+              <a:buFont typeface="Arial" panose="020B0604020202020204" pitchFamily="34" charset="0"/>
+              <a:buChar char="•"/>
+            </a:pPr>
+            <a:r>
+              <a:rPr lang="en-US" dirty="0">
+                <a:solidFill>
+                  <a:srgbClr val="404040"/>
+                </a:solidFill>
+              </a:rPr>
+              <a:t>Highly Advised Reading</a:t>
+            </a:r>
+          </a:p>
+          <a:p>
+            <a:endParaRPr lang="en-US" dirty="0">
+              <a:solidFill>
+                <a:srgbClr val="404040"/>
+              </a:solidFill>
+            </a:endParaRPr>
+          </a:p>
+          <a:p>
+            <a:pPr marL="800100" lvl="1" indent="-342900">
+              <a:buFont typeface="Arial" panose="020B0604020202020204" pitchFamily="34" charset="0"/>
+              <a:buChar char="•"/>
+            </a:pPr>
+            <a:r>
+              <a:rPr lang="en-US" dirty="0">
+                <a:solidFill>
+                  <a:srgbClr val="404040"/>
+                </a:solidFill>
+              </a:rPr>
+              <a:t>Chapter 21: </a:t>
+            </a:r>
+            <a:r>
+              <a:rPr lang="en-US" dirty="0" err="1">
+                <a:solidFill>
+                  <a:srgbClr val="404040"/>
+                </a:solidFill>
+              </a:rPr>
+              <a:t>RMarkdown</a:t>
+            </a:r>
+            <a:endParaRPr lang="en-US" dirty="0">
+              <a:solidFill>
+                <a:srgbClr val="404040"/>
+              </a:solidFill>
+            </a:endParaRPr>
+          </a:p>
+          <a:p>
+            <a:pPr marL="1257300" lvl="2" indent="-342900">
+              <a:buFont typeface="Arial" panose="020B0604020202020204" pitchFamily="34" charset="0"/>
+              <a:buChar char="•"/>
+            </a:pPr>
+            <a:r>
+              <a:rPr lang="en-US" dirty="0">
+                <a:solidFill>
+                  <a:srgbClr val="404040"/>
+                </a:solidFill>
+              </a:rPr>
+              <a:t>Basics</a:t>
+            </a:r>
+          </a:p>
+          <a:p>
+            <a:pPr marL="1257300" lvl="2" indent="-342900">
+              <a:buFont typeface="Arial" panose="020B0604020202020204" pitchFamily="34" charset="0"/>
+              <a:buChar char="•"/>
+            </a:pPr>
+            <a:r>
+              <a:rPr lang="en-US" dirty="0">
+                <a:solidFill>
+                  <a:srgbClr val="404040"/>
+                </a:solidFill>
+              </a:rPr>
+              <a:t>Text Formatting</a:t>
+            </a:r>
+          </a:p>
+          <a:p>
+            <a:pPr marL="1257300" lvl="2" indent="-342900">
+              <a:buFont typeface="Arial" panose="020B0604020202020204" pitchFamily="34" charset="0"/>
+              <a:buChar char="•"/>
+            </a:pPr>
+            <a:r>
+              <a:rPr lang="en-US" dirty="0">
+                <a:solidFill>
+                  <a:srgbClr val="404040"/>
+                </a:solidFill>
+              </a:rPr>
+              <a:t>Code Chunks</a:t>
+            </a:r>
+          </a:p>
+          <a:p>
+            <a:pPr marL="1257300" lvl="2" indent="-342900">
+              <a:buFont typeface="Arial" panose="020B0604020202020204" pitchFamily="34" charset="0"/>
+              <a:buChar char="•"/>
+            </a:pPr>
+            <a:endParaRPr lang="en-US" dirty="0">
+              <a:solidFill>
+                <a:srgbClr val="404040"/>
+              </a:solidFill>
+            </a:endParaRPr>
+          </a:p>
+          <a:p>
+            <a:pPr marL="800100" lvl="1" indent="-342900">
+              <a:buFont typeface="Arial" panose="020B0604020202020204" pitchFamily="34" charset="0"/>
+              <a:buChar char="•"/>
+            </a:pPr>
+            <a:r>
+              <a:rPr lang="en-US" dirty="0">
+                <a:solidFill>
+                  <a:srgbClr val="404040"/>
+                </a:solidFill>
+              </a:rPr>
+              <a:t>Chapter 22: More </a:t>
+            </a:r>
+            <a:r>
+              <a:rPr lang="en-US" dirty="0" err="1">
+                <a:solidFill>
+                  <a:srgbClr val="404040"/>
+                </a:solidFill>
+              </a:rPr>
+              <a:t>ggplot</a:t>
+            </a:r>
+            <a:r>
+              <a:rPr lang="en-US" dirty="0">
+                <a:solidFill>
+                  <a:srgbClr val="404040"/>
+                </a:solidFill>
+              </a:rPr>
+              <a:t> Info</a:t>
+            </a:r>
+          </a:p>
+          <a:p>
+            <a:pPr marL="1257300" lvl="2" indent="-342900">
+              <a:buFont typeface="Arial" panose="020B0604020202020204" pitchFamily="34" charset="0"/>
+              <a:buChar char="•"/>
+            </a:pPr>
+            <a:r>
+              <a:rPr lang="en-US" dirty="0">
+                <a:solidFill>
+                  <a:srgbClr val="404040"/>
+                </a:solidFill>
+              </a:rPr>
+              <a:t>Labeling</a:t>
+            </a:r>
+          </a:p>
+          <a:p>
+            <a:pPr marL="1257300" lvl="2" indent="-342900">
+              <a:buFont typeface="Arial" panose="020B0604020202020204" pitchFamily="34" charset="0"/>
+              <a:buChar char="•"/>
+            </a:pPr>
+            <a:r>
+              <a:rPr lang="en-US" dirty="0">
+                <a:solidFill>
+                  <a:srgbClr val="404040"/>
+                </a:solidFill>
+              </a:rPr>
+              <a:t>Annotating</a:t>
+            </a:r>
+          </a:p>
+          <a:p>
+            <a:pPr marL="1257300" lvl="2" indent="-342900">
+              <a:buFont typeface="Arial" panose="020B0604020202020204" pitchFamily="34" charset="0"/>
+              <a:buChar char="•"/>
+            </a:pPr>
+            <a:r>
+              <a:rPr lang="en-US" dirty="0">
+                <a:solidFill>
+                  <a:srgbClr val="404040"/>
+                </a:solidFill>
+              </a:rPr>
+              <a:t>Scaling </a:t>
+            </a:r>
+          </a:p>
+          <a:p>
+            <a:pPr marL="1257300" lvl="2" indent="-342900">
+              <a:buFont typeface="Arial" panose="020B0604020202020204" pitchFamily="34" charset="0"/>
+              <a:buChar char="•"/>
+            </a:pPr>
+            <a:r>
+              <a:rPr lang="en-US" dirty="0">
+                <a:solidFill>
+                  <a:srgbClr val="404040"/>
+                </a:solidFill>
+              </a:rPr>
+              <a:t>Zooming</a:t>
+            </a:r>
+          </a:p>
+          <a:p>
+            <a:pPr marL="1257300" lvl="2" indent="-342900">
+              <a:buFont typeface="Arial" panose="020B0604020202020204" pitchFamily="34" charset="0"/>
+              <a:buChar char="•"/>
+            </a:pPr>
+            <a:r>
+              <a:rPr lang="en-US" dirty="0">
+                <a:solidFill>
+                  <a:srgbClr val="404040"/>
+                </a:solidFill>
+              </a:rPr>
+              <a:t>Themes</a:t>
+            </a:r>
+          </a:p>
+          <a:p>
+            <a:pPr marL="1257300" lvl="2" indent="-342900">
+              <a:buFont typeface="Arial" panose="020B0604020202020204" pitchFamily="34" charset="0"/>
+              <a:buChar char="•"/>
+            </a:pPr>
+            <a:r>
+              <a:rPr lang="en-US" dirty="0">
+                <a:solidFill>
+                  <a:srgbClr val="404040"/>
+                </a:solidFill>
+              </a:rPr>
+              <a:t>Saving Graphics</a:t>
+            </a:r>
+          </a:p>
+          <a:p>
+            <a:pPr marL="342900" indent="-342900">
+              <a:buFont typeface="Arial" panose="020B0604020202020204" pitchFamily="34" charset="0"/>
+              <a:buChar char="•"/>
+            </a:pPr>
+            <a:endParaRPr lang="en-US" dirty="0">
+              <a:solidFill>
+                <a:srgbClr val="404040"/>
+              </a:solidFill>
+            </a:endParaRPr>
+          </a:p>
+          <a:p>
+            <a:pPr marL="342900" indent="-342900">
+              <a:buFont typeface="Arial" panose="020B0604020202020204" pitchFamily="34" charset="0"/>
+              <a:buChar char="•"/>
+            </a:pPr>
+            <a:endParaRPr lang="en-US" dirty="0">
+              <a:solidFill>
+                <a:srgbClr val="404040"/>
+              </a:solidFill>
+            </a:endParaRPr>
+          </a:p>
+        </p:txBody>
+      </p:sp>
+    </p:spTree>
+    <p:custDataLst>
+      <p:tags r:id="rId1"/>
+    </p:custDataLst>
+    <p:extLst>
+      <p:ext uri="{BB962C8B-B14F-4D97-AF65-F5344CB8AC3E}">
+        <p14:creationId xmlns:p14="http://schemas.microsoft.com/office/powerpoint/2010/main" val="1196143027"/>
+      </p:ext>
+    </p:extLst>
+  </p:cSld>
+  <p:clrMapOvr>
+    <a:masterClrMapping/>
+  </p:clrMapOvr>
+</p:sld>
+</file>
+
+<file path=ppt/slides/slide4.xml><?xml version="1.0" encoding="utf-8"?>
+<p:sld xmlns:a="http://schemas.openxmlformats.org/drawingml/2006/main" xmlns:r="http://schemas.openxmlformats.org/officeDocument/2006/relationships" xmlns:p="http://schemas.openxmlformats.org/presentationml/2006/main">
+  <p:cSld>
+    <p:bg>
+      <p:bgPr>
+        <a:solidFill>
+          <a:schemeClr val="bg1">
+            <a:lumMod val="85000"/>
+          </a:schemeClr>
+        </a:solidFill>
+        <a:effectLst/>
+      </p:bgPr>
+    </p:bg>
+    <p:spTree>
+      <p:nvGrpSpPr>
+        <p:cNvPr id="1" name=""/>
+        <p:cNvGrpSpPr/>
+        <p:nvPr/>
+      </p:nvGrpSpPr>
+      <p:grpSpPr>
+        <a:xfrm>
+          <a:off x="0" y="0"/>
+          <a:ext cx="0" cy="0"/>
+          <a:chOff x="0" y="0"/>
+          <a:chExt cx="0" cy="0"/>
+        </a:xfrm>
+      </p:grpSpPr>
+      <p:sp>
+        <p:nvSpPr>
+          <p:cNvPr id="15" name="Rectangle 12">
+            <a:extLst>
+              <a:ext uri="{FF2B5EF4-FFF2-40B4-BE49-F238E27FC236}">
+                <a16:creationId xmlns:a16="http://schemas.microsoft.com/office/drawing/2014/main" id="{867D4867-5BA7-4462-B2F6-A23F4A622AA7}"/>
+              </a:ext>
+              <a:ext uri="{C183D7F6-B498-43B3-948B-1728B52AA6E4}">
+                <adec:decorative xmlns:adec="http://schemas.microsoft.com/office/drawing/2017/decorative" val="1"/>
+              </a:ext>
+            </a:extLst>
+          </p:cNvPr>
+          <p:cNvSpPr>
+            <a:spLocks noGrp="1" noRot="1" noChangeAspect="1" noMove="1" noResize="1" noEditPoints="1" noAdjustHandles="1" noChangeArrowheads="1" noChangeShapeType="1" noTextEdit="1"/>
+          </p:cNvSpPr>
+          <p:nvPr>
+            <p:extLst>
+              <p:ext uri="{386F3935-93C4-4BCD-93E2-E3B085C9AB24}">
+                <p16:designElem xmlns:p16="http://schemas.microsoft.com/office/powerpoint/2015/main" val="1"/>
+              </p:ext>
+            </p:extLst>
+          </p:nvPr>
+        </p:nvSpPr>
+        <p:spPr>
+          <a:xfrm>
+            <a:off x="0" y="0"/>
+            <a:ext cx="3490722" cy="6858000"/>
+          </a:xfrm>
+          <a:prstGeom prst="rect">
+            <a:avLst/>
+          </a:prstGeom>
+          <a:solidFill>
+            <a:schemeClr val="tx1">
+              <a:lumMod val="75000"/>
+              <a:lumOff val="25000"/>
+            </a:schemeClr>
+          </a:solidFill>
+          <a:ln>
+            <a:noFill/>
+          </a:ln>
+        </p:spPr>
+        <p:style>
+          <a:lnRef idx="0">
+            <a:scrgbClr r="0" g="0" b="0"/>
+          </a:lnRef>
+          <a:fillRef idx="0">
+            <a:scrgbClr r="0" g="0" b="0"/>
+          </a:fillRef>
+          <a:effectRef idx="0">
+            <a:scrgbClr r="0" g="0" b="0"/>
+          </a:effectRef>
+          <a:fontRef idx="minor">
+            <a:schemeClr val="lt1"/>
+          </a:fontRef>
+        </p:style>
+        <p:txBody>
+          <a:bodyPr rtlCol="0" anchor="ctr"/>
+          <a:lstStyle/>
+          <a:p>
+            <a:pPr algn="ctr"/>
+            <a:endParaRPr lang="en-US"/>
+          </a:p>
+        </p:txBody>
+      </p:sp>
+      <p:sp>
+        <p:nvSpPr>
+          <p:cNvPr id="2" name="Title 1"/>
+          <p:cNvSpPr>
+            <a:spLocks noGrp="1"/>
+          </p:cNvSpPr>
+          <p:nvPr>
+            <p:ph type="title"/>
+          </p:nvPr>
+        </p:nvSpPr>
+        <p:spPr>
+          <a:xfrm>
+            <a:off x="482600" y="643467"/>
+            <a:ext cx="2522980" cy="1597315"/>
+          </a:xfrm>
+          <a:noFill/>
+          <a:ln w="19050">
+            <a:solidFill>
+              <a:schemeClr val="bg1"/>
+            </a:solidFill>
+          </a:ln>
+        </p:spPr>
+        <p:txBody>
+          <a:bodyPr vert="horz" wrap="square" lIns="91440" tIns="45720" rIns="91440" bIns="45720" rtlCol="0" anchor="ctr">
+            <a:normAutofit/>
+          </a:bodyPr>
+          <a:lstStyle/>
+          <a:p>
+            <a:pPr defTabSz="914400" eaLnBrk="1" hangingPunct="1">
+              <a:lnSpc>
+                <a:spcPct val="90000"/>
+              </a:lnSpc>
+            </a:pPr>
+            <a:r>
+              <a:rPr lang="en-US" sz="2400" kern="1200" dirty="0">
+                <a:solidFill>
+                  <a:schemeClr val="bg1"/>
+                </a:solidFill>
+                <a:latin typeface="+mj-lt"/>
+                <a:ea typeface="+mj-ea"/>
+                <a:cs typeface="+mj-cs"/>
+              </a:rPr>
+              <a:t>Placing Code in </a:t>
+            </a:r>
+            <a:r>
+              <a:rPr lang="en-US" sz="2400" kern="1200" dirty="0" err="1">
+                <a:solidFill>
+                  <a:schemeClr val="bg1"/>
+                </a:solidFill>
+                <a:latin typeface="+mj-lt"/>
+                <a:ea typeface="+mj-ea"/>
+                <a:cs typeface="+mj-cs"/>
+              </a:rPr>
+              <a:t>RMarkdown</a:t>
+            </a:r>
+            <a:endParaRPr lang="en-US" sz="2400" kern="1200" dirty="0">
+              <a:solidFill>
+                <a:schemeClr val="bg1"/>
+              </a:solidFill>
+              <a:latin typeface="+mj-lt"/>
+              <a:ea typeface="+mj-ea"/>
+              <a:cs typeface="+mj-cs"/>
+            </a:endParaRPr>
+          </a:p>
+        </p:txBody>
+      </p:sp>
+      <p:pic>
+        <p:nvPicPr>
+          <p:cNvPr id="8" name="Picture 7">
+            <a:extLst>
+              <a:ext uri="{FF2B5EF4-FFF2-40B4-BE49-F238E27FC236}">
+                <a16:creationId xmlns:a16="http://schemas.microsoft.com/office/drawing/2014/main" id="{521D4292-9ECC-4DA5-8CC0-C561A0DA118E}"/>
+              </a:ext>
+            </a:extLst>
+          </p:cNvPr>
+          <p:cNvPicPr>
+            <a:picLocks noChangeAspect="1"/>
+          </p:cNvPicPr>
+          <p:nvPr/>
+        </p:nvPicPr>
+        <p:blipFill rotWithShape="1">
+          <a:blip r:embed="rId3"/>
+          <a:srcRect l="8000" r="9400"/>
+          <a:stretch/>
+        </p:blipFill>
+        <p:spPr>
+          <a:xfrm>
+            <a:off x="660103" y="3048000"/>
+            <a:ext cx="2167974" cy="2624666"/>
+          </a:xfrm>
+          <a:prstGeom prst="rect">
+            <a:avLst/>
+          </a:prstGeom>
+          <a:noFill/>
+        </p:spPr>
+      </p:pic>
+      <p:sp>
+        <p:nvSpPr>
+          <p:cNvPr id="3" name="TextBox 2">
+            <a:extLst>
+              <a:ext uri="{FF2B5EF4-FFF2-40B4-BE49-F238E27FC236}">
+                <a16:creationId xmlns:a16="http://schemas.microsoft.com/office/drawing/2014/main" id="{E79E2C7A-95B9-4E1E-9F99-1339A9C719B6}"/>
+              </a:ext>
+            </a:extLst>
+          </p:cNvPr>
+          <p:cNvSpPr txBox="1"/>
+          <p:nvPr/>
+        </p:nvSpPr>
+        <p:spPr>
+          <a:xfrm>
+            <a:off x="3733800" y="643467"/>
+            <a:ext cx="5181600" cy="830997"/>
+          </a:xfrm>
+          <a:prstGeom prst="rect">
+            <a:avLst/>
+          </a:prstGeom>
+          <a:noFill/>
+        </p:spPr>
+        <p:txBody>
+          <a:bodyPr wrap="square" rtlCol="0">
+            <a:spAutoFit/>
+          </a:bodyPr>
+          <a:lstStyle/>
+          <a:p>
+            <a:pPr marL="342900" indent="-342900">
+              <a:buFont typeface="Arial" panose="020B0604020202020204" pitchFamily="34" charset="0"/>
+              <a:buChar char="•"/>
+            </a:pPr>
+            <a:endParaRPr lang="en-US" dirty="0">
+              <a:solidFill>
+                <a:srgbClr val="404040"/>
+              </a:solidFill>
+            </a:endParaRPr>
+          </a:p>
+          <a:p>
+            <a:pPr marL="342900" indent="-342900">
+              <a:buFont typeface="Arial" panose="020B0604020202020204" pitchFamily="34" charset="0"/>
+              <a:buChar char="•"/>
+            </a:pPr>
+            <a:endParaRPr lang="en-US" dirty="0">
+              <a:solidFill>
+                <a:srgbClr val="404040"/>
+              </a:solidFill>
+            </a:endParaRPr>
+          </a:p>
+        </p:txBody>
+      </p:sp>
+      <p:sp>
+        <p:nvSpPr>
+          <p:cNvPr id="6" name="TextBox 5">
+            <a:extLst>
+              <a:ext uri="{FF2B5EF4-FFF2-40B4-BE49-F238E27FC236}">
+                <a16:creationId xmlns:a16="http://schemas.microsoft.com/office/drawing/2014/main" id="{03000CCC-A457-4CAC-8210-40755530C48B}"/>
+              </a:ext>
+            </a:extLst>
+          </p:cNvPr>
+          <p:cNvSpPr txBox="1"/>
+          <p:nvPr/>
+        </p:nvSpPr>
+        <p:spPr>
+          <a:xfrm>
+            <a:off x="3733800" y="643467"/>
+            <a:ext cx="5181600" cy="6740307"/>
+          </a:xfrm>
+          <a:prstGeom prst="rect">
+            <a:avLst/>
+          </a:prstGeom>
+          <a:noFill/>
+        </p:spPr>
+        <p:txBody>
+          <a:bodyPr wrap="square" rtlCol="0">
+            <a:spAutoFit/>
+          </a:bodyPr>
+          <a:lstStyle/>
+          <a:p>
+            <a:pPr marL="342900" indent="-342900">
+              <a:buFont typeface="Arial" panose="020B0604020202020204" pitchFamily="34" charset="0"/>
+              <a:buChar char="•"/>
+            </a:pPr>
+            <a:r>
+              <a:rPr lang="en-US" dirty="0">
+                <a:solidFill>
+                  <a:srgbClr val="404040"/>
+                </a:solidFill>
+              </a:rPr>
+              <a:t>Code Chunks (Mini </a:t>
+            </a:r>
+            <a:r>
+              <a:rPr lang="en-US" dirty="0" err="1">
+                <a:solidFill>
+                  <a:srgbClr val="404040"/>
+                </a:solidFill>
+              </a:rPr>
+              <a:t>Rscripts</a:t>
+            </a:r>
+            <a:r>
+              <a:rPr lang="en-US" dirty="0">
+                <a:solidFill>
+                  <a:srgbClr val="404040"/>
+                </a:solidFill>
+              </a:rPr>
+              <a:t>)</a:t>
+            </a:r>
+          </a:p>
+          <a:p>
+            <a:pPr marL="800100" lvl="1" indent="-342900">
+              <a:buFont typeface="Arial" panose="020B0604020202020204" pitchFamily="34" charset="0"/>
+              <a:buChar char="•"/>
+            </a:pPr>
+            <a:r>
+              <a:rPr lang="en-US" dirty="0">
+                <a:solidFill>
+                  <a:srgbClr val="404040"/>
+                </a:solidFill>
+              </a:rPr>
+              <a:t>R, Python, SQL, </a:t>
+            </a:r>
+            <a:r>
+              <a:rPr lang="en-US" dirty="0" err="1">
+                <a:solidFill>
+                  <a:srgbClr val="404040"/>
+                </a:solidFill>
+              </a:rPr>
+              <a:t>Rcpp</a:t>
+            </a:r>
+            <a:r>
+              <a:rPr lang="en-US" dirty="0">
+                <a:solidFill>
+                  <a:srgbClr val="404040"/>
+                </a:solidFill>
+              </a:rPr>
+              <a:t> (C++)</a:t>
+            </a:r>
+          </a:p>
+          <a:p>
+            <a:pPr marL="800100" lvl="1" indent="-342900">
+              <a:buFont typeface="Arial" panose="020B0604020202020204" pitchFamily="34" charset="0"/>
+              <a:buChar char="•"/>
+            </a:pPr>
+            <a:r>
+              <a:rPr lang="en-US" dirty="0">
+                <a:solidFill>
+                  <a:srgbClr val="404040"/>
+                </a:solidFill>
+              </a:rPr>
+              <a:t>Inserting R Chunks</a:t>
+            </a:r>
+          </a:p>
+          <a:p>
+            <a:pPr marL="1257300" lvl="2" indent="-342900">
+              <a:buFont typeface="Arial" panose="020B0604020202020204" pitchFamily="34" charset="0"/>
+              <a:buChar char="•"/>
+            </a:pPr>
+            <a:r>
+              <a:rPr lang="en-US" dirty="0">
+                <a:solidFill>
+                  <a:srgbClr val="404040"/>
+                </a:solidFill>
+              </a:rPr>
+              <a:t>Method 1: </a:t>
+            </a:r>
+          </a:p>
+          <a:p>
+            <a:pPr marL="1257300" lvl="2" indent="-342900">
+              <a:buFont typeface="Arial" panose="020B0604020202020204" pitchFamily="34" charset="0"/>
+              <a:buChar char="•"/>
+            </a:pPr>
+            <a:endParaRPr lang="en-US" dirty="0">
+              <a:solidFill>
+                <a:srgbClr val="404040"/>
+              </a:solidFill>
+            </a:endParaRPr>
+          </a:p>
+          <a:p>
+            <a:pPr marL="1257300" lvl="2" indent="-342900">
+              <a:buFont typeface="Arial" panose="020B0604020202020204" pitchFamily="34" charset="0"/>
+              <a:buChar char="•"/>
+            </a:pPr>
+            <a:endParaRPr lang="en-US" dirty="0">
+              <a:solidFill>
+                <a:srgbClr val="404040"/>
+              </a:solidFill>
+            </a:endParaRPr>
+          </a:p>
+          <a:p>
+            <a:pPr marL="1257300" lvl="2" indent="-342900">
+              <a:buFont typeface="Arial" panose="020B0604020202020204" pitchFamily="34" charset="0"/>
+              <a:buChar char="•"/>
+            </a:pPr>
+            <a:endParaRPr lang="en-US" dirty="0">
+              <a:solidFill>
+                <a:srgbClr val="404040"/>
+              </a:solidFill>
+            </a:endParaRPr>
+          </a:p>
+          <a:p>
+            <a:pPr marL="1257300" lvl="2" indent="-342900">
+              <a:buFont typeface="Arial" panose="020B0604020202020204" pitchFamily="34" charset="0"/>
+              <a:buChar char="•"/>
+            </a:pPr>
+            <a:endParaRPr lang="en-US" dirty="0">
+              <a:solidFill>
+                <a:srgbClr val="404040"/>
+              </a:solidFill>
+            </a:endParaRPr>
+          </a:p>
+          <a:p>
+            <a:pPr marL="1257300" lvl="2" indent="-342900">
+              <a:buFont typeface="Arial" panose="020B0604020202020204" pitchFamily="34" charset="0"/>
+              <a:buChar char="•"/>
+            </a:pPr>
+            <a:endParaRPr lang="en-US" dirty="0">
+              <a:solidFill>
+                <a:srgbClr val="404040"/>
+              </a:solidFill>
+            </a:endParaRPr>
+          </a:p>
+          <a:p>
+            <a:pPr marL="1257300" lvl="2" indent="-342900">
+              <a:buFont typeface="Arial" panose="020B0604020202020204" pitchFamily="34" charset="0"/>
+              <a:buChar char="•"/>
+            </a:pPr>
+            <a:endParaRPr lang="en-US" dirty="0">
+              <a:solidFill>
+                <a:srgbClr val="404040"/>
+              </a:solidFill>
+            </a:endParaRPr>
+          </a:p>
+          <a:p>
+            <a:pPr marL="1257300" lvl="2" indent="-342900">
+              <a:buFont typeface="Arial" panose="020B0604020202020204" pitchFamily="34" charset="0"/>
+              <a:buChar char="•"/>
+            </a:pPr>
+            <a:endParaRPr lang="en-US" dirty="0">
+              <a:solidFill>
+                <a:srgbClr val="404040"/>
+              </a:solidFill>
+            </a:endParaRPr>
+          </a:p>
+          <a:p>
+            <a:pPr marL="1257300" lvl="2" indent="-342900">
+              <a:buFont typeface="Arial" panose="020B0604020202020204" pitchFamily="34" charset="0"/>
+              <a:buChar char="•"/>
+            </a:pPr>
+            <a:endParaRPr lang="en-US" dirty="0">
+              <a:solidFill>
+                <a:srgbClr val="404040"/>
+              </a:solidFill>
+            </a:endParaRPr>
+          </a:p>
+          <a:p>
+            <a:pPr marL="1257300" lvl="2" indent="-342900">
+              <a:buFont typeface="Arial" panose="020B0604020202020204" pitchFamily="34" charset="0"/>
+              <a:buChar char="•"/>
+            </a:pPr>
+            <a:endParaRPr lang="en-US" dirty="0">
+              <a:solidFill>
+                <a:srgbClr val="404040"/>
+              </a:solidFill>
+            </a:endParaRPr>
+          </a:p>
+          <a:p>
+            <a:pPr marL="1257300" lvl="2" indent="-342900">
+              <a:buFont typeface="Arial" panose="020B0604020202020204" pitchFamily="34" charset="0"/>
+              <a:buChar char="•"/>
+            </a:pPr>
+            <a:endParaRPr lang="en-US" dirty="0">
+              <a:solidFill>
+                <a:srgbClr val="404040"/>
+              </a:solidFill>
+            </a:endParaRPr>
+          </a:p>
+          <a:p>
+            <a:pPr marL="1257300" lvl="2" indent="-342900">
+              <a:buFont typeface="Arial" panose="020B0604020202020204" pitchFamily="34" charset="0"/>
+              <a:buChar char="•"/>
+            </a:pPr>
+            <a:endParaRPr lang="en-US" dirty="0">
+              <a:solidFill>
+                <a:srgbClr val="404040"/>
+              </a:solidFill>
+            </a:endParaRPr>
+          </a:p>
+          <a:p>
+            <a:pPr marL="1257300" lvl="2" indent="-342900">
+              <a:buFont typeface="Arial" panose="020B0604020202020204" pitchFamily="34" charset="0"/>
+              <a:buChar char="•"/>
+            </a:pPr>
+            <a:r>
+              <a:rPr lang="en-US" dirty="0">
+                <a:solidFill>
+                  <a:srgbClr val="404040"/>
+                </a:solidFill>
+              </a:rPr>
+              <a:t>Method 2: </a:t>
+            </a:r>
+            <a:r>
+              <a:rPr lang="en-US" dirty="0" err="1">
+                <a:solidFill>
+                  <a:srgbClr val="404040"/>
+                </a:solidFill>
+              </a:rPr>
+              <a:t>Ctrl+Alt+I</a:t>
+            </a:r>
+            <a:endParaRPr lang="en-US" dirty="0">
+              <a:solidFill>
+                <a:srgbClr val="404040"/>
+              </a:solidFill>
+            </a:endParaRPr>
+          </a:p>
+          <a:p>
+            <a:pPr marL="342900" indent="-342900">
+              <a:buFont typeface="Arial" panose="020B0604020202020204" pitchFamily="34" charset="0"/>
+              <a:buChar char="•"/>
+            </a:pPr>
+            <a:endParaRPr lang="en-US" dirty="0">
+              <a:solidFill>
+                <a:srgbClr val="404040"/>
+              </a:solidFill>
+            </a:endParaRPr>
+          </a:p>
+          <a:p>
+            <a:pPr marL="342900" indent="-342900">
+              <a:buFont typeface="Arial" panose="020B0604020202020204" pitchFamily="34" charset="0"/>
+              <a:buChar char="•"/>
+            </a:pPr>
+            <a:endParaRPr lang="en-US" dirty="0">
+              <a:solidFill>
+                <a:srgbClr val="404040"/>
+              </a:solidFill>
+            </a:endParaRPr>
+          </a:p>
+        </p:txBody>
+      </p:sp>
+      <p:pic>
+        <p:nvPicPr>
+          <p:cNvPr id="4" name="Picture 3">
+            <a:extLst>
+              <a:ext uri="{FF2B5EF4-FFF2-40B4-BE49-F238E27FC236}">
+                <a16:creationId xmlns:a16="http://schemas.microsoft.com/office/drawing/2014/main" id="{D9C8F995-7DC3-4148-B14C-24262E8230BB}"/>
+              </a:ext>
+            </a:extLst>
+          </p:cNvPr>
+          <p:cNvPicPr>
+            <a:picLocks noChangeAspect="1"/>
+          </p:cNvPicPr>
+          <p:nvPr/>
+        </p:nvPicPr>
+        <p:blipFill>
+          <a:blip r:embed="rId4"/>
+          <a:stretch>
+            <a:fillRect/>
+          </a:stretch>
+        </p:blipFill>
+        <p:spPr>
+          <a:xfrm>
+            <a:off x="5105673" y="2240782"/>
+            <a:ext cx="3675019" cy="1730405"/>
+          </a:xfrm>
+          <a:prstGeom prst="rect">
+            <a:avLst/>
+          </a:prstGeom>
+          <a:ln>
+            <a:solidFill>
+              <a:srgbClr val="404040"/>
+            </a:solidFill>
+          </a:ln>
+        </p:spPr>
+        <p:style>
+          <a:lnRef idx="2">
+            <a:schemeClr val="dk1"/>
+          </a:lnRef>
+          <a:fillRef idx="1">
+            <a:schemeClr val="lt1"/>
+          </a:fillRef>
+          <a:effectRef idx="0">
+            <a:schemeClr val="dk1"/>
+          </a:effectRef>
+          <a:fontRef idx="minor">
+            <a:schemeClr val="dk1"/>
+          </a:fontRef>
+        </p:style>
+      </p:pic>
+      <p:pic>
+        <p:nvPicPr>
+          <p:cNvPr id="7" name="Picture 6">
+            <a:extLst>
+              <a:ext uri="{FF2B5EF4-FFF2-40B4-BE49-F238E27FC236}">
+                <a16:creationId xmlns:a16="http://schemas.microsoft.com/office/drawing/2014/main" id="{9F5B63D4-7F96-46CB-86A4-7429B2F51B22}"/>
+              </a:ext>
+            </a:extLst>
+          </p:cNvPr>
+          <p:cNvPicPr>
+            <a:picLocks noChangeAspect="1"/>
+          </p:cNvPicPr>
+          <p:nvPr/>
+        </p:nvPicPr>
+        <p:blipFill>
+          <a:blip r:embed="rId5"/>
+          <a:stretch>
+            <a:fillRect/>
+          </a:stretch>
+        </p:blipFill>
+        <p:spPr>
+          <a:xfrm>
+            <a:off x="5105673" y="4191000"/>
+            <a:ext cx="3719690" cy="1730405"/>
+          </a:xfrm>
+          <a:prstGeom prst="rect">
+            <a:avLst/>
+          </a:prstGeom>
+          <a:ln w="28575">
+            <a:solidFill>
+              <a:srgbClr val="404040"/>
+            </a:solidFill>
+          </a:ln>
+        </p:spPr>
+      </p:pic>
+      <p:sp>
+        <p:nvSpPr>
+          <p:cNvPr id="5" name="Arrow: Right 4">
+            <a:extLst>
+              <a:ext uri="{FF2B5EF4-FFF2-40B4-BE49-F238E27FC236}">
+                <a16:creationId xmlns:a16="http://schemas.microsoft.com/office/drawing/2014/main" id="{FC4E5EA5-43A8-4777-B6C0-C14D1F309D80}"/>
+              </a:ext>
+            </a:extLst>
+          </p:cNvPr>
+          <p:cNvSpPr/>
+          <p:nvPr/>
+        </p:nvSpPr>
+        <p:spPr>
+          <a:xfrm rot="5400000">
+            <a:off x="6077978" y="4501637"/>
+            <a:ext cx="1730407" cy="457200"/>
+          </a:xfrm>
+          <a:prstGeom prst="rightArrow">
+            <a:avLst/>
+          </a:prstGeom>
+          <a:solidFill>
+            <a:srgbClr val="404040"/>
+          </a:solidFill>
+          <a:effectLst>
+            <a:innerShdw blurRad="63500" dist="50800" dir="16200000">
+              <a:prstClr val="black">
+                <a:alpha val="50000"/>
+              </a:prstClr>
+            </a:innerShdw>
+          </a:effectLst>
+        </p:spPr>
+        <p:style>
+          <a:lnRef idx="1">
+            <a:schemeClr val="accent1"/>
+          </a:lnRef>
+          <a:fillRef idx="3">
+            <a:schemeClr val="accent1"/>
+          </a:fillRef>
+          <a:effectRef idx="2">
+            <a:schemeClr val="accent1"/>
+          </a:effectRef>
+          <a:fontRef idx="minor">
+            <a:schemeClr val="lt1"/>
+          </a:fontRef>
+        </p:style>
+        <p:txBody>
+          <a:bodyPr rtlCol="0" anchor="ctr"/>
+          <a:lstStyle/>
+          <a:p>
+            <a:pPr algn="ctr"/>
+            <a:endParaRPr lang="en-US"/>
+          </a:p>
+        </p:txBody>
+      </p:sp>
+    </p:spTree>
+    <p:custDataLst>
+      <p:tags r:id="rId1"/>
+    </p:custDataLst>
+    <p:extLst>
+      <p:ext uri="{BB962C8B-B14F-4D97-AF65-F5344CB8AC3E}">
+        <p14:creationId xmlns:p14="http://schemas.microsoft.com/office/powerpoint/2010/main" val="3007342472"/>
+      </p:ext>
+    </p:extLst>
+  </p:cSld>
+  <p:clrMapOvr>
+    <a:masterClrMapping/>
+  </p:clrMapOvr>
+</p:sld>
+</file>
+
+<file path=ppt/slides/slide5.xml><?xml version="1.0" encoding="utf-8"?>
+<p:sld xmlns:a="http://schemas.openxmlformats.org/drawingml/2006/main" xmlns:r="http://schemas.openxmlformats.org/officeDocument/2006/relationships" xmlns:p="http://schemas.openxmlformats.org/presentationml/2006/main">
+  <p:cSld>
+    <p:bg>
+      <p:bgPr>
+        <a:solidFill>
+          <a:schemeClr val="bg1">
+            <a:lumMod val="85000"/>
+          </a:schemeClr>
+        </a:solidFill>
+        <a:effectLst/>
+      </p:bgPr>
+    </p:bg>
+    <p:spTree>
+      <p:nvGrpSpPr>
+        <p:cNvPr id="1" name=""/>
+        <p:cNvGrpSpPr/>
+        <p:nvPr/>
+      </p:nvGrpSpPr>
+      <p:grpSpPr>
+        <a:xfrm>
+          <a:off x="0" y="0"/>
+          <a:ext cx="0" cy="0"/>
+          <a:chOff x="0" y="0"/>
+          <a:chExt cx="0" cy="0"/>
+        </a:xfrm>
+      </p:grpSpPr>
+      <p:sp>
+        <p:nvSpPr>
+          <p:cNvPr id="15" name="Rectangle 12">
+            <a:extLst>
+              <a:ext uri="{FF2B5EF4-FFF2-40B4-BE49-F238E27FC236}">
+                <a16:creationId xmlns:a16="http://schemas.microsoft.com/office/drawing/2014/main" id="{867D4867-5BA7-4462-B2F6-A23F4A622AA7}"/>
+              </a:ext>
+              <a:ext uri="{C183D7F6-B498-43B3-948B-1728B52AA6E4}">
+                <adec:decorative xmlns:adec="http://schemas.microsoft.com/office/drawing/2017/decorative" val="1"/>
+              </a:ext>
+            </a:extLst>
+          </p:cNvPr>
+          <p:cNvSpPr>
+            <a:spLocks noGrp="1" noRot="1" noChangeAspect="1" noMove="1" noResize="1" noEditPoints="1" noAdjustHandles="1" noChangeArrowheads="1" noChangeShapeType="1" noTextEdit="1"/>
+          </p:cNvSpPr>
+          <p:nvPr>
+            <p:extLst>
+              <p:ext uri="{386F3935-93C4-4BCD-93E2-E3B085C9AB24}">
+                <p16:designElem xmlns:p16="http://schemas.microsoft.com/office/powerpoint/2015/main" val="1"/>
+              </p:ext>
+            </p:extLst>
+          </p:nvPr>
+        </p:nvSpPr>
+        <p:spPr>
+          <a:xfrm>
+            <a:off x="0" y="0"/>
+            <a:ext cx="3490722" cy="6858000"/>
+          </a:xfrm>
+          <a:prstGeom prst="rect">
+            <a:avLst/>
+          </a:prstGeom>
+          <a:solidFill>
+            <a:schemeClr val="tx1">
+              <a:lumMod val="75000"/>
+              <a:lumOff val="25000"/>
+            </a:schemeClr>
+          </a:solidFill>
+          <a:ln>
+            <a:noFill/>
+          </a:ln>
+        </p:spPr>
+        <p:style>
+          <a:lnRef idx="0">
+            <a:scrgbClr r="0" g="0" b="0"/>
+          </a:lnRef>
+          <a:fillRef idx="0">
+            <a:scrgbClr r="0" g="0" b="0"/>
+          </a:fillRef>
+          <a:effectRef idx="0">
+            <a:scrgbClr r="0" g="0" b="0"/>
+          </a:effectRef>
+          <a:fontRef idx="minor">
+            <a:schemeClr val="lt1"/>
+          </a:fontRef>
+        </p:style>
+        <p:txBody>
+          <a:bodyPr rtlCol="0" anchor="ctr"/>
+          <a:lstStyle/>
+          <a:p>
+            <a:pPr algn="ctr"/>
+            <a:endParaRPr lang="en-US"/>
+          </a:p>
+        </p:txBody>
+      </p:sp>
+      <p:sp>
+        <p:nvSpPr>
+          <p:cNvPr id="2" name="Title 1"/>
+          <p:cNvSpPr>
+            <a:spLocks noGrp="1"/>
+          </p:cNvSpPr>
+          <p:nvPr>
+            <p:ph type="title"/>
+          </p:nvPr>
+        </p:nvSpPr>
+        <p:spPr>
+          <a:xfrm>
+            <a:off x="482600" y="643467"/>
+            <a:ext cx="2522980" cy="1597315"/>
+          </a:xfrm>
+          <a:noFill/>
+          <a:ln w="19050">
+            <a:solidFill>
+              <a:schemeClr val="bg1"/>
+            </a:solidFill>
+          </a:ln>
+        </p:spPr>
+        <p:txBody>
+          <a:bodyPr vert="horz" wrap="square" lIns="91440" tIns="45720" rIns="91440" bIns="45720" rtlCol="0" anchor="ctr">
+            <a:normAutofit/>
+          </a:bodyPr>
+          <a:lstStyle/>
+          <a:p>
+            <a:pPr defTabSz="914400" eaLnBrk="1" hangingPunct="1">
+              <a:lnSpc>
+                <a:spcPct val="90000"/>
+              </a:lnSpc>
+            </a:pPr>
+            <a:r>
+              <a:rPr lang="en-US" sz="2400" kern="1200" dirty="0">
+                <a:solidFill>
+                  <a:schemeClr val="bg1"/>
+                </a:solidFill>
+                <a:latin typeface="+mj-lt"/>
+                <a:ea typeface="+mj-ea"/>
+                <a:cs typeface="+mj-cs"/>
+              </a:rPr>
+              <a:t>Running Code in </a:t>
+            </a:r>
+            <a:r>
+              <a:rPr lang="en-US" sz="2400" kern="1200" dirty="0" err="1">
+                <a:solidFill>
+                  <a:schemeClr val="bg1"/>
+                </a:solidFill>
+                <a:latin typeface="+mj-lt"/>
+                <a:ea typeface="+mj-ea"/>
+                <a:cs typeface="+mj-cs"/>
+              </a:rPr>
+              <a:t>RMarkdown</a:t>
+            </a:r>
+            <a:endParaRPr lang="en-US" sz="2400" kern="1200" dirty="0">
+              <a:solidFill>
+                <a:schemeClr val="bg1"/>
+              </a:solidFill>
+              <a:latin typeface="+mj-lt"/>
+              <a:ea typeface="+mj-ea"/>
+              <a:cs typeface="+mj-cs"/>
+            </a:endParaRPr>
+          </a:p>
+        </p:txBody>
+      </p:sp>
+      <p:pic>
+        <p:nvPicPr>
+          <p:cNvPr id="8" name="Picture 7">
+            <a:extLst>
+              <a:ext uri="{FF2B5EF4-FFF2-40B4-BE49-F238E27FC236}">
+                <a16:creationId xmlns:a16="http://schemas.microsoft.com/office/drawing/2014/main" id="{521D4292-9ECC-4DA5-8CC0-C561A0DA118E}"/>
+              </a:ext>
+            </a:extLst>
+          </p:cNvPr>
+          <p:cNvPicPr>
+            <a:picLocks noChangeAspect="1"/>
+          </p:cNvPicPr>
+          <p:nvPr/>
+        </p:nvPicPr>
+        <p:blipFill rotWithShape="1">
+          <a:blip r:embed="rId3"/>
+          <a:srcRect l="8000" r="9400"/>
+          <a:stretch/>
+        </p:blipFill>
+        <p:spPr>
+          <a:xfrm>
+            <a:off x="660103" y="3048000"/>
+            <a:ext cx="2167974" cy="2624666"/>
+          </a:xfrm>
+          <a:prstGeom prst="rect">
+            <a:avLst/>
+          </a:prstGeom>
+          <a:noFill/>
+        </p:spPr>
+      </p:pic>
+      <p:sp>
+        <p:nvSpPr>
+          <p:cNvPr id="3" name="TextBox 2">
+            <a:extLst>
+              <a:ext uri="{FF2B5EF4-FFF2-40B4-BE49-F238E27FC236}">
+                <a16:creationId xmlns:a16="http://schemas.microsoft.com/office/drawing/2014/main" id="{E79E2C7A-95B9-4E1E-9F99-1339A9C719B6}"/>
+              </a:ext>
+            </a:extLst>
+          </p:cNvPr>
+          <p:cNvSpPr txBox="1"/>
+          <p:nvPr/>
+        </p:nvSpPr>
+        <p:spPr>
+          <a:xfrm>
+            <a:off x="3733800" y="643467"/>
+            <a:ext cx="5181600" cy="830997"/>
+          </a:xfrm>
+          <a:prstGeom prst="rect">
+            <a:avLst/>
+          </a:prstGeom>
+          <a:noFill/>
+        </p:spPr>
+        <p:txBody>
+          <a:bodyPr wrap="square" rtlCol="0">
+            <a:spAutoFit/>
+          </a:bodyPr>
+          <a:lstStyle/>
+          <a:p>
+            <a:pPr marL="342900" indent="-342900">
+              <a:buFont typeface="Arial" panose="020B0604020202020204" pitchFamily="34" charset="0"/>
+              <a:buChar char="•"/>
+            </a:pPr>
+            <a:endParaRPr lang="en-US" dirty="0">
+              <a:solidFill>
+                <a:srgbClr val="404040"/>
+              </a:solidFill>
+            </a:endParaRPr>
+          </a:p>
+          <a:p>
+            <a:pPr marL="342900" indent="-342900">
+              <a:buFont typeface="Arial" panose="020B0604020202020204" pitchFamily="34" charset="0"/>
+              <a:buChar char="•"/>
+            </a:pPr>
+            <a:endParaRPr lang="en-US" dirty="0">
+              <a:solidFill>
+                <a:srgbClr val="404040"/>
+              </a:solidFill>
+            </a:endParaRPr>
+          </a:p>
+        </p:txBody>
+      </p:sp>
+      <p:sp>
+        <p:nvSpPr>
+          <p:cNvPr id="6" name="TextBox 5">
+            <a:extLst>
+              <a:ext uri="{FF2B5EF4-FFF2-40B4-BE49-F238E27FC236}">
+                <a16:creationId xmlns:a16="http://schemas.microsoft.com/office/drawing/2014/main" id="{03000CCC-A457-4CAC-8210-40755530C48B}"/>
+              </a:ext>
+            </a:extLst>
+          </p:cNvPr>
+          <p:cNvSpPr txBox="1"/>
+          <p:nvPr/>
+        </p:nvSpPr>
+        <p:spPr>
+          <a:xfrm>
+            <a:off x="3733800" y="643467"/>
+            <a:ext cx="5181600" cy="1569660"/>
+          </a:xfrm>
+          <a:prstGeom prst="rect">
+            <a:avLst/>
+          </a:prstGeom>
+          <a:noFill/>
+        </p:spPr>
+        <p:txBody>
+          <a:bodyPr wrap="square" rtlCol="0">
+            <a:spAutoFit/>
+          </a:bodyPr>
+          <a:lstStyle/>
+          <a:p>
+            <a:pPr marL="342900" indent="-342900">
+              <a:buFont typeface="Arial" panose="020B0604020202020204" pitchFamily="34" charset="0"/>
+              <a:buChar char="•"/>
+            </a:pPr>
+            <a:r>
+              <a:rPr lang="en-US" dirty="0">
+                <a:solidFill>
+                  <a:srgbClr val="404040"/>
+                </a:solidFill>
+              </a:rPr>
+              <a:t>Various Ways</a:t>
+            </a:r>
+          </a:p>
+          <a:p>
+            <a:pPr marL="800100" lvl="1" indent="-342900">
+              <a:buFont typeface="Arial" panose="020B0604020202020204" pitchFamily="34" charset="0"/>
+              <a:buChar char="•"/>
+            </a:pPr>
+            <a:r>
+              <a:rPr lang="en-US" dirty="0">
+                <a:solidFill>
+                  <a:srgbClr val="404040"/>
+                </a:solidFill>
+              </a:rPr>
+              <a:t>Highlighted Code </a:t>
+            </a:r>
+          </a:p>
+          <a:p>
+            <a:pPr marL="342900" indent="-342900">
+              <a:buFont typeface="Arial" panose="020B0604020202020204" pitchFamily="34" charset="0"/>
+              <a:buChar char="•"/>
+            </a:pPr>
+            <a:endParaRPr lang="en-US" dirty="0">
+              <a:solidFill>
+                <a:srgbClr val="404040"/>
+              </a:solidFill>
+            </a:endParaRPr>
+          </a:p>
+          <a:p>
+            <a:pPr marL="342900" indent="-342900">
+              <a:buFont typeface="Arial" panose="020B0604020202020204" pitchFamily="34" charset="0"/>
+              <a:buChar char="•"/>
+            </a:pPr>
+            <a:endParaRPr lang="en-US" dirty="0">
+              <a:solidFill>
+                <a:srgbClr val="404040"/>
+              </a:solidFill>
+            </a:endParaRPr>
+          </a:p>
+        </p:txBody>
+      </p:sp>
+      <p:pic>
+        <p:nvPicPr>
+          <p:cNvPr id="9" name="Picture 8">
+            <a:extLst>
+              <a:ext uri="{FF2B5EF4-FFF2-40B4-BE49-F238E27FC236}">
+                <a16:creationId xmlns:a16="http://schemas.microsoft.com/office/drawing/2014/main" id="{A515D0B0-D5D0-4A26-8827-342A4326ACB1}"/>
+              </a:ext>
+            </a:extLst>
+          </p:cNvPr>
+          <p:cNvPicPr>
+            <a:picLocks noChangeAspect="1"/>
+          </p:cNvPicPr>
+          <p:nvPr/>
+        </p:nvPicPr>
+        <p:blipFill>
+          <a:blip r:embed="rId4"/>
+          <a:stretch>
+            <a:fillRect/>
+          </a:stretch>
+        </p:blipFill>
+        <p:spPr>
+          <a:xfrm>
+            <a:off x="4672169" y="1474464"/>
+            <a:ext cx="3962400" cy="489332"/>
+          </a:xfrm>
+          <a:prstGeom prst="rect">
+            <a:avLst/>
+          </a:prstGeom>
+          <a:ln>
+            <a:solidFill>
+              <a:srgbClr val="404040"/>
+            </a:solidFill>
+          </a:ln>
+        </p:spPr>
+        <p:style>
+          <a:lnRef idx="2">
+            <a:schemeClr val="dk1"/>
+          </a:lnRef>
+          <a:fillRef idx="1">
+            <a:schemeClr val="lt1"/>
+          </a:fillRef>
+          <a:effectRef idx="0">
+            <a:schemeClr val="dk1"/>
+          </a:effectRef>
+          <a:fontRef idx="minor">
+            <a:schemeClr val="dk1"/>
+          </a:fontRef>
+        </p:style>
+      </p:pic>
+      <p:cxnSp>
+        <p:nvCxnSpPr>
+          <p:cNvPr id="11" name="Straight Arrow Connector 10">
+            <a:extLst>
+              <a:ext uri="{FF2B5EF4-FFF2-40B4-BE49-F238E27FC236}">
+                <a16:creationId xmlns:a16="http://schemas.microsoft.com/office/drawing/2014/main" id="{A142B2DD-1A3F-41A0-8459-B799CC89B79A}"/>
+              </a:ext>
+            </a:extLst>
+          </p:cNvPr>
+          <p:cNvCxnSpPr/>
+          <p:nvPr/>
+        </p:nvCxnSpPr>
+        <p:spPr>
+          <a:xfrm flipH="1">
+            <a:off x="5181600" y="2213127"/>
+            <a:ext cx="381000" cy="530073"/>
+          </a:xfrm>
+          <a:prstGeom prst="straightConnector1">
+            <a:avLst/>
+          </a:prstGeom>
+          <a:ln>
+            <a:solidFill>
+              <a:srgbClr val="404040"/>
+            </a:solidFill>
+            <a:tailEnd type="triangle"/>
+          </a:ln>
+        </p:spPr>
+        <p:style>
+          <a:lnRef idx="2">
+            <a:schemeClr val="accent1"/>
+          </a:lnRef>
+          <a:fillRef idx="0">
+            <a:schemeClr val="accent1"/>
+          </a:fillRef>
+          <a:effectRef idx="1">
+            <a:schemeClr val="accent1"/>
+          </a:effectRef>
+          <a:fontRef idx="minor">
+            <a:schemeClr val="tx1"/>
+          </a:fontRef>
+        </p:style>
+      </p:cxnSp>
+      <p:cxnSp>
+        <p:nvCxnSpPr>
+          <p:cNvPr id="13" name="Straight Arrow Connector 12">
+            <a:extLst>
+              <a:ext uri="{FF2B5EF4-FFF2-40B4-BE49-F238E27FC236}">
+                <a16:creationId xmlns:a16="http://schemas.microsoft.com/office/drawing/2014/main" id="{27EE36D9-9E23-4166-A5F7-8500BD015EDB}"/>
+              </a:ext>
+            </a:extLst>
+          </p:cNvPr>
+          <p:cNvCxnSpPr>
+            <a:cxnSpLocks/>
+          </p:cNvCxnSpPr>
+          <p:nvPr/>
+        </p:nvCxnSpPr>
+        <p:spPr>
+          <a:xfrm>
+            <a:off x="6978203" y="2209658"/>
+            <a:ext cx="381000" cy="514368"/>
+          </a:xfrm>
+          <a:prstGeom prst="straightConnector1">
+            <a:avLst/>
+          </a:prstGeom>
+          <a:ln>
+            <a:solidFill>
+              <a:srgbClr val="404040"/>
+            </a:solidFill>
+            <a:tailEnd type="triangle"/>
+          </a:ln>
+        </p:spPr>
+        <p:style>
+          <a:lnRef idx="2">
+            <a:schemeClr val="accent1"/>
+          </a:lnRef>
+          <a:fillRef idx="0">
+            <a:schemeClr val="accent1"/>
+          </a:fillRef>
+          <a:effectRef idx="1">
+            <a:schemeClr val="accent1"/>
+          </a:effectRef>
+          <a:fontRef idx="minor">
+            <a:schemeClr val="tx1"/>
+          </a:fontRef>
+        </p:style>
+      </p:cxnSp>
+      <p:pic>
+        <p:nvPicPr>
+          <p:cNvPr id="16" name="Picture 15">
+            <a:extLst>
+              <a:ext uri="{FF2B5EF4-FFF2-40B4-BE49-F238E27FC236}">
+                <a16:creationId xmlns:a16="http://schemas.microsoft.com/office/drawing/2014/main" id="{C4AD9972-80F3-40CB-977B-CEF9DC906978}"/>
+              </a:ext>
+            </a:extLst>
+          </p:cNvPr>
+          <p:cNvPicPr>
+            <a:picLocks noChangeAspect="1"/>
+          </p:cNvPicPr>
+          <p:nvPr/>
+        </p:nvPicPr>
+        <p:blipFill>
+          <a:blip r:embed="rId5"/>
+          <a:stretch>
+            <a:fillRect/>
+          </a:stretch>
+        </p:blipFill>
+        <p:spPr>
+          <a:xfrm>
+            <a:off x="4661437" y="2811273"/>
+            <a:ext cx="1474128" cy="2055147"/>
+          </a:xfrm>
+          <a:prstGeom prst="rect">
+            <a:avLst/>
+          </a:prstGeom>
+        </p:spPr>
+      </p:pic>
+      <p:sp>
+        <p:nvSpPr>
+          <p:cNvPr id="17" name="TextBox 16">
+            <a:extLst>
+              <a:ext uri="{FF2B5EF4-FFF2-40B4-BE49-F238E27FC236}">
+                <a16:creationId xmlns:a16="http://schemas.microsoft.com/office/drawing/2014/main" id="{296EDAC9-8C8D-4060-A30D-1B8524EF4BFB}"/>
+              </a:ext>
+            </a:extLst>
+          </p:cNvPr>
+          <p:cNvSpPr txBox="1"/>
+          <p:nvPr/>
+        </p:nvSpPr>
+        <p:spPr>
+          <a:xfrm>
+            <a:off x="6781801" y="2817167"/>
+            <a:ext cx="1676400" cy="461665"/>
+          </a:xfrm>
+          <a:prstGeom prst="rect">
+            <a:avLst/>
+          </a:prstGeom>
+          <a:noFill/>
+        </p:spPr>
+        <p:txBody>
+          <a:bodyPr wrap="square" rtlCol="0">
+            <a:spAutoFit/>
+          </a:bodyPr>
+          <a:lstStyle/>
+          <a:p>
+            <a:r>
+              <a:rPr lang="en-US" dirty="0" err="1">
+                <a:solidFill>
+                  <a:srgbClr val="404040"/>
+                </a:solidFill>
+              </a:rPr>
+              <a:t>Ctrl+Enter</a:t>
+            </a:r>
+            <a:endParaRPr lang="en-US" dirty="0">
+              <a:solidFill>
+                <a:srgbClr val="404040"/>
+              </a:solidFill>
+            </a:endParaRPr>
+          </a:p>
+        </p:txBody>
+      </p:sp>
+      <p:cxnSp>
+        <p:nvCxnSpPr>
+          <p:cNvPr id="18" name="Straight Arrow Connector 17">
+            <a:extLst>
+              <a:ext uri="{FF2B5EF4-FFF2-40B4-BE49-F238E27FC236}">
+                <a16:creationId xmlns:a16="http://schemas.microsoft.com/office/drawing/2014/main" id="{54A1B9B7-400B-4EF4-9688-BBAC2185DB87}"/>
+              </a:ext>
+            </a:extLst>
+          </p:cNvPr>
+          <p:cNvCxnSpPr>
+            <a:cxnSpLocks/>
+          </p:cNvCxnSpPr>
+          <p:nvPr/>
+        </p:nvCxnSpPr>
+        <p:spPr>
+          <a:xfrm>
+            <a:off x="5398501" y="4934493"/>
+            <a:ext cx="381000" cy="628107"/>
+          </a:xfrm>
+          <a:prstGeom prst="straightConnector1">
+            <a:avLst/>
+          </a:prstGeom>
+          <a:ln>
+            <a:solidFill>
+              <a:srgbClr val="404040"/>
+            </a:solidFill>
+            <a:tailEnd type="triangle"/>
+          </a:ln>
+        </p:spPr>
+        <p:style>
+          <a:lnRef idx="2">
+            <a:schemeClr val="accent1"/>
+          </a:lnRef>
+          <a:fillRef idx="0">
+            <a:schemeClr val="accent1"/>
+          </a:fillRef>
+          <a:effectRef idx="1">
+            <a:schemeClr val="accent1"/>
+          </a:effectRef>
+          <a:fontRef idx="minor">
+            <a:schemeClr val="tx1"/>
+          </a:fontRef>
+        </p:style>
+      </p:cxnSp>
+      <p:cxnSp>
+        <p:nvCxnSpPr>
+          <p:cNvPr id="20" name="Straight Arrow Connector 19">
+            <a:extLst>
+              <a:ext uri="{FF2B5EF4-FFF2-40B4-BE49-F238E27FC236}">
+                <a16:creationId xmlns:a16="http://schemas.microsoft.com/office/drawing/2014/main" id="{F44FDBE6-C723-4BDB-B124-21C5CF74673C}"/>
+              </a:ext>
+            </a:extLst>
+          </p:cNvPr>
+          <p:cNvCxnSpPr>
+            <a:cxnSpLocks/>
+          </p:cNvCxnSpPr>
+          <p:nvPr/>
+        </p:nvCxnSpPr>
+        <p:spPr>
+          <a:xfrm flipH="1">
+            <a:off x="6477000" y="3278832"/>
+            <a:ext cx="952501" cy="2283768"/>
+          </a:xfrm>
+          <a:prstGeom prst="straightConnector1">
+            <a:avLst/>
+          </a:prstGeom>
+          <a:ln>
+            <a:solidFill>
+              <a:srgbClr val="404040"/>
+            </a:solidFill>
+            <a:tailEnd type="triangle"/>
+          </a:ln>
+        </p:spPr>
+        <p:style>
+          <a:lnRef idx="2">
+            <a:schemeClr val="accent1"/>
+          </a:lnRef>
+          <a:fillRef idx="0">
+            <a:schemeClr val="accent1"/>
+          </a:fillRef>
+          <a:effectRef idx="1">
+            <a:schemeClr val="accent1"/>
+          </a:effectRef>
+          <a:fontRef idx="minor">
+            <a:schemeClr val="tx1"/>
+          </a:fontRef>
+        </p:style>
+      </p:cxnSp>
+      <p:pic>
+        <p:nvPicPr>
+          <p:cNvPr id="22" name="Picture 21">
+            <a:extLst>
+              <a:ext uri="{FF2B5EF4-FFF2-40B4-BE49-F238E27FC236}">
+                <a16:creationId xmlns:a16="http://schemas.microsoft.com/office/drawing/2014/main" id="{FB14B833-3B28-4A0C-87DF-64FA27C0CF10}"/>
+              </a:ext>
+            </a:extLst>
+          </p:cNvPr>
+          <p:cNvPicPr>
+            <a:picLocks noChangeAspect="1"/>
+          </p:cNvPicPr>
+          <p:nvPr/>
+        </p:nvPicPr>
+        <p:blipFill>
+          <a:blip r:embed="rId6"/>
+          <a:stretch>
+            <a:fillRect/>
+          </a:stretch>
+        </p:blipFill>
+        <p:spPr>
+          <a:xfrm>
+            <a:off x="4673897" y="5672666"/>
+            <a:ext cx="3810000" cy="721191"/>
+          </a:xfrm>
+          <a:prstGeom prst="rect">
+            <a:avLst/>
+          </a:prstGeom>
+          <a:ln>
+            <a:solidFill>
+              <a:srgbClr val="404040"/>
+            </a:solidFill>
+          </a:ln>
+        </p:spPr>
+        <p:style>
+          <a:lnRef idx="2">
+            <a:schemeClr val="dk1"/>
+          </a:lnRef>
+          <a:fillRef idx="1">
+            <a:schemeClr val="lt1"/>
+          </a:fillRef>
+          <a:effectRef idx="0">
+            <a:schemeClr val="dk1"/>
+          </a:effectRef>
+          <a:fontRef idx="minor">
+            <a:schemeClr val="dk1"/>
+          </a:fontRef>
+        </p:style>
+      </p:pic>
+    </p:spTree>
+    <p:custDataLst>
+      <p:tags r:id="rId1"/>
+    </p:custDataLst>
+    <p:extLst>
+      <p:ext uri="{BB962C8B-B14F-4D97-AF65-F5344CB8AC3E}">
+        <p14:creationId xmlns:p14="http://schemas.microsoft.com/office/powerpoint/2010/main" val="1462618094"/>
+      </p:ext>
+    </p:extLst>
+  </p:cSld>
+  <p:clrMapOvr>
+    <a:masterClrMapping/>
+  </p:clrMapOvr>
+</p:sld>
+</file>
+
+<file path=ppt/slides/slide6.xml><?xml version="1.0" encoding="utf-8"?>
+<p:sld xmlns:a="http://schemas.openxmlformats.org/drawingml/2006/main" xmlns:r="http://schemas.openxmlformats.org/officeDocument/2006/relationships" xmlns:p="http://schemas.openxmlformats.org/presentationml/2006/main">
+  <p:cSld>
+    <p:bg>
+      <p:bgPr>
+        <a:solidFill>
+          <a:schemeClr val="bg1">
+            <a:lumMod val="85000"/>
+          </a:schemeClr>
+        </a:solidFill>
+        <a:effectLst/>
+      </p:bgPr>
+    </p:bg>
+    <p:spTree>
+      <p:nvGrpSpPr>
+        <p:cNvPr id="1" name=""/>
+        <p:cNvGrpSpPr/>
+        <p:nvPr/>
+      </p:nvGrpSpPr>
+      <p:grpSpPr>
+        <a:xfrm>
+          <a:off x="0" y="0"/>
+          <a:ext cx="0" cy="0"/>
+          <a:chOff x="0" y="0"/>
+          <a:chExt cx="0" cy="0"/>
+        </a:xfrm>
+      </p:grpSpPr>
+      <p:sp>
+        <p:nvSpPr>
+          <p:cNvPr id="15" name="Rectangle 12">
+            <a:extLst>
+              <a:ext uri="{FF2B5EF4-FFF2-40B4-BE49-F238E27FC236}">
+                <a16:creationId xmlns:a16="http://schemas.microsoft.com/office/drawing/2014/main" id="{867D4867-5BA7-4462-B2F6-A23F4A622AA7}"/>
+              </a:ext>
+              <a:ext uri="{C183D7F6-B498-43B3-948B-1728B52AA6E4}">
+                <adec:decorative xmlns:adec="http://schemas.microsoft.com/office/drawing/2017/decorative" val="1"/>
+              </a:ext>
+            </a:extLst>
+          </p:cNvPr>
+          <p:cNvSpPr>
+            <a:spLocks noGrp="1" noRot="1" noChangeAspect="1" noMove="1" noResize="1" noEditPoints="1" noAdjustHandles="1" noChangeArrowheads="1" noChangeShapeType="1" noTextEdit="1"/>
+          </p:cNvSpPr>
+          <p:nvPr>
+            <p:extLst>
+              <p:ext uri="{386F3935-93C4-4BCD-93E2-E3B085C9AB24}">
+                <p16:designElem xmlns:p16="http://schemas.microsoft.com/office/powerpoint/2015/main" val="1"/>
+              </p:ext>
+            </p:extLst>
+          </p:nvPr>
+        </p:nvSpPr>
+        <p:spPr>
+          <a:xfrm>
+            <a:off x="0" y="0"/>
+            <a:ext cx="3490722" cy="6858000"/>
+          </a:xfrm>
+          <a:prstGeom prst="rect">
+            <a:avLst/>
+          </a:prstGeom>
+          <a:solidFill>
+            <a:schemeClr val="tx1">
+              <a:lumMod val="75000"/>
+              <a:lumOff val="25000"/>
+            </a:schemeClr>
+          </a:solidFill>
+          <a:ln>
+            <a:noFill/>
+          </a:ln>
+        </p:spPr>
+        <p:style>
+          <a:lnRef idx="0">
+            <a:scrgbClr r="0" g="0" b="0"/>
+          </a:lnRef>
+          <a:fillRef idx="0">
+            <a:scrgbClr r="0" g="0" b="0"/>
+          </a:fillRef>
+          <a:effectRef idx="0">
+            <a:scrgbClr r="0" g="0" b="0"/>
+          </a:effectRef>
+          <a:fontRef idx="minor">
+            <a:schemeClr val="lt1"/>
+          </a:fontRef>
+        </p:style>
+        <p:txBody>
+          <a:bodyPr rtlCol="0" anchor="ctr"/>
+          <a:lstStyle/>
+          <a:p>
+            <a:pPr algn="ctr"/>
+            <a:endParaRPr lang="en-US"/>
+          </a:p>
+        </p:txBody>
+      </p:sp>
+      <p:sp>
+        <p:nvSpPr>
+          <p:cNvPr id="2" name="Title 1"/>
+          <p:cNvSpPr>
+            <a:spLocks noGrp="1"/>
+          </p:cNvSpPr>
+          <p:nvPr>
+            <p:ph type="title"/>
+          </p:nvPr>
+        </p:nvSpPr>
+        <p:spPr>
+          <a:xfrm>
+            <a:off x="482600" y="643467"/>
+            <a:ext cx="2522980" cy="1597315"/>
+          </a:xfrm>
+          <a:noFill/>
+          <a:ln w="19050">
+            <a:solidFill>
+              <a:schemeClr val="bg1"/>
+            </a:solidFill>
+          </a:ln>
+        </p:spPr>
+        <p:txBody>
+          <a:bodyPr vert="horz" wrap="square" lIns="91440" tIns="45720" rIns="91440" bIns="45720" rtlCol="0" anchor="ctr">
+            <a:normAutofit/>
+          </a:bodyPr>
+          <a:lstStyle/>
+          <a:p>
+            <a:pPr defTabSz="914400" eaLnBrk="1" hangingPunct="1">
+              <a:lnSpc>
+                <a:spcPct val="90000"/>
+              </a:lnSpc>
+            </a:pPr>
+            <a:r>
+              <a:rPr lang="en-US" sz="2400" kern="1200" dirty="0">
+                <a:solidFill>
+                  <a:schemeClr val="bg1"/>
+                </a:solidFill>
+                <a:latin typeface="+mj-lt"/>
+                <a:ea typeface="+mj-ea"/>
+                <a:cs typeface="+mj-cs"/>
+              </a:rPr>
+              <a:t>Running Code in </a:t>
+            </a:r>
+            <a:r>
+              <a:rPr lang="en-US" sz="2400" kern="1200" dirty="0" err="1">
+                <a:solidFill>
+                  <a:schemeClr val="bg1"/>
+                </a:solidFill>
+                <a:latin typeface="+mj-lt"/>
+                <a:ea typeface="+mj-ea"/>
+                <a:cs typeface="+mj-cs"/>
+              </a:rPr>
+              <a:t>RMarkdown</a:t>
+            </a:r>
+            <a:endParaRPr lang="en-US" sz="2400" kern="1200" dirty="0">
+              <a:solidFill>
+                <a:schemeClr val="bg1"/>
+              </a:solidFill>
+              <a:latin typeface="+mj-lt"/>
+              <a:ea typeface="+mj-ea"/>
+              <a:cs typeface="+mj-cs"/>
+            </a:endParaRPr>
+          </a:p>
+        </p:txBody>
+      </p:sp>
+      <p:pic>
+        <p:nvPicPr>
+          <p:cNvPr id="8" name="Picture 7">
+            <a:extLst>
+              <a:ext uri="{FF2B5EF4-FFF2-40B4-BE49-F238E27FC236}">
+                <a16:creationId xmlns:a16="http://schemas.microsoft.com/office/drawing/2014/main" id="{521D4292-9ECC-4DA5-8CC0-C561A0DA118E}"/>
+              </a:ext>
+            </a:extLst>
+          </p:cNvPr>
+          <p:cNvPicPr>
+            <a:picLocks noChangeAspect="1"/>
+          </p:cNvPicPr>
+          <p:nvPr/>
+        </p:nvPicPr>
+        <p:blipFill rotWithShape="1">
+          <a:blip r:embed="rId3"/>
+          <a:srcRect l="8000" r="9400"/>
+          <a:stretch/>
+        </p:blipFill>
+        <p:spPr>
+          <a:xfrm>
+            <a:off x="660103" y="3048000"/>
+            <a:ext cx="2167974" cy="2624666"/>
+          </a:xfrm>
+          <a:prstGeom prst="rect">
+            <a:avLst/>
+          </a:prstGeom>
+          <a:noFill/>
+        </p:spPr>
+      </p:pic>
+      <p:sp>
+        <p:nvSpPr>
+          <p:cNvPr id="3" name="TextBox 2">
+            <a:extLst>
+              <a:ext uri="{FF2B5EF4-FFF2-40B4-BE49-F238E27FC236}">
+                <a16:creationId xmlns:a16="http://schemas.microsoft.com/office/drawing/2014/main" id="{E79E2C7A-95B9-4E1E-9F99-1339A9C719B6}"/>
+              </a:ext>
+            </a:extLst>
+          </p:cNvPr>
+          <p:cNvSpPr txBox="1"/>
+          <p:nvPr/>
+        </p:nvSpPr>
+        <p:spPr>
+          <a:xfrm>
+            <a:off x="3733800" y="643467"/>
+            <a:ext cx="5181600" cy="830997"/>
+          </a:xfrm>
+          <a:prstGeom prst="rect">
+            <a:avLst/>
+          </a:prstGeom>
+          <a:noFill/>
+        </p:spPr>
+        <p:txBody>
+          <a:bodyPr wrap="square" rtlCol="0">
+            <a:spAutoFit/>
+          </a:bodyPr>
+          <a:lstStyle/>
+          <a:p>
+            <a:pPr marL="342900" indent="-342900">
+              <a:buFont typeface="Arial" panose="020B0604020202020204" pitchFamily="34" charset="0"/>
+              <a:buChar char="•"/>
+            </a:pPr>
+            <a:endParaRPr lang="en-US" dirty="0">
+              <a:solidFill>
+                <a:srgbClr val="404040"/>
+              </a:solidFill>
+            </a:endParaRPr>
+          </a:p>
+          <a:p>
+            <a:pPr marL="342900" indent="-342900">
+              <a:buFont typeface="Arial" panose="020B0604020202020204" pitchFamily="34" charset="0"/>
+              <a:buChar char="•"/>
+            </a:pPr>
+            <a:endParaRPr lang="en-US" dirty="0">
+              <a:solidFill>
+                <a:srgbClr val="404040"/>
+              </a:solidFill>
+            </a:endParaRPr>
+          </a:p>
+        </p:txBody>
+      </p:sp>
+      <p:sp>
+        <p:nvSpPr>
+          <p:cNvPr id="6" name="TextBox 5">
+            <a:extLst>
+              <a:ext uri="{FF2B5EF4-FFF2-40B4-BE49-F238E27FC236}">
+                <a16:creationId xmlns:a16="http://schemas.microsoft.com/office/drawing/2014/main" id="{03000CCC-A457-4CAC-8210-40755530C48B}"/>
+              </a:ext>
+            </a:extLst>
+          </p:cNvPr>
+          <p:cNvSpPr txBox="1"/>
+          <p:nvPr/>
+        </p:nvSpPr>
+        <p:spPr>
+          <a:xfrm>
+            <a:off x="3733800" y="643467"/>
+            <a:ext cx="5181600" cy="1569660"/>
+          </a:xfrm>
+          <a:prstGeom prst="rect">
+            <a:avLst/>
+          </a:prstGeom>
+          <a:noFill/>
+        </p:spPr>
+        <p:txBody>
+          <a:bodyPr wrap="square" rtlCol="0">
+            <a:spAutoFit/>
+          </a:bodyPr>
+          <a:lstStyle/>
+          <a:p>
+            <a:pPr marL="342900" indent="-342900">
+              <a:buFont typeface="Arial" panose="020B0604020202020204" pitchFamily="34" charset="0"/>
+              <a:buChar char="•"/>
+            </a:pPr>
+            <a:r>
+              <a:rPr lang="en-US" dirty="0">
+                <a:solidFill>
+                  <a:srgbClr val="404040"/>
+                </a:solidFill>
+              </a:rPr>
+              <a:t>Various Ways (Cont.)</a:t>
+            </a:r>
+          </a:p>
+          <a:p>
+            <a:pPr marL="800100" lvl="1" indent="-342900">
+              <a:buFont typeface="Arial" panose="020B0604020202020204" pitchFamily="34" charset="0"/>
+              <a:buChar char="•"/>
+            </a:pPr>
+            <a:r>
+              <a:rPr lang="en-US" dirty="0">
+                <a:solidFill>
+                  <a:srgbClr val="404040"/>
+                </a:solidFill>
+              </a:rPr>
+              <a:t>Chunking It (Recommended) </a:t>
+            </a:r>
+          </a:p>
+          <a:p>
+            <a:pPr marL="342900" indent="-342900">
+              <a:buFont typeface="Arial" panose="020B0604020202020204" pitchFamily="34" charset="0"/>
+              <a:buChar char="•"/>
+            </a:pPr>
+            <a:endParaRPr lang="en-US" dirty="0">
+              <a:solidFill>
+                <a:srgbClr val="404040"/>
+              </a:solidFill>
+            </a:endParaRPr>
+          </a:p>
+          <a:p>
+            <a:pPr marL="342900" indent="-342900">
+              <a:buFont typeface="Arial" panose="020B0604020202020204" pitchFamily="34" charset="0"/>
+              <a:buChar char="•"/>
+            </a:pPr>
+            <a:endParaRPr lang="en-US" dirty="0">
+              <a:solidFill>
+                <a:srgbClr val="404040"/>
+              </a:solidFill>
+            </a:endParaRPr>
+          </a:p>
+        </p:txBody>
+      </p:sp>
+      <p:pic>
+        <p:nvPicPr>
+          <p:cNvPr id="4" name="Picture 3">
+            <a:extLst>
+              <a:ext uri="{FF2B5EF4-FFF2-40B4-BE49-F238E27FC236}">
+                <a16:creationId xmlns:a16="http://schemas.microsoft.com/office/drawing/2014/main" id="{C557B3D1-5A4D-4620-9114-9D95678DF3CE}"/>
+              </a:ext>
+            </a:extLst>
+          </p:cNvPr>
+          <p:cNvPicPr>
+            <a:picLocks noChangeAspect="1"/>
+          </p:cNvPicPr>
+          <p:nvPr/>
+        </p:nvPicPr>
+        <p:blipFill>
+          <a:blip r:embed="rId4"/>
+          <a:stretch>
+            <a:fillRect/>
+          </a:stretch>
+        </p:blipFill>
+        <p:spPr>
+          <a:xfrm>
+            <a:off x="4648200" y="1474464"/>
+            <a:ext cx="1894313" cy="2157412"/>
+          </a:xfrm>
+          <a:prstGeom prst="rect">
+            <a:avLst/>
+          </a:prstGeom>
+        </p:spPr>
+      </p:pic>
+      <p:sp>
+        <p:nvSpPr>
+          <p:cNvPr id="19" name="TextBox 18">
+            <a:extLst>
+              <a:ext uri="{FF2B5EF4-FFF2-40B4-BE49-F238E27FC236}">
+                <a16:creationId xmlns:a16="http://schemas.microsoft.com/office/drawing/2014/main" id="{FF2BC560-6A04-4845-865A-AF98D82CEF9E}"/>
+              </a:ext>
+            </a:extLst>
+          </p:cNvPr>
+          <p:cNvSpPr txBox="1"/>
+          <p:nvPr/>
+        </p:nvSpPr>
+        <p:spPr>
+          <a:xfrm>
+            <a:off x="5285213" y="3733800"/>
+            <a:ext cx="2514599" cy="461665"/>
+          </a:xfrm>
+          <a:prstGeom prst="rect">
+            <a:avLst/>
+          </a:prstGeom>
+          <a:noFill/>
+        </p:spPr>
+        <p:txBody>
+          <a:bodyPr wrap="square" rtlCol="0">
+            <a:spAutoFit/>
+          </a:bodyPr>
+          <a:lstStyle/>
+          <a:p>
+            <a:r>
+              <a:rPr lang="en-US" dirty="0" err="1">
+                <a:solidFill>
+                  <a:srgbClr val="404040"/>
+                </a:solidFill>
+              </a:rPr>
+              <a:t>Ctrl+Shift+Enter</a:t>
+            </a:r>
+            <a:endParaRPr lang="en-US" dirty="0">
+              <a:solidFill>
+                <a:srgbClr val="404040"/>
+              </a:solidFill>
+            </a:endParaRPr>
+          </a:p>
+        </p:txBody>
+      </p:sp>
+      <p:pic>
+        <p:nvPicPr>
+          <p:cNvPr id="5" name="Picture 4">
+            <a:extLst>
+              <a:ext uri="{FF2B5EF4-FFF2-40B4-BE49-F238E27FC236}">
+                <a16:creationId xmlns:a16="http://schemas.microsoft.com/office/drawing/2014/main" id="{4F9E3CA3-69F6-4DA7-95BB-6B2E692FF2D0}"/>
+              </a:ext>
+            </a:extLst>
+          </p:cNvPr>
+          <p:cNvPicPr>
+            <a:picLocks noChangeAspect="1"/>
+          </p:cNvPicPr>
+          <p:nvPr/>
+        </p:nvPicPr>
+        <p:blipFill>
+          <a:blip r:embed="rId5"/>
+          <a:stretch>
+            <a:fillRect/>
+          </a:stretch>
+        </p:blipFill>
+        <p:spPr>
+          <a:xfrm>
+            <a:off x="6819442" y="2526976"/>
+            <a:ext cx="1628775" cy="1104900"/>
+          </a:xfrm>
+          <a:prstGeom prst="rect">
+            <a:avLst/>
+          </a:prstGeom>
+        </p:spPr>
+      </p:pic>
+      <p:sp>
+        <p:nvSpPr>
+          <p:cNvPr id="7" name="Rectangle 6">
+            <a:extLst>
+              <a:ext uri="{FF2B5EF4-FFF2-40B4-BE49-F238E27FC236}">
+                <a16:creationId xmlns:a16="http://schemas.microsoft.com/office/drawing/2014/main" id="{38B177B1-6E0D-4542-9E2F-1B7833DCFC43}"/>
+              </a:ext>
+            </a:extLst>
+          </p:cNvPr>
+          <p:cNvSpPr/>
+          <p:nvPr/>
+        </p:nvSpPr>
+        <p:spPr>
+          <a:xfrm>
+            <a:off x="7821267" y="2553170"/>
+            <a:ext cx="214771" cy="214771"/>
+          </a:xfrm>
+          <a:prstGeom prst="rect">
+            <a:avLst/>
+          </a:prstGeom>
+          <a:noFill/>
+          <a:ln w="19050">
+            <a:solidFill>
+              <a:srgbClr val="404040"/>
+            </a:solidFill>
+          </a:ln>
+        </p:spPr>
+        <p:style>
+          <a:lnRef idx="1">
+            <a:schemeClr val="accent1"/>
+          </a:lnRef>
+          <a:fillRef idx="3">
+            <a:schemeClr val="accent1"/>
+          </a:fillRef>
+          <a:effectRef idx="2">
+            <a:schemeClr val="accent1"/>
+          </a:effectRef>
+          <a:fontRef idx="minor">
+            <a:schemeClr val="lt1"/>
+          </a:fontRef>
+        </p:style>
+        <p:txBody>
+          <a:bodyPr rtlCol="0" anchor="ctr"/>
+          <a:lstStyle/>
+          <a:p>
+            <a:pPr algn="ctr"/>
+            <a:endParaRPr lang="en-US"/>
+          </a:p>
+        </p:txBody>
+      </p:sp>
+      <p:cxnSp>
+        <p:nvCxnSpPr>
+          <p:cNvPr id="12" name="Straight Arrow Connector 11">
+            <a:extLst>
+              <a:ext uri="{FF2B5EF4-FFF2-40B4-BE49-F238E27FC236}">
+                <a16:creationId xmlns:a16="http://schemas.microsoft.com/office/drawing/2014/main" id="{3D89B20E-D7FA-4109-96F4-A2B895DD6BD7}"/>
+              </a:ext>
+            </a:extLst>
+          </p:cNvPr>
+          <p:cNvCxnSpPr/>
+          <p:nvPr/>
+        </p:nvCxnSpPr>
+        <p:spPr>
+          <a:xfrm>
+            <a:off x="7928652" y="2240782"/>
+            <a:ext cx="0" cy="197618"/>
+          </a:xfrm>
+          <a:prstGeom prst="straightConnector1">
+            <a:avLst/>
+          </a:prstGeom>
+          <a:ln>
+            <a:solidFill>
+              <a:srgbClr val="404040"/>
+            </a:solidFill>
+            <a:tailEnd type="triangle"/>
+          </a:ln>
+        </p:spPr>
+        <p:style>
+          <a:lnRef idx="1">
+            <a:schemeClr val="dk1"/>
+          </a:lnRef>
+          <a:fillRef idx="0">
+            <a:schemeClr val="dk1"/>
+          </a:fillRef>
+          <a:effectRef idx="0">
+            <a:schemeClr val="dk1"/>
+          </a:effectRef>
+          <a:fontRef idx="minor">
+            <a:schemeClr val="tx1"/>
+          </a:fontRef>
+        </p:style>
+      </p:cxnSp>
+      <p:sp>
+        <p:nvSpPr>
+          <p:cNvPr id="23" name="TextBox 22">
+            <a:extLst>
+              <a:ext uri="{FF2B5EF4-FFF2-40B4-BE49-F238E27FC236}">
+                <a16:creationId xmlns:a16="http://schemas.microsoft.com/office/drawing/2014/main" id="{55D4EADD-6A20-4D8C-AC72-08CD0BD9676D}"/>
+              </a:ext>
+            </a:extLst>
+          </p:cNvPr>
+          <p:cNvSpPr txBox="1"/>
+          <p:nvPr/>
+        </p:nvSpPr>
+        <p:spPr>
+          <a:xfrm>
+            <a:off x="7433352" y="1511251"/>
+            <a:ext cx="990600" cy="830997"/>
+          </a:xfrm>
+          <a:prstGeom prst="rect">
+            <a:avLst/>
+          </a:prstGeom>
+          <a:noFill/>
+        </p:spPr>
+        <p:txBody>
+          <a:bodyPr wrap="square" rtlCol="0">
+            <a:spAutoFit/>
+          </a:bodyPr>
+          <a:lstStyle/>
+          <a:p>
+            <a:pPr algn="ctr"/>
+            <a:r>
+              <a:rPr lang="en-US" dirty="0">
+                <a:solidFill>
+                  <a:srgbClr val="404040"/>
+                </a:solidFill>
+              </a:rPr>
+              <a:t>Press Play</a:t>
+            </a:r>
+          </a:p>
+        </p:txBody>
+      </p:sp>
+      <p:sp>
+        <p:nvSpPr>
+          <p:cNvPr id="21" name="Arrow: Down 20">
+            <a:extLst>
+              <a:ext uri="{FF2B5EF4-FFF2-40B4-BE49-F238E27FC236}">
+                <a16:creationId xmlns:a16="http://schemas.microsoft.com/office/drawing/2014/main" id="{C3E9D12F-4759-4AE6-9BB7-4C52C21759FA}"/>
+              </a:ext>
+            </a:extLst>
+          </p:cNvPr>
+          <p:cNvSpPr/>
+          <p:nvPr/>
+        </p:nvSpPr>
+        <p:spPr>
+          <a:xfrm>
+            <a:off x="4876800" y="4211564"/>
+            <a:ext cx="3276600" cy="656749"/>
+          </a:xfrm>
+          <a:prstGeom prst="downArrow">
+            <a:avLst/>
+          </a:prstGeom>
+          <a:solidFill>
+            <a:srgbClr val="404040"/>
+          </a:solidFill>
+        </p:spPr>
+        <p:style>
+          <a:lnRef idx="1">
+            <a:schemeClr val="accent1"/>
+          </a:lnRef>
+          <a:fillRef idx="3">
+            <a:schemeClr val="accent1"/>
+          </a:fillRef>
+          <a:effectRef idx="2">
+            <a:schemeClr val="accent1"/>
+          </a:effectRef>
+          <a:fontRef idx="minor">
+            <a:schemeClr val="lt1"/>
+          </a:fontRef>
+        </p:style>
+        <p:txBody>
+          <a:bodyPr rtlCol="0" anchor="ctr"/>
+          <a:lstStyle/>
+          <a:p>
+            <a:pPr algn="ctr"/>
+            <a:endParaRPr lang="en-US"/>
+          </a:p>
+        </p:txBody>
+      </p:sp>
+      <p:pic>
+        <p:nvPicPr>
+          <p:cNvPr id="24" name="Picture 23">
+            <a:extLst>
+              <a:ext uri="{FF2B5EF4-FFF2-40B4-BE49-F238E27FC236}">
+                <a16:creationId xmlns:a16="http://schemas.microsoft.com/office/drawing/2014/main" id="{5707A7C9-5FD2-49E2-B379-D22DFDA03726}"/>
+              </a:ext>
+            </a:extLst>
+          </p:cNvPr>
+          <p:cNvPicPr>
+            <a:picLocks noChangeAspect="1"/>
+          </p:cNvPicPr>
+          <p:nvPr/>
+        </p:nvPicPr>
+        <p:blipFill>
+          <a:blip r:embed="rId6"/>
+          <a:stretch>
+            <a:fillRect/>
+          </a:stretch>
+        </p:blipFill>
+        <p:spPr>
+          <a:xfrm>
+            <a:off x="4366762" y="5142230"/>
+            <a:ext cx="4351502" cy="865058"/>
+          </a:xfrm>
+          <a:prstGeom prst="rect">
+            <a:avLst/>
+          </a:prstGeom>
+          <a:ln>
+            <a:solidFill>
+              <a:srgbClr val="404040"/>
+            </a:solidFill>
+          </a:ln>
+        </p:spPr>
+        <p:style>
+          <a:lnRef idx="2">
+            <a:schemeClr val="dk1"/>
+          </a:lnRef>
+          <a:fillRef idx="1">
+            <a:schemeClr val="lt1"/>
+          </a:fillRef>
+          <a:effectRef idx="0">
+            <a:schemeClr val="dk1"/>
+          </a:effectRef>
+          <a:fontRef idx="minor">
+            <a:schemeClr val="dk1"/>
+          </a:fontRef>
+        </p:style>
+      </p:pic>
+    </p:spTree>
+    <p:custDataLst>
+      <p:tags r:id="rId1"/>
+    </p:custDataLst>
+    <p:extLst>
+      <p:ext uri="{BB962C8B-B14F-4D97-AF65-F5344CB8AC3E}">
+        <p14:creationId xmlns:p14="http://schemas.microsoft.com/office/powerpoint/2010/main" val="1653526843"/>
+      </p:ext>
+    </p:extLst>
+  </p:cSld>
+  <p:clrMapOvr>
+    <a:masterClrMapping/>
+  </p:clrMapOvr>
+</p:sld>
+</file>
+
+<file path=ppt/slides/slide7.xml><?xml version="1.0" encoding="utf-8"?>
+<p:sld xmlns:a="http://schemas.openxmlformats.org/drawingml/2006/main" xmlns:r="http://schemas.openxmlformats.org/officeDocument/2006/relationships" xmlns:p="http://schemas.openxmlformats.org/presentationml/2006/main">
+  <p:cSld>
+    <p:bg>
+      <p:bgPr>
+        <a:solidFill>
+          <a:schemeClr val="bg1">
+            <a:lumMod val="85000"/>
+          </a:schemeClr>
+        </a:solidFill>
+        <a:effectLst/>
+      </p:bgPr>
+    </p:bg>
+    <p:spTree>
+      <p:nvGrpSpPr>
+        <p:cNvPr id="1" name=""/>
+        <p:cNvGrpSpPr/>
+        <p:nvPr/>
+      </p:nvGrpSpPr>
+      <p:grpSpPr>
+        <a:xfrm>
+          <a:off x="0" y="0"/>
+          <a:ext cx="0" cy="0"/>
+          <a:chOff x="0" y="0"/>
+          <a:chExt cx="0" cy="0"/>
+        </a:xfrm>
+      </p:grpSpPr>
+      <p:sp>
+        <p:nvSpPr>
+          <p:cNvPr id="15" name="Rectangle 12">
+            <a:extLst>
+              <a:ext uri="{FF2B5EF4-FFF2-40B4-BE49-F238E27FC236}">
+                <a16:creationId xmlns:a16="http://schemas.microsoft.com/office/drawing/2014/main" id="{867D4867-5BA7-4462-B2F6-A23F4A622AA7}"/>
+              </a:ext>
+              <a:ext uri="{C183D7F6-B498-43B3-948B-1728B52AA6E4}">
+                <adec:decorative xmlns:adec="http://schemas.microsoft.com/office/drawing/2017/decorative" val="1"/>
+              </a:ext>
+            </a:extLst>
+          </p:cNvPr>
+          <p:cNvSpPr>
+            <a:spLocks noGrp="1" noRot="1" noChangeAspect="1" noMove="1" noResize="1" noEditPoints="1" noAdjustHandles="1" noChangeArrowheads="1" noChangeShapeType="1" noTextEdit="1"/>
+          </p:cNvSpPr>
+          <p:nvPr>
+            <p:extLst>
+              <p:ext uri="{386F3935-93C4-4BCD-93E2-E3B085C9AB24}">
+                <p16:designElem xmlns:p16="http://schemas.microsoft.com/office/powerpoint/2015/main" val="1"/>
+              </p:ext>
+            </p:extLst>
+          </p:nvPr>
+        </p:nvSpPr>
+        <p:spPr>
+          <a:xfrm>
+            <a:off x="0" y="0"/>
+            <a:ext cx="3490722" cy="6858000"/>
+          </a:xfrm>
+          <a:prstGeom prst="rect">
+            <a:avLst/>
+          </a:prstGeom>
+          <a:solidFill>
+            <a:schemeClr val="tx1">
+              <a:lumMod val="75000"/>
+              <a:lumOff val="25000"/>
+            </a:schemeClr>
+          </a:solidFill>
+          <a:ln>
+            <a:noFill/>
+          </a:ln>
+        </p:spPr>
+        <p:style>
+          <a:lnRef idx="0">
+            <a:scrgbClr r="0" g="0" b="0"/>
+          </a:lnRef>
+          <a:fillRef idx="0">
+            <a:scrgbClr r="0" g="0" b="0"/>
+          </a:fillRef>
+          <a:effectRef idx="0">
+            <a:scrgbClr r="0" g="0" b="0"/>
+          </a:effectRef>
+          <a:fontRef idx="minor">
+            <a:schemeClr val="lt1"/>
+          </a:fontRef>
+        </p:style>
+        <p:txBody>
+          <a:bodyPr rtlCol="0" anchor="ctr"/>
+          <a:lstStyle/>
+          <a:p>
+            <a:pPr algn="ctr"/>
+            <a:endParaRPr lang="en-US"/>
+          </a:p>
+        </p:txBody>
+      </p:sp>
+      <p:sp>
+        <p:nvSpPr>
+          <p:cNvPr id="2" name="Title 1"/>
+          <p:cNvSpPr>
+            <a:spLocks noGrp="1"/>
+          </p:cNvSpPr>
+          <p:nvPr>
+            <p:ph type="title"/>
+          </p:nvPr>
+        </p:nvSpPr>
+        <p:spPr>
+          <a:xfrm>
+            <a:off x="482600" y="643467"/>
+            <a:ext cx="2522980" cy="1597315"/>
+          </a:xfrm>
+          <a:noFill/>
+          <a:ln w="19050">
+            <a:solidFill>
+              <a:schemeClr val="bg1"/>
+            </a:solidFill>
+          </a:ln>
+        </p:spPr>
+        <p:txBody>
+          <a:bodyPr vert="horz" wrap="square" lIns="91440" tIns="45720" rIns="91440" bIns="45720" rtlCol="0" anchor="ctr">
+            <a:normAutofit/>
+          </a:bodyPr>
+          <a:lstStyle/>
+          <a:p>
+            <a:pPr defTabSz="914400" eaLnBrk="1" hangingPunct="1">
+              <a:lnSpc>
+                <a:spcPct val="90000"/>
+              </a:lnSpc>
+            </a:pPr>
+            <a:r>
+              <a:rPr lang="en-US" sz="2400" kern="1200">
+                <a:solidFill>
+                  <a:schemeClr val="bg1"/>
+                </a:solidFill>
+                <a:latin typeface="+mj-lt"/>
+                <a:ea typeface="+mj-ea"/>
+                <a:cs typeface="+mj-cs"/>
+              </a:rPr>
+              <a:t>Running Code in RMarkdown</a:t>
+            </a:r>
+            <a:endParaRPr lang="en-US" sz="2400" kern="1200" dirty="0">
+              <a:solidFill>
+                <a:schemeClr val="bg1"/>
+              </a:solidFill>
+              <a:latin typeface="+mj-lt"/>
+              <a:ea typeface="+mj-ea"/>
+              <a:cs typeface="+mj-cs"/>
+            </a:endParaRPr>
+          </a:p>
+        </p:txBody>
+      </p:sp>
+      <p:pic>
+        <p:nvPicPr>
+          <p:cNvPr id="8" name="Picture 7">
+            <a:extLst>
+              <a:ext uri="{FF2B5EF4-FFF2-40B4-BE49-F238E27FC236}">
+                <a16:creationId xmlns:a16="http://schemas.microsoft.com/office/drawing/2014/main" id="{521D4292-9ECC-4DA5-8CC0-C561A0DA118E}"/>
+              </a:ext>
+            </a:extLst>
+          </p:cNvPr>
+          <p:cNvPicPr>
+            <a:picLocks noChangeAspect="1"/>
+          </p:cNvPicPr>
+          <p:nvPr/>
+        </p:nvPicPr>
+        <p:blipFill rotWithShape="1">
+          <a:blip r:embed="rId3"/>
+          <a:srcRect l="8000" r="9400"/>
+          <a:stretch/>
+        </p:blipFill>
+        <p:spPr>
+          <a:xfrm>
+            <a:off x="660103" y="3048000"/>
+            <a:ext cx="2167974" cy="2624666"/>
+          </a:xfrm>
+          <a:prstGeom prst="rect">
+            <a:avLst/>
+          </a:prstGeom>
+          <a:noFill/>
+        </p:spPr>
+      </p:pic>
+      <p:sp>
+        <p:nvSpPr>
+          <p:cNvPr id="3" name="TextBox 2">
+            <a:extLst>
+              <a:ext uri="{FF2B5EF4-FFF2-40B4-BE49-F238E27FC236}">
+                <a16:creationId xmlns:a16="http://schemas.microsoft.com/office/drawing/2014/main" id="{E79E2C7A-95B9-4E1E-9F99-1339A9C719B6}"/>
+              </a:ext>
+            </a:extLst>
+          </p:cNvPr>
+          <p:cNvSpPr txBox="1"/>
+          <p:nvPr/>
+        </p:nvSpPr>
+        <p:spPr>
+          <a:xfrm>
+            <a:off x="3733800" y="643467"/>
+            <a:ext cx="5181600" cy="830997"/>
+          </a:xfrm>
+          <a:prstGeom prst="rect">
+            <a:avLst/>
+          </a:prstGeom>
+          <a:noFill/>
+        </p:spPr>
+        <p:txBody>
+          <a:bodyPr wrap="square" rtlCol="0">
+            <a:spAutoFit/>
+          </a:bodyPr>
+          <a:lstStyle/>
+          <a:p>
+            <a:pPr marL="342900" indent="-342900">
+              <a:buFont typeface="Arial" panose="020B0604020202020204" pitchFamily="34" charset="0"/>
+              <a:buChar char="•"/>
+            </a:pPr>
+            <a:endParaRPr lang="en-US">
+              <a:solidFill>
+                <a:srgbClr val="404040"/>
+              </a:solidFill>
+            </a:endParaRPr>
+          </a:p>
+          <a:p>
+            <a:pPr marL="342900" indent="-342900">
+              <a:buFont typeface="Arial" panose="020B0604020202020204" pitchFamily="34" charset="0"/>
+              <a:buChar char="•"/>
+            </a:pPr>
+            <a:endParaRPr lang="en-US" dirty="0">
+              <a:solidFill>
+                <a:srgbClr val="404040"/>
+              </a:solidFill>
+            </a:endParaRPr>
+          </a:p>
+        </p:txBody>
+      </p:sp>
+      <p:sp>
+        <p:nvSpPr>
+          <p:cNvPr id="6" name="TextBox 5">
+            <a:extLst>
+              <a:ext uri="{FF2B5EF4-FFF2-40B4-BE49-F238E27FC236}">
+                <a16:creationId xmlns:a16="http://schemas.microsoft.com/office/drawing/2014/main" id="{03000CCC-A457-4CAC-8210-40755530C48B}"/>
+              </a:ext>
+            </a:extLst>
+          </p:cNvPr>
+          <p:cNvSpPr txBox="1"/>
+          <p:nvPr/>
+        </p:nvSpPr>
+        <p:spPr>
+          <a:xfrm>
+            <a:off x="3733800" y="643467"/>
+            <a:ext cx="5181600" cy="4154984"/>
+          </a:xfrm>
+          <a:prstGeom prst="rect">
+            <a:avLst/>
+          </a:prstGeom>
+          <a:noFill/>
+        </p:spPr>
+        <p:txBody>
+          <a:bodyPr wrap="square" rtlCol="0">
+            <a:spAutoFit/>
+          </a:bodyPr>
+          <a:lstStyle/>
+          <a:p>
+            <a:pPr marL="342900" indent="-342900">
+              <a:buFont typeface="Arial" panose="020B0604020202020204" pitchFamily="34" charset="0"/>
+              <a:buChar char="•"/>
+            </a:pPr>
+            <a:r>
+              <a:rPr lang="en-US" dirty="0">
+                <a:solidFill>
+                  <a:srgbClr val="404040"/>
+                </a:solidFill>
+              </a:rPr>
+              <a:t>Order Matters</a:t>
+            </a:r>
+          </a:p>
+          <a:p>
+            <a:pPr marL="342900" indent="-342900">
+              <a:buFont typeface="Arial" panose="020B0604020202020204" pitchFamily="34" charset="0"/>
+              <a:buChar char="•"/>
+            </a:pPr>
+            <a:endParaRPr lang="en-US" dirty="0">
+              <a:solidFill>
+                <a:srgbClr val="404040"/>
+              </a:solidFill>
+            </a:endParaRPr>
+          </a:p>
+          <a:p>
+            <a:pPr marL="342900" indent="-342900">
+              <a:buFont typeface="Arial" panose="020B0604020202020204" pitchFamily="34" charset="0"/>
+              <a:buChar char="•"/>
+            </a:pPr>
+            <a:endParaRPr lang="en-US" dirty="0">
+              <a:solidFill>
+                <a:srgbClr val="404040"/>
+              </a:solidFill>
+            </a:endParaRPr>
+          </a:p>
+          <a:p>
+            <a:pPr marL="342900" indent="-342900">
+              <a:buFont typeface="Arial" panose="020B0604020202020204" pitchFamily="34" charset="0"/>
+              <a:buChar char="•"/>
+            </a:pPr>
+            <a:endParaRPr lang="en-US" dirty="0">
+              <a:solidFill>
+                <a:srgbClr val="404040"/>
+              </a:solidFill>
+            </a:endParaRPr>
+          </a:p>
+          <a:p>
+            <a:pPr marL="342900" indent="-342900">
+              <a:buFont typeface="Arial" panose="020B0604020202020204" pitchFamily="34" charset="0"/>
+              <a:buChar char="•"/>
+            </a:pPr>
+            <a:endParaRPr lang="en-US" dirty="0">
+              <a:solidFill>
+                <a:srgbClr val="404040"/>
+              </a:solidFill>
+            </a:endParaRPr>
+          </a:p>
+          <a:p>
+            <a:pPr marL="342900" indent="-342900">
+              <a:buFont typeface="Arial" panose="020B0604020202020204" pitchFamily="34" charset="0"/>
+              <a:buChar char="•"/>
+            </a:pPr>
+            <a:endParaRPr lang="en-US" dirty="0">
+              <a:solidFill>
+                <a:srgbClr val="404040"/>
+              </a:solidFill>
+            </a:endParaRPr>
+          </a:p>
+          <a:p>
+            <a:pPr marL="342900" indent="-342900">
+              <a:buFont typeface="Arial" panose="020B0604020202020204" pitchFamily="34" charset="0"/>
+              <a:buChar char="•"/>
+            </a:pPr>
+            <a:endParaRPr lang="en-US" dirty="0">
+              <a:solidFill>
+                <a:srgbClr val="404040"/>
+              </a:solidFill>
+            </a:endParaRPr>
+          </a:p>
+          <a:p>
+            <a:pPr marL="342900" indent="-342900">
+              <a:buFont typeface="Arial" panose="020B0604020202020204" pitchFamily="34" charset="0"/>
+              <a:buChar char="•"/>
+            </a:pPr>
+            <a:endParaRPr lang="en-US" dirty="0">
+              <a:solidFill>
+                <a:srgbClr val="404040"/>
+              </a:solidFill>
+            </a:endParaRPr>
+          </a:p>
+          <a:p>
+            <a:pPr marL="342900" indent="-342900">
+              <a:buFont typeface="Arial" panose="020B0604020202020204" pitchFamily="34" charset="0"/>
+              <a:buChar char="•"/>
+            </a:pPr>
+            <a:endParaRPr lang="en-US" dirty="0">
+              <a:solidFill>
+                <a:srgbClr val="404040"/>
+              </a:solidFill>
+            </a:endParaRPr>
+          </a:p>
+          <a:p>
+            <a:endParaRPr lang="en-US" dirty="0">
+              <a:solidFill>
+                <a:srgbClr val="404040"/>
+              </a:solidFill>
+            </a:endParaRPr>
+          </a:p>
+          <a:p>
+            <a:pPr marL="342900" indent="-342900">
+              <a:buFont typeface="Arial" panose="020B0604020202020204" pitchFamily="34" charset="0"/>
+              <a:buChar char="•"/>
+            </a:pPr>
+            <a:endParaRPr lang="en-US" dirty="0">
+              <a:solidFill>
+                <a:srgbClr val="404040"/>
+              </a:solidFill>
+            </a:endParaRPr>
+          </a:p>
+        </p:txBody>
+      </p:sp>
+      <p:pic>
+        <p:nvPicPr>
+          <p:cNvPr id="10" name="Picture 9">
+            <a:extLst>
+              <a:ext uri="{FF2B5EF4-FFF2-40B4-BE49-F238E27FC236}">
+                <a16:creationId xmlns:a16="http://schemas.microsoft.com/office/drawing/2014/main" id="{F09E4203-7F6E-479B-82CE-7071F4C496FD}"/>
+              </a:ext>
+            </a:extLst>
+          </p:cNvPr>
+          <p:cNvPicPr>
+            <a:picLocks noChangeAspect="1"/>
+          </p:cNvPicPr>
+          <p:nvPr/>
+        </p:nvPicPr>
+        <p:blipFill>
+          <a:blip r:embed="rId4"/>
+          <a:stretch>
+            <a:fillRect/>
+          </a:stretch>
+        </p:blipFill>
+        <p:spPr>
+          <a:xfrm>
+            <a:off x="4139019" y="1583796"/>
+            <a:ext cx="4721625" cy="2776537"/>
+          </a:xfrm>
+          <a:prstGeom prst="rect">
+            <a:avLst/>
+          </a:prstGeom>
+        </p:spPr>
+      </p:pic>
+      <p:sp>
+        <p:nvSpPr>
+          <p:cNvPr id="17" name="Rectangle 16">
+            <a:extLst>
+              <a:ext uri="{FF2B5EF4-FFF2-40B4-BE49-F238E27FC236}">
+                <a16:creationId xmlns:a16="http://schemas.microsoft.com/office/drawing/2014/main" id="{62FF4928-D528-4620-AF34-6D0B808CF474}"/>
+              </a:ext>
+            </a:extLst>
+          </p:cNvPr>
+          <p:cNvSpPr/>
+          <p:nvPr/>
+        </p:nvSpPr>
+        <p:spPr>
+          <a:xfrm>
+            <a:off x="8538038" y="2717160"/>
+            <a:ext cx="214771" cy="214771"/>
+          </a:xfrm>
+          <a:prstGeom prst="rect">
+            <a:avLst/>
+          </a:prstGeom>
+          <a:noFill/>
+          <a:ln w="19050">
+            <a:solidFill>
+              <a:srgbClr val="404040"/>
+            </a:solidFill>
+          </a:ln>
+        </p:spPr>
+        <p:style>
+          <a:lnRef idx="1">
+            <a:schemeClr val="accent1"/>
+          </a:lnRef>
+          <a:fillRef idx="3">
+            <a:schemeClr val="accent1"/>
+          </a:fillRef>
+          <a:effectRef idx="2">
+            <a:schemeClr val="accent1"/>
+          </a:effectRef>
+          <a:fontRef idx="minor">
+            <a:schemeClr val="lt1"/>
+          </a:fontRef>
+        </p:style>
+        <p:txBody>
+          <a:bodyPr rtlCol="0" anchor="ctr"/>
+          <a:lstStyle/>
+          <a:p>
+            <a:pPr algn="ctr"/>
+            <a:endParaRPr lang="en-US"/>
+          </a:p>
+        </p:txBody>
+      </p:sp>
+      <p:cxnSp>
+        <p:nvCxnSpPr>
+          <p:cNvPr id="13" name="Straight Arrow Connector 12">
+            <a:extLst>
+              <a:ext uri="{FF2B5EF4-FFF2-40B4-BE49-F238E27FC236}">
+                <a16:creationId xmlns:a16="http://schemas.microsoft.com/office/drawing/2014/main" id="{32AEAC01-17ED-46C4-82AB-851599FA1395}"/>
+              </a:ext>
+            </a:extLst>
+          </p:cNvPr>
+          <p:cNvCxnSpPr/>
+          <p:nvPr/>
+        </p:nvCxnSpPr>
+        <p:spPr>
+          <a:xfrm flipH="1">
+            <a:off x="6404438" y="2972064"/>
+            <a:ext cx="2057400" cy="1137995"/>
+          </a:xfrm>
+          <a:prstGeom prst="straightConnector1">
+            <a:avLst/>
+          </a:prstGeom>
+          <a:ln>
+            <a:solidFill>
+              <a:srgbClr val="404040"/>
+            </a:solidFill>
+            <a:tailEnd type="triangle"/>
+          </a:ln>
+        </p:spPr>
+        <p:style>
+          <a:lnRef idx="2">
+            <a:schemeClr val="accent1"/>
+          </a:lnRef>
+          <a:fillRef idx="0">
+            <a:schemeClr val="accent1"/>
+          </a:fillRef>
+          <a:effectRef idx="1">
+            <a:schemeClr val="accent1"/>
+          </a:effectRef>
+          <a:fontRef idx="minor">
+            <a:schemeClr val="tx1"/>
+          </a:fontRef>
+        </p:style>
+      </p:cxnSp>
+      <p:sp>
+        <p:nvSpPr>
+          <p:cNvPr id="14" name="TextBox 13">
+            <a:extLst>
+              <a:ext uri="{FF2B5EF4-FFF2-40B4-BE49-F238E27FC236}">
+                <a16:creationId xmlns:a16="http://schemas.microsoft.com/office/drawing/2014/main" id="{06F51B6C-F764-4284-A724-DC24FAD04FEF}"/>
+              </a:ext>
+            </a:extLst>
+          </p:cNvPr>
+          <p:cNvSpPr txBox="1"/>
+          <p:nvPr/>
+        </p:nvSpPr>
+        <p:spPr>
+          <a:xfrm rot="19800000">
+            <a:off x="6880330" y="2888627"/>
+            <a:ext cx="1447800" cy="461665"/>
+          </a:xfrm>
+          <a:prstGeom prst="rect">
+            <a:avLst/>
+          </a:prstGeom>
+          <a:noFill/>
+          <a:ln>
+            <a:noFill/>
+          </a:ln>
+        </p:spPr>
+        <p:txBody>
+          <a:bodyPr wrap="square" rtlCol="0">
+            <a:spAutoFit/>
+          </a:bodyPr>
+          <a:lstStyle/>
+          <a:p>
+            <a:r>
+              <a:rPr lang="en-US" dirty="0">
+                <a:solidFill>
+                  <a:srgbClr val="404040"/>
+                </a:solidFill>
+              </a:rPr>
+              <a:t>Why?</a:t>
+            </a:r>
+          </a:p>
+        </p:txBody>
+      </p:sp>
+      <p:pic>
+        <p:nvPicPr>
+          <p:cNvPr id="16" name="Picture 15">
+            <a:extLst>
+              <a:ext uri="{FF2B5EF4-FFF2-40B4-BE49-F238E27FC236}">
+                <a16:creationId xmlns:a16="http://schemas.microsoft.com/office/drawing/2014/main" id="{6AA500A3-CA58-4F8E-9975-E280A889ADE3}"/>
+              </a:ext>
+            </a:extLst>
+          </p:cNvPr>
+          <p:cNvPicPr>
+            <a:picLocks noChangeAspect="1"/>
+          </p:cNvPicPr>
+          <p:nvPr/>
+        </p:nvPicPr>
+        <p:blipFill>
+          <a:blip r:embed="rId5"/>
+          <a:stretch>
+            <a:fillRect/>
+          </a:stretch>
+        </p:blipFill>
+        <p:spPr>
+          <a:xfrm rot="19800000">
+            <a:off x="6879709" y="3537373"/>
+            <a:ext cx="1660061" cy="363632"/>
+          </a:xfrm>
+          <a:prstGeom prst="rect">
+            <a:avLst/>
+          </a:prstGeom>
+          <a:ln>
+            <a:solidFill>
+              <a:srgbClr val="404040"/>
+            </a:solidFill>
+          </a:ln>
+        </p:spPr>
+      </p:pic>
+    </p:spTree>
+    <p:custDataLst>
+      <p:tags r:id="rId1"/>
+    </p:custDataLst>
+    <p:extLst>
+      <p:ext uri="{BB962C8B-B14F-4D97-AF65-F5344CB8AC3E}">
+        <p14:creationId xmlns:p14="http://schemas.microsoft.com/office/powerpoint/2010/main" val="35565064"/>
+      </p:ext>
+    </p:extLst>
+  </p:cSld>
+  <p:clrMapOvr>
+    <a:masterClrMapping/>
+  </p:clrMapOvr>
+</p:sld>
+</file>
+
+<file path=ppt/slides/slide8.xml><?xml version="1.0" encoding="utf-8"?>
+<p:sld xmlns:a="http://schemas.openxmlformats.org/drawingml/2006/main" xmlns:r="http://schemas.openxmlformats.org/officeDocument/2006/relationships" xmlns:p="http://schemas.openxmlformats.org/presentationml/2006/main">
+  <p:cSld>
+    <p:bg>
+      <p:bgPr>
+        <a:solidFill>
+          <a:schemeClr val="bg1">
+            <a:lumMod val="85000"/>
+          </a:schemeClr>
+        </a:solidFill>
+        <a:effectLst/>
+      </p:bgPr>
+    </p:bg>
+    <p:spTree>
+      <p:nvGrpSpPr>
+        <p:cNvPr id="1" name=""/>
+        <p:cNvGrpSpPr/>
+        <p:nvPr/>
+      </p:nvGrpSpPr>
+      <p:grpSpPr>
+        <a:xfrm>
+          <a:off x="0" y="0"/>
+          <a:ext cx="0" cy="0"/>
+          <a:chOff x="0" y="0"/>
+          <a:chExt cx="0" cy="0"/>
+        </a:xfrm>
+      </p:grpSpPr>
+      <p:sp>
+        <p:nvSpPr>
+          <p:cNvPr id="6" name="TextBox 5">
+            <a:extLst>
+              <a:ext uri="{FF2B5EF4-FFF2-40B4-BE49-F238E27FC236}">
+                <a16:creationId xmlns:a16="http://schemas.microsoft.com/office/drawing/2014/main" id="{03000CCC-A457-4CAC-8210-40755530C48B}"/>
+              </a:ext>
+            </a:extLst>
+          </p:cNvPr>
+          <p:cNvSpPr txBox="1"/>
+          <p:nvPr/>
+        </p:nvSpPr>
+        <p:spPr>
+          <a:xfrm>
+            <a:off x="3733800" y="643467"/>
+            <a:ext cx="5181600" cy="5632311"/>
+          </a:xfrm>
+          <a:prstGeom prst="rect">
+            <a:avLst/>
+          </a:prstGeom>
+          <a:noFill/>
+        </p:spPr>
+        <p:txBody>
+          <a:bodyPr wrap="square" rtlCol="0">
+            <a:spAutoFit/>
+          </a:bodyPr>
+          <a:lstStyle/>
+          <a:p>
+            <a:pPr marL="342900" indent="-342900">
+              <a:buFont typeface="Arial" panose="020B0604020202020204" pitchFamily="34" charset="0"/>
+              <a:buChar char="•"/>
+            </a:pPr>
+            <a:r>
+              <a:rPr lang="en-US" dirty="0">
+                <a:solidFill>
+                  <a:srgbClr val="404040"/>
+                </a:solidFill>
+              </a:rPr>
+              <a:t>Order Matters (Cont.)</a:t>
+            </a:r>
+          </a:p>
+          <a:p>
+            <a:pPr marL="800100" lvl="1" indent="-342900">
+              <a:buFont typeface="Arial" panose="020B0604020202020204" pitchFamily="34" charset="0"/>
+              <a:buChar char="•"/>
+            </a:pPr>
+            <a:r>
+              <a:rPr lang="en-US" dirty="0">
+                <a:solidFill>
+                  <a:srgbClr val="404040"/>
+                </a:solidFill>
+              </a:rPr>
+              <a:t>Run First Chunk</a:t>
+            </a:r>
+          </a:p>
+          <a:p>
+            <a:pPr marL="800100" lvl="1" indent="-342900">
+              <a:buFont typeface="Arial" panose="020B0604020202020204" pitchFamily="34" charset="0"/>
+              <a:buChar char="•"/>
+            </a:pPr>
+            <a:endParaRPr lang="en-US" dirty="0">
+              <a:solidFill>
+                <a:srgbClr val="404040"/>
+              </a:solidFill>
+            </a:endParaRPr>
+          </a:p>
+          <a:p>
+            <a:pPr marL="800100" lvl="1" indent="-342900">
+              <a:buFont typeface="Arial" panose="020B0604020202020204" pitchFamily="34" charset="0"/>
+              <a:buChar char="•"/>
+            </a:pPr>
+            <a:endParaRPr lang="en-US" dirty="0">
+              <a:solidFill>
+                <a:srgbClr val="404040"/>
+              </a:solidFill>
+            </a:endParaRPr>
+          </a:p>
+          <a:p>
+            <a:pPr marL="800100" lvl="1" indent="-342900">
+              <a:buFont typeface="Arial" panose="020B0604020202020204" pitchFamily="34" charset="0"/>
+              <a:buChar char="•"/>
+            </a:pPr>
+            <a:endParaRPr lang="en-US" dirty="0">
+              <a:solidFill>
+                <a:srgbClr val="404040"/>
+              </a:solidFill>
+            </a:endParaRPr>
+          </a:p>
+          <a:p>
+            <a:pPr marL="800100" lvl="1" indent="-342900">
+              <a:buFont typeface="Arial" panose="020B0604020202020204" pitchFamily="34" charset="0"/>
+              <a:buChar char="•"/>
+            </a:pPr>
+            <a:endParaRPr lang="en-US" dirty="0">
+              <a:solidFill>
+                <a:srgbClr val="404040"/>
+              </a:solidFill>
+            </a:endParaRPr>
+          </a:p>
+          <a:p>
+            <a:pPr marL="800100" lvl="1" indent="-342900">
+              <a:buFont typeface="Arial" panose="020B0604020202020204" pitchFamily="34" charset="0"/>
+              <a:buChar char="•"/>
+            </a:pPr>
+            <a:endParaRPr lang="en-US" dirty="0">
+              <a:solidFill>
+                <a:srgbClr val="404040"/>
+              </a:solidFill>
+            </a:endParaRPr>
+          </a:p>
+          <a:p>
+            <a:pPr marL="800100" lvl="1" indent="-342900">
+              <a:buFont typeface="Arial" panose="020B0604020202020204" pitchFamily="34" charset="0"/>
+              <a:buChar char="•"/>
+            </a:pPr>
+            <a:endParaRPr lang="en-US" dirty="0">
+              <a:solidFill>
+                <a:srgbClr val="404040"/>
+              </a:solidFill>
+            </a:endParaRPr>
+          </a:p>
+          <a:p>
+            <a:pPr lvl="1"/>
+            <a:endParaRPr lang="en-US" dirty="0">
+              <a:solidFill>
+                <a:srgbClr val="404040"/>
+              </a:solidFill>
+            </a:endParaRPr>
+          </a:p>
+          <a:p>
+            <a:pPr lvl="1"/>
+            <a:endParaRPr lang="en-US" dirty="0">
+              <a:solidFill>
+                <a:srgbClr val="404040"/>
+              </a:solidFill>
+            </a:endParaRPr>
+          </a:p>
+          <a:p>
+            <a:pPr marL="800100" lvl="1" indent="-342900">
+              <a:buFont typeface="Arial" panose="020B0604020202020204" pitchFamily="34" charset="0"/>
+              <a:buChar char="•"/>
+            </a:pPr>
+            <a:r>
+              <a:rPr lang="en-US" dirty="0">
+                <a:solidFill>
+                  <a:srgbClr val="404040"/>
+                </a:solidFill>
+              </a:rPr>
+              <a:t>Then, Run </a:t>
+            </a:r>
+          </a:p>
+          <a:p>
+            <a:pPr lvl="1"/>
+            <a:r>
+              <a:rPr lang="en-US" dirty="0">
+                <a:solidFill>
+                  <a:srgbClr val="404040"/>
+                </a:solidFill>
+              </a:rPr>
+              <a:t>    Second </a:t>
+            </a:r>
+          </a:p>
+          <a:p>
+            <a:pPr lvl="1"/>
+            <a:r>
+              <a:rPr lang="en-US" dirty="0">
+                <a:solidFill>
+                  <a:srgbClr val="404040"/>
+                </a:solidFill>
+              </a:rPr>
+              <a:t>    Chunk</a:t>
+            </a:r>
+          </a:p>
+          <a:p>
+            <a:pPr marL="342900" indent="-342900">
+              <a:buFont typeface="Arial" panose="020B0604020202020204" pitchFamily="34" charset="0"/>
+              <a:buChar char="•"/>
+            </a:pPr>
+            <a:endParaRPr lang="en-US" dirty="0">
+              <a:solidFill>
+                <a:srgbClr val="404040"/>
+              </a:solidFill>
+            </a:endParaRPr>
+          </a:p>
+          <a:p>
+            <a:pPr marL="342900" indent="-342900">
+              <a:buFont typeface="Arial" panose="020B0604020202020204" pitchFamily="34" charset="0"/>
+              <a:buChar char="•"/>
+            </a:pPr>
+            <a:endParaRPr lang="en-US" dirty="0">
+              <a:solidFill>
+                <a:srgbClr val="404040"/>
+              </a:solidFill>
+            </a:endParaRPr>
+          </a:p>
+        </p:txBody>
+      </p:sp>
+      <p:pic>
+        <p:nvPicPr>
+          <p:cNvPr id="5" name="Picture 4">
+            <a:extLst>
+              <a:ext uri="{FF2B5EF4-FFF2-40B4-BE49-F238E27FC236}">
+                <a16:creationId xmlns:a16="http://schemas.microsoft.com/office/drawing/2014/main" id="{34CFE86F-CA91-47C4-967F-CF5BDF5F8047}"/>
+              </a:ext>
+            </a:extLst>
+          </p:cNvPr>
+          <p:cNvPicPr>
+            <a:picLocks noChangeAspect="1"/>
+          </p:cNvPicPr>
+          <p:nvPr/>
+        </p:nvPicPr>
+        <p:blipFill>
+          <a:blip r:embed="rId3"/>
+          <a:stretch>
+            <a:fillRect/>
+          </a:stretch>
+        </p:blipFill>
+        <p:spPr>
+          <a:xfrm>
+            <a:off x="4515160" y="2865636"/>
+            <a:ext cx="4467226" cy="1119148"/>
+          </a:xfrm>
+          <a:prstGeom prst="rect">
+            <a:avLst/>
+          </a:prstGeom>
+          <a:ln>
+            <a:solidFill>
+              <a:srgbClr val="404040"/>
+            </a:solidFill>
+          </a:ln>
+        </p:spPr>
+        <p:style>
+          <a:lnRef idx="2">
+            <a:schemeClr val="dk1"/>
+          </a:lnRef>
+          <a:fillRef idx="1">
+            <a:schemeClr val="lt1"/>
+          </a:fillRef>
+          <a:effectRef idx="0">
+            <a:schemeClr val="dk1"/>
+          </a:effectRef>
+          <a:fontRef idx="minor">
+            <a:schemeClr val="dk1"/>
+          </a:fontRef>
+        </p:style>
+      </p:pic>
+      <p:sp>
+        <p:nvSpPr>
+          <p:cNvPr id="15" name="Rectangle 12">
+            <a:extLst>
+              <a:ext uri="{FF2B5EF4-FFF2-40B4-BE49-F238E27FC236}">
+                <a16:creationId xmlns:a16="http://schemas.microsoft.com/office/drawing/2014/main" id="{867D4867-5BA7-4462-B2F6-A23F4A622AA7}"/>
+              </a:ext>
+              <a:ext uri="{C183D7F6-B498-43B3-948B-1728B52AA6E4}">
+                <adec:decorative xmlns:adec="http://schemas.microsoft.com/office/drawing/2017/decorative" val="1"/>
+              </a:ext>
+            </a:extLst>
+          </p:cNvPr>
+          <p:cNvSpPr>
+            <a:spLocks noGrp="1" noRot="1" noChangeAspect="1" noMove="1" noResize="1" noEditPoints="1" noAdjustHandles="1" noChangeArrowheads="1" noChangeShapeType="1" noTextEdit="1"/>
+          </p:cNvSpPr>
+          <p:nvPr>
+            <p:extLst>
+              <p:ext uri="{386F3935-93C4-4BCD-93E2-E3B085C9AB24}">
+                <p16:designElem xmlns:p16="http://schemas.microsoft.com/office/powerpoint/2015/main" val="1"/>
+              </p:ext>
+            </p:extLst>
+          </p:nvPr>
+        </p:nvSpPr>
+        <p:spPr>
+          <a:xfrm>
+            <a:off x="0" y="0"/>
+            <a:ext cx="3490722" cy="6858000"/>
+          </a:xfrm>
+          <a:prstGeom prst="rect">
+            <a:avLst/>
+          </a:prstGeom>
+          <a:solidFill>
+            <a:schemeClr val="tx1">
+              <a:lumMod val="75000"/>
+              <a:lumOff val="25000"/>
+            </a:schemeClr>
+          </a:solidFill>
+          <a:ln>
+            <a:noFill/>
+          </a:ln>
+        </p:spPr>
+        <p:style>
+          <a:lnRef idx="0">
+            <a:scrgbClr r="0" g="0" b="0"/>
+          </a:lnRef>
+          <a:fillRef idx="0">
+            <a:scrgbClr r="0" g="0" b="0"/>
+          </a:fillRef>
+          <a:effectRef idx="0">
+            <a:scrgbClr r="0" g="0" b="0"/>
+          </a:effectRef>
+          <a:fontRef idx="minor">
+            <a:schemeClr val="lt1"/>
+          </a:fontRef>
+        </p:style>
+        <p:txBody>
+          <a:bodyPr rtlCol="0" anchor="ctr"/>
+          <a:lstStyle/>
+          <a:p>
+            <a:pPr algn="ctr"/>
+            <a:endParaRPr lang="en-US"/>
+          </a:p>
+        </p:txBody>
+      </p:sp>
+      <p:sp>
+        <p:nvSpPr>
+          <p:cNvPr id="2" name="Title 1"/>
+          <p:cNvSpPr>
+            <a:spLocks noGrp="1"/>
+          </p:cNvSpPr>
+          <p:nvPr>
+            <p:ph type="title"/>
+          </p:nvPr>
+        </p:nvSpPr>
+        <p:spPr>
+          <a:xfrm>
+            <a:off x="482600" y="643467"/>
+            <a:ext cx="2522980" cy="1597315"/>
+          </a:xfrm>
+          <a:noFill/>
+          <a:ln w="19050">
+            <a:solidFill>
+              <a:schemeClr val="bg1"/>
+            </a:solidFill>
+          </a:ln>
+        </p:spPr>
+        <p:txBody>
+          <a:bodyPr vert="horz" wrap="square" lIns="91440" tIns="45720" rIns="91440" bIns="45720" rtlCol="0" anchor="ctr">
+            <a:normAutofit/>
+          </a:bodyPr>
+          <a:lstStyle/>
+          <a:p>
+            <a:pPr defTabSz="914400" eaLnBrk="1" hangingPunct="1">
+              <a:lnSpc>
+                <a:spcPct val="90000"/>
+              </a:lnSpc>
+            </a:pPr>
+            <a:r>
+              <a:rPr lang="en-US" sz="2400" kern="1200">
+                <a:solidFill>
+                  <a:schemeClr val="bg1"/>
+                </a:solidFill>
+                <a:latin typeface="+mj-lt"/>
+                <a:ea typeface="+mj-ea"/>
+                <a:cs typeface="+mj-cs"/>
+              </a:rPr>
+              <a:t>Running Code in RMarkdown</a:t>
+            </a:r>
+            <a:endParaRPr lang="en-US" sz="2400" kern="1200" dirty="0">
+              <a:solidFill>
+                <a:schemeClr val="bg1"/>
+              </a:solidFill>
+              <a:latin typeface="+mj-lt"/>
+              <a:ea typeface="+mj-ea"/>
+              <a:cs typeface="+mj-cs"/>
+            </a:endParaRPr>
+          </a:p>
+        </p:txBody>
+      </p:sp>
+      <p:pic>
+        <p:nvPicPr>
+          <p:cNvPr id="8" name="Picture 7">
+            <a:extLst>
+              <a:ext uri="{FF2B5EF4-FFF2-40B4-BE49-F238E27FC236}">
+                <a16:creationId xmlns:a16="http://schemas.microsoft.com/office/drawing/2014/main" id="{521D4292-9ECC-4DA5-8CC0-C561A0DA118E}"/>
+              </a:ext>
+            </a:extLst>
+          </p:cNvPr>
+          <p:cNvPicPr>
+            <a:picLocks noChangeAspect="1"/>
+          </p:cNvPicPr>
+          <p:nvPr/>
+        </p:nvPicPr>
+        <p:blipFill rotWithShape="1">
+          <a:blip r:embed="rId4"/>
+          <a:srcRect l="8000" r="9400"/>
+          <a:stretch/>
+        </p:blipFill>
+        <p:spPr>
+          <a:xfrm>
+            <a:off x="660103" y="3048000"/>
+            <a:ext cx="2167974" cy="2624666"/>
+          </a:xfrm>
+          <a:prstGeom prst="rect">
+            <a:avLst/>
+          </a:prstGeom>
+          <a:noFill/>
+        </p:spPr>
+      </p:pic>
+      <p:sp>
+        <p:nvSpPr>
+          <p:cNvPr id="3" name="TextBox 2">
+            <a:extLst>
+              <a:ext uri="{FF2B5EF4-FFF2-40B4-BE49-F238E27FC236}">
+                <a16:creationId xmlns:a16="http://schemas.microsoft.com/office/drawing/2014/main" id="{E79E2C7A-95B9-4E1E-9F99-1339A9C719B6}"/>
+              </a:ext>
+            </a:extLst>
+          </p:cNvPr>
+          <p:cNvSpPr txBox="1"/>
+          <p:nvPr/>
+        </p:nvSpPr>
+        <p:spPr>
+          <a:xfrm>
+            <a:off x="3733800" y="643467"/>
+            <a:ext cx="5181600" cy="830997"/>
+          </a:xfrm>
+          <a:prstGeom prst="rect">
+            <a:avLst/>
+          </a:prstGeom>
+          <a:noFill/>
+        </p:spPr>
+        <p:txBody>
+          <a:bodyPr wrap="square" rtlCol="0">
+            <a:spAutoFit/>
+          </a:bodyPr>
+          <a:lstStyle/>
+          <a:p>
+            <a:pPr marL="342900" indent="-342900">
+              <a:buFont typeface="Arial" panose="020B0604020202020204" pitchFamily="34" charset="0"/>
+              <a:buChar char="•"/>
+            </a:pPr>
+            <a:endParaRPr lang="en-US">
+              <a:solidFill>
+                <a:srgbClr val="404040"/>
+              </a:solidFill>
+            </a:endParaRPr>
+          </a:p>
+          <a:p>
+            <a:pPr marL="342900" indent="-342900">
+              <a:buFont typeface="Arial" panose="020B0604020202020204" pitchFamily="34" charset="0"/>
+              <a:buChar char="•"/>
+            </a:pPr>
+            <a:endParaRPr lang="en-US" dirty="0">
+              <a:solidFill>
+                <a:srgbClr val="404040"/>
+              </a:solidFill>
+            </a:endParaRPr>
+          </a:p>
+        </p:txBody>
+      </p:sp>
+      <p:pic>
+        <p:nvPicPr>
+          <p:cNvPr id="19" name="Picture 18">
+            <a:extLst>
+              <a:ext uri="{FF2B5EF4-FFF2-40B4-BE49-F238E27FC236}">
+                <a16:creationId xmlns:a16="http://schemas.microsoft.com/office/drawing/2014/main" id="{D5D1D05E-A463-4701-A8EE-E97017C9653E}"/>
+              </a:ext>
+            </a:extLst>
+          </p:cNvPr>
+          <p:cNvPicPr>
+            <a:picLocks noChangeAspect="1"/>
+          </p:cNvPicPr>
+          <p:nvPr/>
+        </p:nvPicPr>
+        <p:blipFill>
+          <a:blip r:embed="rId5"/>
+          <a:stretch>
+            <a:fillRect/>
+          </a:stretch>
+        </p:blipFill>
+        <p:spPr>
+          <a:xfrm>
+            <a:off x="4515160" y="1474464"/>
+            <a:ext cx="4467226" cy="1300163"/>
+          </a:xfrm>
+          <a:prstGeom prst="rect">
+            <a:avLst/>
+          </a:prstGeom>
+          <a:ln>
+            <a:solidFill>
+              <a:srgbClr val="404040"/>
+            </a:solidFill>
+          </a:ln>
+        </p:spPr>
+        <p:style>
+          <a:lnRef idx="2">
+            <a:schemeClr val="dk1"/>
+          </a:lnRef>
+          <a:fillRef idx="1">
+            <a:schemeClr val="lt1"/>
+          </a:fillRef>
+          <a:effectRef idx="0">
+            <a:schemeClr val="dk1"/>
+          </a:effectRef>
+          <a:fontRef idx="minor">
+            <a:schemeClr val="dk1"/>
+          </a:fontRef>
+        </p:style>
+      </p:pic>
+      <p:pic>
+        <p:nvPicPr>
+          <p:cNvPr id="4" name="Picture 3">
+            <a:extLst>
+              <a:ext uri="{FF2B5EF4-FFF2-40B4-BE49-F238E27FC236}">
+                <a16:creationId xmlns:a16="http://schemas.microsoft.com/office/drawing/2014/main" id="{D0EE00E1-6437-4DE7-828F-2B3EAC69055D}"/>
+              </a:ext>
+            </a:extLst>
+          </p:cNvPr>
+          <p:cNvPicPr>
+            <a:picLocks noChangeAspect="1"/>
+          </p:cNvPicPr>
+          <p:nvPr/>
+        </p:nvPicPr>
+        <p:blipFill>
+          <a:blip r:embed="rId6"/>
+          <a:stretch>
+            <a:fillRect/>
+          </a:stretch>
+        </p:blipFill>
+        <p:spPr>
+          <a:xfrm>
+            <a:off x="6161240" y="4415748"/>
+            <a:ext cx="2665093" cy="2290994"/>
+          </a:xfrm>
+          <a:prstGeom prst="rect">
+            <a:avLst/>
+          </a:prstGeom>
+          <a:ln>
+            <a:solidFill>
+              <a:srgbClr val="404040"/>
+            </a:solidFill>
+          </a:ln>
+        </p:spPr>
+        <p:style>
+          <a:lnRef idx="2">
+            <a:schemeClr val="dk1"/>
+          </a:lnRef>
+          <a:fillRef idx="1">
+            <a:schemeClr val="lt1"/>
+          </a:fillRef>
+          <a:effectRef idx="0">
+            <a:schemeClr val="dk1"/>
+          </a:effectRef>
+          <a:fontRef idx="minor">
+            <a:schemeClr val="dk1"/>
+          </a:fontRef>
+        </p:style>
+      </p:pic>
+      <p:sp>
+        <p:nvSpPr>
+          <p:cNvPr id="20" name="Rectangle 19">
+            <a:extLst>
+              <a:ext uri="{FF2B5EF4-FFF2-40B4-BE49-F238E27FC236}">
+                <a16:creationId xmlns:a16="http://schemas.microsoft.com/office/drawing/2014/main" id="{9842BA5A-A2A6-44B1-A5C6-1C66C50D9F6E}"/>
+              </a:ext>
+            </a:extLst>
+          </p:cNvPr>
+          <p:cNvSpPr/>
+          <p:nvPr/>
+        </p:nvSpPr>
+        <p:spPr>
+          <a:xfrm>
+            <a:off x="8723313" y="1510297"/>
+            <a:ext cx="147169" cy="147169"/>
+          </a:xfrm>
+          <a:prstGeom prst="rect">
+            <a:avLst/>
+          </a:prstGeom>
+          <a:noFill/>
+          <a:ln w="19050">
+            <a:solidFill>
+              <a:srgbClr val="404040"/>
+            </a:solidFill>
+          </a:ln>
+        </p:spPr>
+        <p:style>
+          <a:lnRef idx="1">
+            <a:schemeClr val="accent1"/>
+          </a:lnRef>
+          <a:fillRef idx="3">
+            <a:schemeClr val="accent1"/>
+          </a:fillRef>
+          <a:effectRef idx="2">
+            <a:schemeClr val="accent1"/>
+          </a:effectRef>
+          <a:fontRef idx="minor">
+            <a:schemeClr val="lt1"/>
+          </a:fontRef>
+        </p:style>
+        <p:txBody>
+          <a:bodyPr rtlCol="0" anchor="ctr"/>
+          <a:lstStyle/>
+          <a:p>
+            <a:pPr algn="ctr"/>
+            <a:endParaRPr lang="en-US"/>
+          </a:p>
+        </p:txBody>
+      </p:sp>
+      <p:sp>
+        <p:nvSpPr>
+          <p:cNvPr id="21" name="Rectangle 20">
+            <a:extLst>
+              <a:ext uri="{FF2B5EF4-FFF2-40B4-BE49-F238E27FC236}">
+                <a16:creationId xmlns:a16="http://schemas.microsoft.com/office/drawing/2014/main" id="{4FECC99B-5384-4A99-93F7-C82F089FB2FC}"/>
+              </a:ext>
+            </a:extLst>
+          </p:cNvPr>
+          <p:cNvSpPr/>
+          <p:nvPr/>
+        </p:nvSpPr>
+        <p:spPr>
+          <a:xfrm>
+            <a:off x="8596524" y="5334000"/>
+            <a:ext cx="147169" cy="147169"/>
+          </a:xfrm>
+          <a:prstGeom prst="rect">
+            <a:avLst/>
+          </a:prstGeom>
+          <a:noFill/>
+          <a:ln w="19050">
+            <a:solidFill>
+              <a:srgbClr val="404040"/>
+            </a:solidFill>
+          </a:ln>
+        </p:spPr>
+        <p:style>
+          <a:lnRef idx="1">
+            <a:schemeClr val="accent1"/>
+          </a:lnRef>
+          <a:fillRef idx="3">
+            <a:schemeClr val="accent1"/>
+          </a:fillRef>
+          <a:effectRef idx="2">
+            <a:schemeClr val="accent1"/>
+          </a:effectRef>
+          <a:fontRef idx="minor">
+            <a:schemeClr val="lt1"/>
+          </a:fontRef>
+        </p:style>
+        <p:txBody>
+          <a:bodyPr rtlCol="0" anchor="ctr"/>
+          <a:lstStyle/>
+          <a:p>
+            <a:pPr algn="ctr"/>
+            <a:endParaRPr lang="en-US"/>
+          </a:p>
+        </p:txBody>
+      </p:sp>
+      <p:cxnSp>
+        <p:nvCxnSpPr>
+          <p:cNvPr id="9" name="Straight Arrow Connector 8">
+            <a:extLst>
+              <a:ext uri="{FF2B5EF4-FFF2-40B4-BE49-F238E27FC236}">
+                <a16:creationId xmlns:a16="http://schemas.microsoft.com/office/drawing/2014/main" id="{C52527E3-4F48-462B-89A1-B7277975FD6A}"/>
+              </a:ext>
+            </a:extLst>
+          </p:cNvPr>
+          <p:cNvCxnSpPr/>
+          <p:nvPr/>
+        </p:nvCxnSpPr>
+        <p:spPr>
+          <a:xfrm>
+            <a:off x="5562600" y="5257800"/>
+            <a:ext cx="2971800" cy="149784"/>
+          </a:xfrm>
+          <a:prstGeom prst="straightConnector1">
+            <a:avLst/>
+          </a:prstGeom>
+          <a:ln>
+            <a:solidFill>
+              <a:srgbClr val="404040"/>
+            </a:solidFill>
+            <a:tailEnd type="triangle"/>
+          </a:ln>
+        </p:spPr>
+        <p:style>
+          <a:lnRef idx="2">
+            <a:schemeClr val="dk1"/>
+          </a:lnRef>
+          <a:fillRef idx="0">
+            <a:schemeClr val="dk1"/>
+          </a:fillRef>
+          <a:effectRef idx="1">
+            <a:schemeClr val="dk1"/>
+          </a:effectRef>
+          <a:fontRef idx="minor">
+            <a:schemeClr val="tx1"/>
+          </a:fontRef>
+        </p:style>
+      </p:cxnSp>
+      <p:cxnSp>
+        <p:nvCxnSpPr>
+          <p:cNvPr id="22" name="Straight Arrow Connector 21">
+            <a:extLst>
+              <a:ext uri="{FF2B5EF4-FFF2-40B4-BE49-F238E27FC236}">
+                <a16:creationId xmlns:a16="http://schemas.microsoft.com/office/drawing/2014/main" id="{465E3480-55A0-4534-9AD4-501FB14D2CA3}"/>
+              </a:ext>
+            </a:extLst>
+          </p:cNvPr>
+          <p:cNvCxnSpPr>
+            <a:cxnSpLocks/>
+          </p:cNvCxnSpPr>
+          <p:nvPr/>
+        </p:nvCxnSpPr>
+        <p:spPr>
+          <a:xfrm>
+            <a:off x="6934200" y="1279176"/>
+            <a:ext cx="1722127" cy="295209"/>
+          </a:xfrm>
+          <a:prstGeom prst="straightConnector1">
+            <a:avLst/>
+          </a:prstGeom>
+          <a:ln>
+            <a:solidFill>
+              <a:srgbClr val="404040"/>
+            </a:solidFill>
+            <a:tailEnd type="triangle"/>
+          </a:ln>
+        </p:spPr>
+        <p:style>
+          <a:lnRef idx="2">
+            <a:schemeClr val="dk1"/>
+          </a:lnRef>
+          <a:fillRef idx="0">
+            <a:schemeClr val="dk1"/>
+          </a:fillRef>
+          <a:effectRef idx="1">
+            <a:schemeClr val="dk1"/>
+          </a:effectRef>
+          <a:fontRef idx="minor">
+            <a:schemeClr val="tx1"/>
+          </a:fontRef>
+        </p:style>
+      </p:cxnSp>
+    </p:spTree>
+    <p:custDataLst>
+      <p:tags r:id="rId1"/>
+    </p:custDataLst>
+    <p:extLst>
+      <p:ext uri="{BB962C8B-B14F-4D97-AF65-F5344CB8AC3E}">
+        <p14:creationId xmlns:p14="http://schemas.microsoft.com/office/powerpoint/2010/main" val="3060632655"/>
+      </p:ext>
+    </p:extLst>
+  </p:cSld>
+  <p:clrMapOvr>
+    <a:masterClrMapping/>
+  </p:clrMapOvr>
+</p:sld>
+</file>
+
+<file path=ppt/slides/slide9.xml><?xml version="1.0" encoding="utf-8"?>
+<p:sld xmlns:a="http://schemas.openxmlformats.org/drawingml/2006/main" xmlns:r="http://schemas.openxmlformats.org/officeDocument/2006/relationships" xmlns:p="http://schemas.openxmlformats.org/presentationml/2006/main">
+  <p:cSld>
+    <p:bg>
+      <p:bgPr>
+        <a:solidFill>
+          <a:schemeClr val="bg1">
+            <a:lumMod val="85000"/>
+          </a:schemeClr>
+        </a:solidFill>
+        <a:effectLst/>
+      </p:bgPr>
+    </p:bg>
+    <p:spTree>
+      <p:nvGrpSpPr>
+        <p:cNvPr id="1" name=""/>
+        <p:cNvGrpSpPr/>
+        <p:nvPr/>
+      </p:nvGrpSpPr>
+      <p:grpSpPr>
+        <a:xfrm>
+          <a:off x="0" y="0"/>
+          <a:ext cx="0" cy="0"/>
+          <a:chOff x="0" y="0"/>
+          <a:chExt cx="0" cy="0"/>
+        </a:xfrm>
+      </p:grpSpPr>
+      <p:sp>
+        <p:nvSpPr>
+          <p:cNvPr id="6" name="TextBox 5">
+            <a:extLst>
+              <a:ext uri="{FF2B5EF4-FFF2-40B4-BE49-F238E27FC236}">
+                <a16:creationId xmlns:a16="http://schemas.microsoft.com/office/drawing/2014/main" id="{03000CCC-A457-4CAC-8210-40755530C48B}"/>
+              </a:ext>
+            </a:extLst>
+          </p:cNvPr>
+          <p:cNvSpPr txBox="1"/>
+          <p:nvPr/>
+        </p:nvSpPr>
+        <p:spPr>
+          <a:xfrm>
+            <a:off x="3733800" y="643467"/>
+            <a:ext cx="5181600" cy="4524315"/>
+          </a:xfrm>
+          <a:prstGeom prst="rect">
+            <a:avLst/>
+          </a:prstGeom>
+          <a:noFill/>
+        </p:spPr>
+        <p:txBody>
+          <a:bodyPr wrap="square" rtlCol="0">
+            <a:spAutoFit/>
+          </a:bodyPr>
+          <a:lstStyle/>
+          <a:p>
+            <a:pPr marL="342900" indent="-342900">
+              <a:buFont typeface="Arial" panose="020B0604020202020204" pitchFamily="34" charset="0"/>
+              <a:buChar char="•"/>
+            </a:pPr>
+            <a:r>
+              <a:rPr lang="en-US" dirty="0">
+                <a:solidFill>
+                  <a:srgbClr val="404040"/>
+                </a:solidFill>
+              </a:rPr>
+              <a:t>Order Matters (Cont.)</a:t>
+            </a:r>
+          </a:p>
+          <a:p>
+            <a:pPr marL="800100" lvl="1" indent="-342900">
+              <a:buFont typeface="Arial" panose="020B0604020202020204" pitchFamily="34" charset="0"/>
+              <a:buChar char="•"/>
+            </a:pPr>
+            <a:r>
+              <a:rPr lang="en-US" dirty="0">
+                <a:solidFill>
+                  <a:srgbClr val="404040"/>
+                </a:solidFill>
+              </a:rPr>
+              <a:t>Super Chunky</a:t>
+            </a:r>
+          </a:p>
+          <a:p>
+            <a:pPr marL="800100" lvl="1" indent="-342900">
+              <a:buFont typeface="Arial" panose="020B0604020202020204" pitchFamily="34" charset="0"/>
+              <a:buChar char="•"/>
+            </a:pPr>
+            <a:endParaRPr lang="en-US" dirty="0">
+              <a:solidFill>
+                <a:srgbClr val="404040"/>
+              </a:solidFill>
+            </a:endParaRPr>
+          </a:p>
+          <a:p>
+            <a:pPr marL="800100" lvl="1" indent="-342900">
+              <a:buFont typeface="Arial" panose="020B0604020202020204" pitchFamily="34" charset="0"/>
+              <a:buChar char="•"/>
+            </a:pPr>
+            <a:endParaRPr lang="en-US" dirty="0">
+              <a:solidFill>
+                <a:srgbClr val="404040"/>
+              </a:solidFill>
+            </a:endParaRPr>
+          </a:p>
+          <a:p>
+            <a:pPr marL="800100" lvl="1" indent="-342900">
+              <a:buFont typeface="Arial" panose="020B0604020202020204" pitchFamily="34" charset="0"/>
+              <a:buChar char="•"/>
+            </a:pPr>
+            <a:endParaRPr lang="en-US" dirty="0">
+              <a:solidFill>
+                <a:srgbClr val="404040"/>
+              </a:solidFill>
+            </a:endParaRPr>
+          </a:p>
+          <a:p>
+            <a:pPr marL="800100" lvl="1" indent="-342900">
+              <a:buFont typeface="Arial" panose="020B0604020202020204" pitchFamily="34" charset="0"/>
+              <a:buChar char="•"/>
+            </a:pPr>
+            <a:endParaRPr lang="en-US" dirty="0">
+              <a:solidFill>
+                <a:srgbClr val="404040"/>
+              </a:solidFill>
+            </a:endParaRPr>
+          </a:p>
+          <a:p>
+            <a:pPr marL="800100" lvl="1" indent="-342900">
+              <a:buFont typeface="Arial" panose="020B0604020202020204" pitchFamily="34" charset="0"/>
+              <a:buChar char="•"/>
+            </a:pPr>
+            <a:endParaRPr lang="en-US" dirty="0">
+              <a:solidFill>
+                <a:srgbClr val="404040"/>
+              </a:solidFill>
+            </a:endParaRPr>
+          </a:p>
+          <a:p>
+            <a:pPr marL="800100" lvl="1" indent="-342900">
+              <a:buFont typeface="Arial" panose="020B0604020202020204" pitchFamily="34" charset="0"/>
+              <a:buChar char="•"/>
+            </a:pPr>
+            <a:endParaRPr lang="en-US" dirty="0">
+              <a:solidFill>
+                <a:srgbClr val="404040"/>
+              </a:solidFill>
+            </a:endParaRPr>
+          </a:p>
+          <a:p>
+            <a:pPr lvl="1"/>
+            <a:endParaRPr lang="en-US" dirty="0">
+              <a:solidFill>
+                <a:srgbClr val="404040"/>
+              </a:solidFill>
+            </a:endParaRPr>
+          </a:p>
+          <a:p>
+            <a:pPr lvl="1"/>
+            <a:endParaRPr lang="en-US" dirty="0">
+              <a:solidFill>
+                <a:srgbClr val="404040"/>
+              </a:solidFill>
+            </a:endParaRPr>
+          </a:p>
+          <a:p>
+            <a:endParaRPr lang="en-US" dirty="0">
+              <a:solidFill>
+                <a:srgbClr val="404040"/>
+              </a:solidFill>
+            </a:endParaRPr>
+          </a:p>
+          <a:p>
+            <a:pPr marL="342900" indent="-342900">
+              <a:buFont typeface="Arial" panose="020B0604020202020204" pitchFamily="34" charset="0"/>
+              <a:buChar char="•"/>
+            </a:pPr>
+            <a:endParaRPr lang="en-US" dirty="0">
+              <a:solidFill>
+                <a:srgbClr val="404040"/>
+              </a:solidFill>
+            </a:endParaRPr>
+          </a:p>
+        </p:txBody>
+      </p:sp>
+      <p:sp>
+        <p:nvSpPr>
+          <p:cNvPr id="15" name="Rectangle 12">
+            <a:extLst>
+              <a:ext uri="{FF2B5EF4-FFF2-40B4-BE49-F238E27FC236}">
+                <a16:creationId xmlns:a16="http://schemas.microsoft.com/office/drawing/2014/main" id="{867D4867-5BA7-4462-B2F6-A23F4A622AA7}"/>
+              </a:ext>
+              <a:ext uri="{C183D7F6-B498-43B3-948B-1728B52AA6E4}">
+                <adec:decorative xmlns:adec="http://schemas.microsoft.com/office/drawing/2017/decorative" val="1"/>
+              </a:ext>
+            </a:extLst>
+          </p:cNvPr>
+          <p:cNvSpPr>
+            <a:spLocks noGrp="1" noRot="1" noChangeAspect="1" noMove="1" noResize="1" noEditPoints="1" noAdjustHandles="1" noChangeArrowheads="1" noChangeShapeType="1" noTextEdit="1"/>
+          </p:cNvSpPr>
+          <p:nvPr>
+            <p:extLst>
+              <p:ext uri="{386F3935-93C4-4BCD-93E2-E3B085C9AB24}">
+                <p16:designElem xmlns:p16="http://schemas.microsoft.com/office/powerpoint/2015/main" val="1"/>
+              </p:ext>
+            </p:extLst>
+          </p:nvPr>
+        </p:nvSpPr>
+        <p:spPr>
+          <a:xfrm>
+            <a:off x="0" y="0"/>
+            <a:ext cx="3490722" cy="6858000"/>
+          </a:xfrm>
+          <a:prstGeom prst="rect">
+            <a:avLst/>
+          </a:prstGeom>
+          <a:solidFill>
+            <a:schemeClr val="tx1">
+              <a:lumMod val="75000"/>
+              <a:lumOff val="25000"/>
+            </a:schemeClr>
+          </a:solidFill>
+          <a:ln>
+            <a:noFill/>
+          </a:ln>
+        </p:spPr>
+        <p:style>
+          <a:lnRef idx="0">
+            <a:scrgbClr r="0" g="0" b="0"/>
+          </a:lnRef>
+          <a:fillRef idx="0">
+            <a:scrgbClr r="0" g="0" b="0"/>
+          </a:fillRef>
+          <a:effectRef idx="0">
+            <a:scrgbClr r="0" g="0" b="0"/>
+          </a:effectRef>
+          <a:fontRef idx="minor">
+            <a:schemeClr val="lt1"/>
+          </a:fontRef>
+        </p:style>
+        <p:txBody>
+          <a:bodyPr rtlCol="0" anchor="ctr"/>
+          <a:lstStyle/>
+          <a:p>
+            <a:pPr algn="ctr"/>
+            <a:endParaRPr lang="en-US"/>
+          </a:p>
+        </p:txBody>
+      </p:sp>
+      <p:sp>
+        <p:nvSpPr>
+          <p:cNvPr id="2" name="Title 1"/>
+          <p:cNvSpPr>
+            <a:spLocks noGrp="1"/>
+          </p:cNvSpPr>
+          <p:nvPr>
+            <p:ph type="title"/>
+          </p:nvPr>
+        </p:nvSpPr>
+        <p:spPr>
+          <a:xfrm>
+            <a:off x="482600" y="643467"/>
+            <a:ext cx="2522980" cy="1597315"/>
+          </a:xfrm>
+          <a:noFill/>
+          <a:ln w="19050">
+            <a:solidFill>
+              <a:schemeClr val="bg1"/>
+            </a:solidFill>
+          </a:ln>
+        </p:spPr>
+        <p:txBody>
+          <a:bodyPr vert="horz" wrap="square" lIns="91440" tIns="45720" rIns="91440" bIns="45720" rtlCol="0" anchor="ctr">
+            <a:normAutofit/>
+          </a:bodyPr>
+          <a:lstStyle/>
+          <a:p>
+            <a:pPr defTabSz="914400" eaLnBrk="1" hangingPunct="1">
+              <a:lnSpc>
+                <a:spcPct val="90000"/>
+              </a:lnSpc>
+            </a:pPr>
+            <a:r>
+              <a:rPr lang="en-US" sz="2400" kern="1200">
+                <a:solidFill>
+                  <a:schemeClr val="bg1"/>
+                </a:solidFill>
+                <a:latin typeface="+mj-lt"/>
+                <a:ea typeface="+mj-ea"/>
+                <a:cs typeface="+mj-cs"/>
+              </a:rPr>
+              <a:t>Running Code in RMarkdown</a:t>
+            </a:r>
+            <a:endParaRPr lang="en-US" sz="2400" kern="1200" dirty="0">
+              <a:solidFill>
+                <a:schemeClr val="bg1"/>
+              </a:solidFill>
+              <a:latin typeface="+mj-lt"/>
+              <a:ea typeface="+mj-ea"/>
+              <a:cs typeface="+mj-cs"/>
+            </a:endParaRPr>
+          </a:p>
+        </p:txBody>
+      </p:sp>
+      <p:pic>
+        <p:nvPicPr>
+          <p:cNvPr id="8" name="Picture 7">
+            <a:extLst>
+              <a:ext uri="{FF2B5EF4-FFF2-40B4-BE49-F238E27FC236}">
+                <a16:creationId xmlns:a16="http://schemas.microsoft.com/office/drawing/2014/main" id="{521D4292-9ECC-4DA5-8CC0-C561A0DA118E}"/>
+              </a:ext>
+            </a:extLst>
+          </p:cNvPr>
+          <p:cNvPicPr>
+            <a:picLocks noChangeAspect="1"/>
+          </p:cNvPicPr>
+          <p:nvPr/>
+        </p:nvPicPr>
+        <p:blipFill rotWithShape="1">
+          <a:blip r:embed="rId3"/>
+          <a:srcRect l="8000" r="9400"/>
+          <a:stretch/>
+        </p:blipFill>
+        <p:spPr>
+          <a:xfrm>
+            <a:off x="660103" y="3048000"/>
+            <a:ext cx="2167974" cy="2624666"/>
+          </a:xfrm>
+          <a:prstGeom prst="rect">
+            <a:avLst/>
+          </a:prstGeom>
+          <a:noFill/>
+        </p:spPr>
+      </p:pic>
+      <p:pic>
+        <p:nvPicPr>
+          <p:cNvPr id="7" name="Picture 6">
+            <a:extLst>
+              <a:ext uri="{FF2B5EF4-FFF2-40B4-BE49-F238E27FC236}">
+                <a16:creationId xmlns:a16="http://schemas.microsoft.com/office/drawing/2014/main" id="{F66E003F-FBAC-41D9-8575-59BE793E045D}"/>
+              </a:ext>
+            </a:extLst>
+          </p:cNvPr>
+          <p:cNvPicPr>
+            <a:picLocks noChangeAspect="1"/>
+          </p:cNvPicPr>
+          <p:nvPr/>
+        </p:nvPicPr>
+        <p:blipFill>
+          <a:blip r:embed="rId4"/>
+          <a:stretch>
+            <a:fillRect/>
+          </a:stretch>
+        </p:blipFill>
+        <p:spPr>
+          <a:xfrm>
+            <a:off x="3973322" y="1524000"/>
+            <a:ext cx="4876800" cy="4940135"/>
+          </a:xfrm>
+          <a:prstGeom prst="rect">
+            <a:avLst/>
+          </a:prstGeom>
+          <a:ln>
+            <a:solidFill>
+              <a:srgbClr val="404040"/>
+            </a:solidFill>
+          </a:ln>
+        </p:spPr>
+        <p:style>
+          <a:lnRef idx="2">
+            <a:schemeClr val="dk1"/>
+          </a:lnRef>
+          <a:fillRef idx="1">
+            <a:schemeClr val="lt1"/>
+          </a:fillRef>
+          <a:effectRef idx="0">
+            <a:schemeClr val="dk1"/>
+          </a:effectRef>
+          <a:fontRef idx="minor">
+            <a:schemeClr val="dk1"/>
+          </a:fontRef>
+        </p:style>
+      </p:pic>
+      <p:sp>
+        <p:nvSpPr>
+          <p:cNvPr id="17" name="Rectangle 16">
+            <a:extLst>
+              <a:ext uri="{FF2B5EF4-FFF2-40B4-BE49-F238E27FC236}">
+                <a16:creationId xmlns:a16="http://schemas.microsoft.com/office/drawing/2014/main" id="{13E5890C-9422-48E6-A2A1-69D00E9024C4}"/>
+              </a:ext>
+            </a:extLst>
+          </p:cNvPr>
+          <p:cNvSpPr/>
+          <p:nvPr/>
+        </p:nvSpPr>
+        <p:spPr>
+          <a:xfrm>
+            <a:off x="8392922" y="5720232"/>
+            <a:ext cx="147169" cy="147169"/>
+          </a:xfrm>
+          <a:prstGeom prst="rect">
+            <a:avLst/>
+          </a:prstGeom>
+          <a:noFill/>
+          <a:ln w="19050">
+            <a:solidFill>
+              <a:srgbClr val="404040"/>
+            </a:solidFill>
+          </a:ln>
+        </p:spPr>
+        <p:style>
+          <a:lnRef idx="1">
+            <a:schemeClr val="accent1"/>
+          </a:lnRef>
+          <a:fillRef idx="3">
+            <a:schemeClr val="accent1"/>
+          </a:fillRef>
+          <a:effectRef idx="2">
+            <a:schemeClr val="accent1"/>
+          </a:effectRef>
+          <a:fontRef idx="minor">
+            <a:schemeClr val="lt1"/>
+          </a:fontRef>
+        </p:style>
+        <p:txBody>
+          <a:bodyPr rtlCol="0" anchor="ctr"/>
+          <a:lstStyle/>
+          <a:p>
+            <a:pPr algn="ctr"/>
+            <a:endParaRPr lang="en-US"/>
+          </a:p>
+        </p:txBody>
+      </p:sp>
+      <p:cxnSp>
+        <p:nvCxnSpPr>
+          <p:cNvPr id="23" name="Straight Arrow Connector 22">
+            <a:extLst>
+              <a:ext uri="{FF2B5EF4-FFF2-40B4-BE49-F238E27FC236}">
+                <a16:creationId xmlns:a16="http://schemas.microsoft.com/office/drawing/2014/main" id="{45168794-B779-4E15-9498-2EBB6DC28469}"/>
+              </a:ext>
+            </a:extLst>
+          </p:cNvPr>
+          <p:cNvCxnSpPr>
+            <a:cxnSpLocks/>
+          </p:cNvCxnSpPr>
+          <p:nvPr/>
+        </p:nvCxnSpPr>
+        <p:spPr>
+          <a:xfrm flipH="1" flipV="1">
+            <a:off x="4811522" y="4953001"/>
+            <a:ext cx="3497962" cy="824858"/>
+          </a:xfrm>
+          <a:prstGeom prst="straightConnector1">
+            <a:avLst/>
+          </a:prstGeom>
+          <a:ln>
+            <a:solidFill>
+              <a:srgbClr val="404040"/>
+            </a:solidFill>
+            <a:tailEnd type="triangle"/>
+          </a:ln>
+        </p:spPr>
+        <p:style>
+          <a:lnRef idx="2">
+            <a:schemeClr val="dk1"/>
+          </a:lnRef>
+          <a:fillRef idx="0">
+            <a:schemeClr val="dk1"/>
+          </a:fillRef>
+          <a:effectRef idx="1">
+            <a:schemeClr val="dk1"/>
+          </a:effectRef>
+          <a:fontRef idx="minor">
+            <a:schemeClr val="tx1"/>
+          </a:fontRef>
+        </p:style>
+      </p:cxnSp>
+      <p:cxnSp>
+        <p:nvCxnSpPr>
+          <p:cNvPr id="24" name="Straight Arrow Connector 23">
+            <a:extLst>
+              <a:ext uri="{FF2B5EF4-FFF2-40B4-BE49-F238E27FC236}">
+                <a16:creationId xmlns:a16="http://schemas.microsoft.com/office/drawing/2014/main" id="{B9931EB1-8EE9-438B-A2D4-C41D31755760}"/>
+              </a:ext>
+            </a:extLst>
+          </p:cNvPr>
+          <p:cNvCxnSpPr>
+            <a:cxnSpLocks/>
+          </p:cNvCxnSpPr>
+          <p:nvPr/>
+        </p:nvCxnSpPr>
+        <p:spPr>
+          <a:xfrm flipH="1" flipV="1">
+            <a:off x="4659872" y="2743506"/>
+            <a:ext cx="3649612" cy="2895295"/>
+          </a:xfrm>
+          <a:prstGeom prst="straightConnector1">
+            <a:avLst/>
+          </a:prstGeom>
+          <a:ln>
+            <a:solidFill>
+              <a:srgbClr val="404040"/>
+            </a:solidFill>
+            <a:tailEnd type="triangle"/>
+          </a:ln>
+        </p:spPr>
+        <p:style>
+          <a:lnRef idx="2">
+            <a:schemeClr val="dk1"/>
+          </a:lnRef>
+          <a:fillRef idx="0">
+            <a:schemeClr val="dk1"/>
+          </a:fillRef>
+          <a:effectRef idx="1">
+            <a:schemeClr val="dk1"/>
+          </a:effectRef>
+          <a:fontRef idx="minor">
+            <a:schemeClr val="tx1"/>
+          </a:fontRef>
+        </p:style>
+      </p:cxnSp>
+      <p:sp>
+        <p:nvSpPr>
+          <p:cNvPr id="26" name="TextBox 25">
+            <a:extLst>
+              <a:ext uri="{FF2B5EF4-FFF2-40B4-BE49-F238E27FC236}">
+                <a16:creationId xmlns:a16="http://schemas.microsoft.com/office/drawing/2014/main" id="{88A0F412-8D5E-4A73-8DE1-84A17305E0E2}"/>
+              </a:ext>
+            </a:extLst>
+          </p:cNvPr>
+          <p:cNvSpPr txBox="1"/>
+          <p:nvPr/>
+        </p:nvSpPr>
+        <p:spPr>
+          <a:xfrm>
+            <a:off x="5620584" y="4931675"/>
+            <a:ext cx="2730619" cy="338554"/>
+          </a:xfrm>
+          <a:prstGeom prst="rect">
+            <a:avLst/>
+          </a:prstGeom>
+          <a:solidFill>
+            <a:srgbClr val="D5D5D5"/>
+          </a:solidFill>
+        </p:spPr>
+        <p:style>
+          <a:lnRef idx="2">
+            <a:schemeClr val="dk1"/>
+          </a:lnRef>
+          <a:fillRef idx="1">
+            <a:schemeClr val="lt1"/>
+          </a:fillRef>
+          <a:effectRef idx="0">
+            <a:schemeClr val="dk1"/>
+          </a:effectRef>
+          <a:fontRef idx="minor">
+            <a:schemeClr val="dk1"/>
+          </a:fontRef>
+        </p:style>
+        <p:txBody>
+          <a:bodyPr wrap="square" rtlCol="0">
+            <a:spAutoFit/>
+          </a:bodyPr>
+          <a:lstStyle/>
+          <a:p>
+            <a:pPr algn="ctr"/>
+            <a:r>
+              <a:rPr lang="en-US" sz="1600" dirty="0"/>
+              <a:t>Runs All Previous Chunks</a:t>
+            </a:r>
+          </a:p>
+        </p:txBody>
+      </p:sp>
+    </p:spTree>
+    <p:custDataLst>
+      <p:tags r:id="rId1"/>
+    </p:custDataLst>
+    <p:extLst>
+      <p:ext uri="{BB962C8B-B14F-4D97-AF65-F5344CB8AC3E}">
+        <p14:creationId xmlns:p14="http://schemas.microsoft.com/office/powerpoint/2010/main" val="2816278815"/>
       </p:ext>
     </p:extLst>
   </p:cSld>
@@ -9625,6 +16713,54 @@
 </p:tagLst>
 </file>
 
+<file path=ppt/tags/tag10.xml><?xml version="1.0" encoding="utf-8"?>
+<p:tagLst xmlns:a="http://schemas.openxmlformats.org/drawingml/2006/main" xmlns:r="http://schemas.openxmlformats.org/officeDocument/2006/relationships" xmlns:p="http://schemas.openxmlformats.org/presentationml/2006/main">
+  <p:tag name="DELIMITERS" val="3.1"/>
+</p:tagLst>
+</file>
+
+<file path=ppt/tags/tag11.xml><?xml version="1.0" encoding="utf-8"?>
+<p:tagLst xmlns:a="http://schemas.openxmlformats.org/drawingml/2006/main" xmlns:r="http://schemas.openxmlformats.org/officeDocument/2006/relationships" xmlns:p="http://schemas.openxmlformats.org/presentationml/2006/main">
+  <p:tag name="DELIMITERS" val="3.1"/>
+</p:tagLst>
+</file>
+
+<file path=ppt/tags/tag12.xml><?xml version="1.0" encoding="utf-8"?>
+<p:tagLst xmlns:a="http://schemas.openxmlformats.org/drawingml/2006/main" xmlns:r="http://schemas.openxmlformats.org/officeDocument/2006/relationships" xmlns:p="http://schemas.openxmlformats.org/presentationml/2006/main">
+  <p:tag name="DELIMITERS" val="3.1"/>
+</p:tagLst>
+</file>
+
+<file path=ppt/tags/tag13.xml><?xml version="1.0" encoding="utf-8"?>
+<p:tagLst xmlns:a="http://schemas.openxmlformats.org/drawingml/2006/main" xmlns:r="http://schemas.openxmlformats.org/officeDocument/2006/relationships" xmlns:p="http://schemas.openxmlformats.org/presentationml/2006/main">
+  <p:tag name="DELIMITERS" val="3.1"/>
+</p:tagLst>
+</file>
+
+<file path=ppt/tags/tag14.xml><?xml version="1.0" encoding="utf-8"?>
+<p:tagLst xmlns:a="http://schemas.openxmlformats.org/drawingml/2006/main" xmlns:r="http://schemas.openxmlformats.org/officeDocument/2006/relationships" xmlns:p="http://schemas.openxmlformats.org/presentationml/2006/main">
+  <p:tag name="DELIMITERS" val="3.1"/>
+</p:tagLst>
+</file>
+
+<file path=ppt/tags/tag15.xml><?xml version="1.0" encoding="utf-8"?>
+<p:tagLst xmlns:a="http://schemas.openxmlformats.org/drawingml/2006/main" xmlns:r="http://schemas.openxmlformats.org/officeDocument/2006/relationships" xmlns:p="http://schemas.openxmlformats.org/presentationml/2006/main">
+  <p:tag name="DELIMITERS" val="3.1"/>
+</p:tagLst>
+</file>
+
+<file path=ppt/tags/tag16.xml><?xml version="1.0" encoding="utf-8"?>
+<p:tagLst xmlns:a="http://schemas.openxmlformats.org/drawingml/2006/main" xmlns:r="http://schemas.openxmlformats.org/officeDocument/2006/relationships" xmlns:p="http://schemas.openxmlformats.org/presentationml/2006/main">
+  <p:tag name="DELIMITERS" val="3.1"/>
+</p:tagLst>
+</file>
+
+<file path=ppt/tags/tag17.xml><?xml version="1.0" encoding="utf-8"?>
+<p:tagLst xmlns:a="http://schemas.openxmlformats.org/drawingml/2006/main" xmlns:r="http://schemas.openxmlformats.org/officeDocument/2006/relationships" xmlns:p="http://schemas.openxmlformats.org/presentationml/2006/main">
+  <p:tag name="DELIMITERS" val="3.1"/>
+</p:tagLst>
+</file>
+
 <file path=ppt/tags/tag2.xml><?xml version="1.0" encoding="utf-8"?>
 <p:tagLst xmlns:a="http://schemas.openxmlformats.org/drawingml/2006/main" xmlns:r="http://schemas.openxmlformats.org/officeDocument/2006/relationships" xmlns:p="http://schemas.openxmlformats.org/presentationml/2006/main">
   <p:tag name="DELIMITERS" val="3.1"/>
@@ -9638,6 +16774,36 @@
 </file>
 
 <file path=ppt/tags/tag4.xml><?xml version="1.0" encoding="utf-8"?>
+<p:tagLst xmlns:a="http://schemas.openxmlformats.org/drawingml/2006/main" xmlns:r="http://schemas.openxmlformats.org/officeDocument/2006/relationships" xmlns:p="http://schemas.openxmlformats.org/presentationml/2006/main">
+  <p:tag name="DELIMITERS" val="3.1"/>
+</p:tagLst>
+</file>
+
+<file path=ppt/tags/tag5.xml><?xml version="1.0" encoding="utf-8"?>
+<p:tagLst xmlns:a="http://schemas.openxmlformats.org/drawingml/2006/main" xmlns:r="http://schemas.openxmlformats.org/officeDocument/2006/relationships" xmlns:p="http://schemas.openxmlformats.org/presentationml/2006/main">
+  <p:tag name="DELIMITERS" val="3.1"/>
+</p:tagLst>
+</file>
+
+<file path=ppt/tags/tag6.xml><?xml version="1.0" encoding="utf-8"?>
+<p:tagLst xmlns:a="http://schemas.openxmlformats.org/drawingml/2006/main" xmlns:r="http://schemas.openxmlformats.org/officeDocument/2006/relationships" xmlns:p="http://schemas.openxmlformats.org/presentationml/2006/main">
+  <p:tag name="DELIMITERS" val="3.1"/>
+</p:tagLst>
+</file>
+
+<file path=ppt/tags/tag7.xml><?xml version="1.0" encoding="utf-8"?>
+<p:tagLst xmlns:a="http://schemas.openxmlformats.org/drawingml/2006/main" xmlns:r="http://schemas.openxmlformats.org/officeDocument/2006/relationships" xmlns:p="http://schemas.openxmlformats.org/presentationml/2006/main">
+  <p:tag name="DELIMITERS" val="3.1"/>
+</p:tagLst>
+</file>
+
+<file path=ppt/tags/tag8.xml><?xml version="1.0" encoding="utf-8"?>
+<p:tagLst xmlns:a="http://schemas.openxmlformats.org/drawingml/2006/main" xmlns:r="http://schemas.openxmlformats.org/officeDocument/2006/relationships" xmlns:p="http://schemas.openxmlformats.org/presentationml/2006/main">
+  <p:tag name="DELIMITERS" val="3.1"/>
+</p:tagLst>
+</file>
+
+<file path=ppt/tags/tag9.xml><?xml version="1.0" encoding="utf-8"?>
 <p:tagLst xmlns:a="http://schemas.openxmlformats.org/drawingml/2006/main" xmlns:r="http://schemas.openxmlformats.org/officeDocument/2006/relationships" xmlns:p="http://schemas.openxmlformats.org/presentationml/2006/main">
   <p:tag name="DELIMITERS" val="3.1"/>
 </p:tagLst>
@@ -9923,17 +17089,17 @@
       <a:bodyPr/>
       <a:lstStyle/>
       <a:style>
-        <a:lnRef idx="1">
-          <a:schemeClr val="accent1"/>
+        <a:lnRef idx="2">
+          <a:schemeClr val="dk1"/>
         </a:lnRef>
-        <a:fillRef idx="3">
-          <a:schemeClr val="accent1"/>
+        <a:fillRef idx="1">
+          <a:schemeClr val="lt1"/>
         </a:fillRef>
-        <a:effectRef idx="2">
-          <a:schemeClr val="accent1"/>
+        <a:effectRef idx="0">
+          <a:schemeClr val="dk1"/>
         </a:effectRef>
         <a:fontRef idx="minor">
-          <a:schemeClr val="lt1"/>
+          <a:schemeClr val="dk1"/>
         </a:fontRef>
       </a:style>
     </a:spDef>
